--- a/presentationSISOA.pptx
+++ b/presentationSISOA.pptx
@@ -6,6 +6,7 @@
   </p:sldMasterIdLst>
   <p:sldIdLst>
     <p:sldId id="256" r:id="rId2"/>
+    <p:sldId id="257" r:id="rId3"/>
   </p:sldIdLst>
   <p:sldSz cx="9144000" cy="6858000" type="screen4x3"/>
   <p:notesSz cx="6858000" cy="9144000"/>
@@ -3696,12 +3697,76 @@
             <p:ph type="subTitle" idx="1"/>
           </p:nvPr>
         </p:nvSpPr>
-        <p:spPr/>
-        <p:txBody>
-          <a:bodyPr/>
-          <a:lstStyle/>
-          <a:p>
-            <a:endParaRPr lang="fr-FR"/>
+        <p:spPr>
+          <a:xfrm>
+            <a:off x="1322921" y="3658521"/>
+            <a:ext cx="6498159" cy="916641"/>
+          </a:xfrm>
+        </p:spPr>
+        <p:txBody>
+          <a:bodyPr/>
+          <a:lstStyle/>
+          <a:p>
+            <a:r>
+              <a:rPr lang="fr-FR" dirty="0" smtClean="0"/>
+              <a:t>H4111</a:t>
+            </a:r>
+            <a:endParaRPr lang="fr-FR" dirty="0"/>
+          </a:p>
+        </p:txBody>
+      </p:sp>
+      <p:sp>
+        <p:nvSpPr>
+          <p:cNvPr id="4" name="TextBox 3"/>
+          <p:cNvSpPr txBox="1"/>
+          <p:nvPr/>
+        </p:nvSpPr>
+        <p:spPr>
+          <a:xfrm>
+            <a:off x="0" y="5080511"/>
+            <a:ext cx="9144000" cy="369332"/>
+          </a:xfrm>
+          <a:prstGeom prst="rect">
+            <a:avLst/>
+          </a:prstGeom>
+          <a:noFill/>
+        </p:spPr>
+        <p:txBody>
+          <a:bodyPr wrap="square" rtlCol="0">
+            <a:spAutoFit/>
+          </a:bodyPr>
+          <a:lstStyle/>
+          <a:p>
+            <a:pPr algn="ctr"/>
+            <a:r>
+              <a:rPr lang="fr-FR" dirty="0" smtClean="0"/>
+              <a:t>Quentin Calvez/Matthieu Coquet/Jan </a:t>
+            </a:r>
+            <a:r>
+              <a:rPr lang="fr-FR" dirty="0" err="1" smtClean="0"/>
+              <a:t>Keromnes</a:t>
+            </a:r>
+            <a:r>
+              <a:rPr lang="fr-FR" dirty="0" smtClean="0"/>
+              <a:t>/Xavier </a:t>
+            </a:r>
+            <a:r>
+              <a:rPr lang="fr-FR" dirty="0" err="1" smtClean="0"/>
+              <a:t>Sauvagnat</a:t>
+            </a:r>
+            <a:r>
+              <a:rPr lang="fr-FR" dirty="0" smtClean="0"/>
+              <a:t>/</a:t>
+            </a:r>
+            <a:r>
+              <a:rPr lang="fr-FR" dirty="0" err="1" smtClean="0"/>
+              <a:t>Thadee</a:t>
+            </a:r>
+            <a:r>
+              <a:rPr lang="fr-FR" dirty="0" smtClean="0"/>
+              <a:t> Tyl</a:t>
+            </a:r>
+            <a:endParaRPr lang="fr-FR" dirty="0"/>
           </a:p>
         </p:txBody>
       </p:sp>
@@ -3722,6 +3787,101 @@
       </p:par>
     </p:tnLst>
   </p:timing>
+</p:sld>
+</file>
+
+<file path=ppt/slides/slide2.xml><?xml version="1.0" encoding="utf-8"?>
+<p:sld xmlns:a="http://schemas.openxmlformats.org/drawingml/2006/main" xmlns:r="http://schemas.openxmlformats.org/officeDocument/2006/relationships" xmlns:p="http://schemas.openxmlformats.org/presentationml/2006/main">
+  <p:cSld>
+    <p:spTree>
+      <p:nvGrpSpPr>
+        <p:cNvPr id="1" name=""/>
+        <p:cNvGrpSpPr/>
+        <p:nvPr/>
+      </p:nvGrpSpPr>
+      <p:grpSpPr>
+        <a:xfrm>
+          <a:off x="0" y="0"/>
+          <a:ext cx="0" cy="0"/>
+          <a:chOff x="0" y="0"/>
+          <a:chExt cx="0" cy="0"/>
+        </a:xfrm>
+      </p:grpSpPr>
+      <p:sp>
+        <p:nvSpPr>
+          <p:cNvPr id="2" name="Title 1"/>
+          <p:cNvSpPr>
+            <a:spLocks noGrp="1"/>
+          </p:cNvSpPr>
+          <p:nvPr>
+            <p:ph type="title"/>
+          </p:nvPr>
+        </p:nvSpPr>
+        <p:spPr/>
+        <p:txBody>
+          <a:bodyPr/>
+          <a:lstStyle/>
+          <a:p>
+            <a:r>
+              <a:rPr lang="fr-FR" dirty="0" smtClean="0"/>
+              <a:t>Objectifs </a:t>
+            </a:r>
+            <a:endParaRPr lang="fr-FR" dirty="0"/>
+          </a:p>
+        </p:txBody>
+      </p:sp>
+      <p:sp>
+        <p:nvSpPr>
+          <p:cNvPr id="3" name="Content Placeholder 2"/>
+          <p:cNvSpPr>
+            <a:spLocks noGrp="1"/>
+          </p:cNvSpPr>
+          <p:nvPr>
+            <p:ph idx="1"/>
+          </p:nvPr>
+        </p:nvSpPr>
+        <p:spPr/>
+        <p:txBody>
+          <a:bodyPr/>
+          <a:lstStyle/>
+          <a:p>
+            <a:r>
+              <a:rPr lang="fr-FR" dirty="0" smtClean="0"/>
+              <a:t>Apporter une aide informatique au personnel d’une banque </a:t>
+            </a:r>
+          </a:p>
+          <a:p>
+            <a:r>
+              <a:rPr lang="fr-FR" dirty="0" smtClean="0"/>
+              <a:t>Concevoir des applications au plus proche du </a:t>
+            </a:r>
+            <a:r>
+              <a:rPr lang="fr-FR" b="1" dirty="0" smtClean="0"/>
+              <a:t>métier </a:t>
+            </a:r>
+            <a:r>
+              <a:rPr lang="fr-FR" dirty="0" smtClean="0"/>
+              <a:t>« gestion des contacts commerciaux »</a:t>
+            </a:r>
+          </a:p>
+          <a:p>
+            <a:r>
+              <a:rPr lang="fr-FR" dirty="0" smtClean="0"/>
+              <a:t>Mettre en place une architecture de service </a:t>
+            </a:r>
+          </a:p>
+        </p:txBody>
+      </p:sp>
+    </p:spTree>
+    <p:extLst>
+      <p:ext uri="{BB962C8B-B14F-4D97-AF65-F5344CB8AC3E}">
+        <p14:creationId xmlns:p14="http://schemas.microsoft.com/office/powerpoint/2010/main" val="896328180"/>
+      </p:ext>
+    </p:extLst>
+  </p:cSld>
+  <p:clrMapOvr>
+    <a:masterClrMapping/>
+  </p:clrMapOvr>
 </p:sld>
 </file>
 

--- a/presentationSISOA.pptx
+++ b/presentationSISOA.pptx
@@ -7,6 +7,15 @@
   <p:sldIdLst>
     <p:sldId id="256" r:id="rId2"/>
     <p:sldId id="257" r:id="rId3"/>
+    <p:sldId id="258" r:id="rId4"/>
+    <p:sldId id="259" r:id="rId5"/>
+    <p:sldId id="260" r:id="rId6"/>
+    <p:sldId id="261" r:id="rId7"/>
+    <p:sldId id="262" r:id="rId8"/>
+    <p:sldId id="263" r:id="rId9"/>
+    <p:sldId id="264" r:id="rId10"/>
+    <p:sldId id="265" r:id="rId11"/>
+    <p:sldId id="266" r:id="rId12"/>
   </p:sldIdLst>
   <p:sldSz cx="9144000" cy="6858000" type="screen4x3"/>
   <p:notesSz cx="6858000" cy="9144000"/>
@@ -3790,6 +3799,196 @@
 </p:sld>
 </file>
 
+<file path=ppt/slides/slide10.xml><?xml version="1.0" encoding="utf-8"?>
+<p:sld xmlns:a="http://schemas.openxmlformats.org/drawingml/2006/main" xmlns:r="http://schemas.openxmlformats.org/officeDocument/2006/relationships" xmlns:p="http://schemas.openxmlformats.org/presentationml/2006/main">
+  <p:cSld>
+    <p:spTree>
+      <p:nvGrpSpPr>
+        <p:cNvPr id="1" name=""/>
+        <p:cNvGrpSpPr/>
+        <p:nvPr/>
+      </p:nvGrpSpPr>
+      <p:grpSpPr>
+        <a:xfrm>
+          <a:off x="0" y="0"/>
+          <a:ext cx="0" cy="0"/>
+          <a:chOff x="0" y="0"/>
+          <a:chExt cx="0" cy="0"/>
+        </a:xfrm>
+      </p:grpSpPr>
+      <p:sp>
+        <p:nvSpPr>
+          <p:cNvPr id="2" name="Title 1"/>
+          <p:cNvSpPr>
+            <a:spLocks noGrp="1"/>
+          </p:cNvSpPr>
+          <p:nvPr>
+            <p:ph type="title"/>
+          </p:nvPr>
+        </p:nvSpPr>
+        <p:spPr>
+          <a:xfrm>
+            <a:off x="0" y="-579495"/>
+            <a:ext cx="9144000" cy="1336956"/>
+          </a:xfrm>
+        </p:spPr>
+        <p:txBody>
+          <a:bodyPr/>
+          <a:lstStyle/>
+          <a:p>
+            <a:r>
+              <a:rPr lang="fr-FR" sz="3500" dirty="0" smtClean="0"/>
+              <a:t>CU7 : Consultation des agendas</a:t>
+            </a:r>
+            <a:endParaRPr lang="fr-FR" sz="3500" dirty="0"/>
+          </a:p>
+        </p:txBody>
+      </p:sp>
+      <p:pic>
+        <p:nvPicPr>
+          <p:cNvPr id="4" name="Picture 3" descr="cu7.png"/>
+          <p:cNvPicPr>
+            <a:picLocks noChangeAspect="1"/>
+          </p:cNvPicPr>
+          <p:nvPr/>
+        </p:nvPicPr>
+        <p:blipFill>
+          <a:blip r:embed="rId2">
+            <a:extLst>
+              <a:ext uri="{28A0092B-C50C-407E-A947-70E740481C1C}">
+                <a14:useLocalDpi xmlns:a14="http://schemas.microsoft.com/office/drawing/2010/main" val="0"/>
+              </a:ext>
+            </a:extLst>
+          </a:blip>
+          <a:stretch>
+            <a:fillRect/>
+          </a:stretch>
+        </p:blipFill>
+        <p:spPr>
+          <a:xfrm>
+            <a:off x="1128500" y="757460"/>
+            <a:ext cx="6887000" cy="6100539"/>
+          </a:xfrm>
+          <a:prstGeom prst="rect">
+            <a:avLst/>
+          </a:prstGeom>
+        </p:spPr>
+      </p:pic>
+    </p:spTree>
+    <p:extLst>
+      <p:ext uri="{BB962C8B-B14F-4D97-AF65-F5344CB8AC3E}">
+        <p14:creationId xmlns:p14="http://schemas.microsoft.com/office/powerpoint/2010/main" val="2067935483"/>
+      </p:ext>
+    </p:extLst>
+  </p:cSld>
+  <p:clrMapOvr>
+    <a:masterClrMapping/>
+  </p:clrMapOvr>
+  <p:timing>
+    <p:tnLst>
+      <p:par>
+        <p:cTn xmlns:p14="http://schemas.microsoft.com/office/powerpoint/2010/main" id="1" dur="indefinite" restart="never" nodeType="tmRoot"/>
+      </p:par>
+    </p:tnLst>
+  </p:timing>
+</p:sld>
+</file>
+
+<file path=ppt/slides/slide11.xml><?xml version="1.0" encoding="utf-8"?>
+<p:sld xmlns:a="http://schemas.openxmlformats.org/drawingml/2006/main" xmlns:r="http://schemas.openxmlformats.org/officeDocument/2006/relationships" xmlns:p="http://schemas.openxmlformats.org/presentationml/2006/main">
+  <p:cSld>
+    <p:spTree>
+      <p:nvGrpSpPr>
+        <p:cNvPr id="1" name=""/>
+        <p:cNvGrpSpPr/>
+        <p:nvPr/>
+      </p:nvGrpSpPr>
+      <p:grpSpPr>
+        <a:xfrm>
+          <a:off x="0" y="0"/>
+          <a:ext cx="0" cy="0"/>
+          <a:chOff x="0" y="0"/>
+          <a:chExt cx="0" cy="0"/>
+        </a:xfrm>
+      </p:grpSpPr>
+      <p:sp>
+        <p:nvSpPr>
+          <p:cNvPr id="2" name="Title 1"/>
+          <p:cNvSpPr>
+            <a:spLocks noGrp="1"/>
+          </p:cNvSpPr>
+          <p:nvPr>
+            <p:ph type="title"/>
+          </p:nvPr>
+        </p:nvSpPr>
+        <p:spPr>
+          <a:xfrm>
+            <a:off x="0" y="-579495"/>
+            <a:ext cx="9144000" cy="1336956"/>
+          </a:xfrm>
+        </p:spPr>
+        <p:txBody>
+          <a:bodyPr/>
+          <a:lstStyle/>
+          <a:p>
+            <a:r>
+              <a:rPr lang="fr-FR" sz="3200" dirty="0" smtClean="0"/>
+              <a:t>CU4 : Gestion de la liste des contacts clients</a:t>
+            </a:r>
+            <a:endParaRPr lang="fr-FR" sz="3200" dirty="0"/>
+          </a:p>
+        </p:txBody>
+      </p:sp>
+      <p:pic>
+        <p:nvPicPr>
+          <p:cNvPr id="3" name="Picture 2" descr="cu4.png"/>
+          <p:cNvPicPr>
+            <a:picLocks noChangeAspect="1"/>
+          </p:cNvPicPr>
+          <p:nvPr/>
+        </p:nvPicPr>
+        <p:blipFill>
+          <a:blip r:embed="rId2">
+            <a:extLst>
+              <a:ext uri="{28A0092B-C50C-407E-A947-70E740481C1C}">
+                <a14:useLocalDpi xmlns:a14="http://schemas.microsoft.com/office/drawing/2010/main" val="0"/>
+              </a:ext>
+            </a:extLst>
+          </a:blip>
+          <a:stretch>
+            <a:fillRect/>
+          </a:stretch>
+        </p:blipFill>
+        <p:spPr>
+          <a:xfrm>
+            <a:off x="733567" y="757462"/>
+            <a:ext cx="7676866" cy="6100538"/>
+          </a:xfrm>
+          <a:prstGeom prst="rect">
+            <a:avLst/>
+          </a:prstGeom>
+        </p:spPr>
+      </p:pic>
+    </p:spTree>
+    <p:extLst>
+      <p:ext uri="{BB962C8B-B14F-4D97-AF65-F5344CB8AC3E}">
+        <p14:creationId xmlns:p14="http://schemas.microsoft.com/office/powerpoint/2010/main" val="3901940252"/>
+      </p:ext>
+    </p:extLst>
+  </p:cSld>
+  <p:clrMapOvr>
+    <a:masterClrMapping/>
+  </p:clrMapOvr>
+  <p:timing>
+    <p:tnLst>
+      <p:par>
+        <p:cTn xmlns:p14="http://schemas.microsoft.com/office/powerpoint/2010/main" id="1" dur="indefinite" restart="never" nodeType="tmRoot"/>
+      </p:par>
+    </p:tnLst>
+  </p:timing>
+</p:sld>
+</file>
+
 <file path=ppt/slides/slide2.xml><?xml version="1.0" encoding="utf-8"?>
 <p:sld xmlns:a="http://schemas.openxmlformats.org/drawingml/2006/main" xmlns:r="http://schemas.openxmlformats.org/officeDocument/2006/relationships" xmlns:p="http://schemas.openxmlformats.org/presentationml/2006/main">
   <p:cSld>
@@ -3882,6 +4081,703 @@
   <p:clrMapOvr>
     <a:masterClrMapping/>
   </p:clrMapOvr>
+</p:sld>
+</file>
+
+<file path=ppt/slides/slide3.xml><?xml version="1.0" encoding="utf-8"?>
+<p:sld xmlns:a="http://schemas.openxmlformats.org/drawingml/2006/main" xmlns:r="http://schemas.openxmlformats.org/officeDocument/2006/relationships" xmlns:p="http://schemas.openxmlformats.org/presentationml/2006/main">
+  <p:cSld>
+    <p:spTree>
+      <p:nvGrpSpPr>
+        <p:cNvPr id="1" name=""/>
+        <p:cNvGrpSpPr/>
+        <p:nvPr/>
+      </p:nvGrpSpPr>
+      <p:grpSpPr>
+        <a:xfrm>
+          <a:off x="0" y="0"/>
+          <a:ext cx="0" cy="0"/>
+          <a:chOff x="0" y="0"/>
+          <a:chExt cx="0" cy="0"/>
+        </a:xfrm>
+      </p:grpSpPr>
+      <p:sp>
+        <p:nvSpPr>
+          <p:cNvPr id="2" name="Title 1"/>
+          <p:cNvSpPr>
+            <a:spLocks noGrp="1"/>
+          </p:cNvSpPr>
+          <p:nvPr>
+            <p:ph type="title"/>
+          </p:nvPr>
+        </p:nvSpPr>
+        <p:spPr/>
+        <p:txBody>
+          <a:bodyPr/>
+          <a:lstStyle/>
+          <a:p>
+            <a:r>
+              <a:rPr lang="fr-FR" dirty="0" smtClean="0"/>
+              <a:t>Diagrammes d’activité</a:t>
+            </a:r>
+            <a:endParaRPr lang="fr-FR" dirty="0"/>
+          </a:p>
+        </p:txBody>
+      </p:sp>
+      <p:sp>
+        <p:nvSpPr>
+          <p:cNvPr id="3" name="Content Placeholder 2"/>
+          <p:cNvSpPr>
+            <a:spLocks noGrp="1"/>
+          </p:cNvSpPr>
+          <p:nvPr>
+            <p:ph idx="1"/>
+          </p:nvPr>
+        </p:nvSpPr>
+        <p:spPr/>
+        <p:txBody>
+          <a:bodyPr/>
+          <a:lstStyle/>
+          <a:p>
+            <a:r>
+              <a:rPr lang="fr-FR" dirty="0" smtClean="0"/>
+              <a:t>Permet de séquencer un cas d’utilisation</a:t>
+            </a:r>
+          </a:p>
+          <a:p>
+            <a:r>
+              <a:rPr lang="fr-FR" dirty="0" smtClean="0"/>
+              <a:t>Décrit les choix qu’un utilisateur est amené à faire pour réaliser une action</a:t>
+            </a:r>
+          </a:p>
+          <a:p>
+            <a:r>
+              <a:rPr lang="fr-FR" dirty="0" smtClean="0"/>
+              <a:t>Présentation de deux diagrammes d’activités correspondant à deux cas d’utilisation :</a:t>
+            </a:r>
+            <a:endParaRPr lang="fr-FR" dirty="0"/>
+          </a:p>
+          <a:p>
+            <a:endParaRPr lang="fr-FR" dirty="0"/>
+          </a:p>
+          <a:p>
+            <a:pPr lvl="1"/>
+            <a:r>
+              <a:rPr lang="fr-FR" dirty="0" smtClean="0"/>
+              <a:t>CU4 : Gestion de la liste des contacts clients</a:t>
+            </a:r>
+            <a:endParaRPr lang="fr-FR" dirty="0"/>
+          </a:p>
+          <a:p>
+            <a:pPr lvl="1"/>
+            <a:r>
+              <a:rPr lang="fr-FR" dirty="0" smtClean="0"/>
+              <a:t>CU5 : Planification de l’activité de l’agence du mois suivant</a:t>
+            </a:r>
+          </a:p>
+        </p:txBody>
+      </p:sp>
+    </p:spTree>
+    <p:extLst>
+      <p:ext uri="{BB962C8B-B14F-4D97-AF65-F5344CB8AC3E}">
+        <p14:creationId xmlns:p14="http://schemas.microsoft.com/office/powerpoint/2010/main" val="983338069"/>
+      </p:ext>
+    </p:extLst>
+  </p:cSld>
+  <p:clrMapOvr>
+    <a:masterClrMapping/>
+  </p:clrMapOvr>
+  <p:timing>
+    <p:tnLst>
+      <p:par>
+        <p:cTn xmlns:p14="http://schemas.microsoft.com/office/powerpoint/2010/main" id="1" dur="indefinite" restart="never" nodeType="tmRoot"/>
+      </p:par>
+    </p:tnLst>
+  </p:timing>
+</p:sld>
+</file>
+
+<file path=ppt/slides/slide4.xml><?xml version="1.0" encoding="utf-8"?>
+<p:sld xmlns:a="http://schemas.openxmlformats.org/drawingml/2006/main" xmlns:r="http://schemas.openxmlformats.org/officeDocument/2006/relationships" xmlns:p="http://schemas.openxmlformats.org/presentationml/2006/main">
+  <p:cSld>
+    <p:spTree>
+      <p:nvGrpSpPr>
+        <p:cNvPr id="1" name=""/>
+        <p:cNvGrpSpPr/>
+        <p:nvPr/>
+      </p:nvGrpSpPr>
+      <p:grpSpPr>
+        <a:xfrm>
+          <a:off x="0" y="0"/>
+          <a:ext cx="0" cy="0"/>
+          <a:chOff x="0" y="0"/>
+          <a:chExt cx="0" cy="0"/>
+        </a:xfrm>
+      </p:grpSpPr>
+      <p:pic>
+        <p:nvPicPr>
+          <p:cNvPr id="5" name="Picture 4" descr="DACU4.png"/>
+          <p:cNvPicPr>
+            <a:picLocks noChangeAspect="1"/>
+          </p:cNvPicPr>
+          <p:nvPr/>
+        </p:nvPicPr>
+        <p:blipFill>
+          <a:blip r:embed="rId2" cstate="print">
+            <a:extLst>
+              <a:ext uri="{28A0092B-C50C-407E-A947-70E740481C1C}">
+                <a14:useLocalDpi xmlns:a14="http://schemas.microsoft.com/office/drawing/2010/main" val="0"/>
+              </a:ext>
+            </a:extLst>
+          </a:blip>
+          <a:stretch>
+            <a:fillRect/>
+          </a:stretch>
+        </p:blipFill>
+        <p:spPr>
+          <a:xfrm>
+            <a:off x="4051495" y="0"/>
+            <a:ext cx="4340457" cy="6858000"/>
+          </a:xfrm>
+          <a:prstGeom prst="rect">
+            <a:avLst/>
+          </a:prstGeom>
+        </p:spPr>
+      </p:pic>
+      <p:sp>
+        <p:nvSpPr>
+          <p:cNvPr id="6" name="TextBox 5"/>
+          <p:cNvSpPr txBox="1"/>
+          <p:nvPr/>
+        </p:nvSpPr>
+        <p:spPr>
+          <a:xfrm>
+            <a:off x="996796" y="1318151"/>
+            <a:ext cx="2170444" cy="923330"/>
+          </a:xfrm>
+          <a:prstGeom prst="rect">
+            <a:avLst/>
+          </a:prstGeom>
+          <a:noFill/>
+        </p:spPr>
+        <p:txBody>
+          <a:bodyPr wrap="square" rtlCol="0">
+            <a:spAutoFit/>
+          </a:bodyPr>
+          <a:lstStyle/>
+          <a:p>
+            <a:pPr algn="ctr"/>
+            <a:r>
+              <a:rPr lang="fr-FR" dirty="0" smtClean="0"/>
+              <a:t>CU4 : Gestion de la liste des contacts clients</a:t>
+            </a:r>
+            <a:endParaRPr lang="fr-FR" dirty="0"/>
+          </a:p>
+        </p:txBody>
+      </p:sp>
+    </p:spTree>
+    <p:extLst>
+      <p:ext uri="{BB962C8B-B14F-4D97-AF65-F5344CB8AC3E}">
+        <p14:creationId xmlns:p14="http://schemas.microsoft.com/office/powerpoint/2010/main" val="1255538639"/>
+      </p:ext>
+    </p:extLst>
+  </p:cSld>
+  <p:clrMapOvr>
+    <a:masterClrMapping/>
+  </p:clrMapOvr>
+  <p:timing>
+    <p:tnLst>
+      <p:par>
+        <p:cTn xmlns:p14="http://schemas.microsoft.com/office/powerpoint/2010/main" id="1" dur="indefinite" restart="never" nodeType="tmRoot"/>
+      </p:par>
+    </p:tnLst>
+  </p:timing>
+</p:sld>
+</file>
+
+<file path=ppt/slides/slide5.xml><?xml version="1.0" encoding="utf-8"?>
+<p:sld xmlns:a="http://schemas.openxmlformats.org/drawingml/2006/main" xmlns:r="http://schemas.openxmlformats.org/officeDocument/2006/relationships" xmlns:p="http://schemas.openxmlformats.org/presentationml/2006/main">
+  <p:cSld>
+    <p:spTree>
+      <p:nvGrpSpPr>
+        <p:cNvPr id="1" name=""/>
+        <p:cNvGrpSpPr/>
+        <p:nvPr/>
+      </p:nvGrpSpPr>
+      <p:grpSpPr>
+        <a:xfrm>
+          <a:off x="0" y="0"/>
+          <a:ext cx="0" cy="0"/>
+          <a:chOff x="0" y="0"/>
+          <a:chExt cx="0" cy="0"/>
+        </a:xfrm>
+      </p:grpSpPr>
+      <p:sp>
+        <p:nvSpPr>
+          <p:cNvPr id="6" name="TextBox 5"/>
+          <p:cNvSpPr txBox="1"/>
+          <p:nvPr/>
+        </p:nvSpPr>
+        <p:spPr>
+          <a:xfrm>
+            <a:off x="996795" y="1318151"/>
+            <a:ext cx="2910003" cy="923330"/>
+          </a:xfrm>
+          <a:prstGeom prst="rect">
+            <a:avLst/>
+          </a:prstGeom>
+          <a:noFill/>
+        </p:spPr>
+        <p:txBody>
+          <a:bodyPr wrap="square" rtlCol="0">
+            <a:spAutoFit/>
+          </a:bodyPr>
+          <a:lstStyle/>
+          <a:p>
+            <a:pPr algn="ctr"/>
+            <a:r>
+              <a:rPr lang="fr-FR" dirty="0" smtClean="0"/>
+              <a:t>CU5 : Planification de l’activité de l’agence du mois suivant</a:t>
+            </a:r>
+            <a:endParaRPr lang="fr-FR" dirty="0"/>
+          </a:p>
+        </p:txBody>
+      </p:sp>
+      <p:pic>
+        <p:nvPicPr>
+          <p:cNvPr id="2" name="Picture 1" descr="DACU5.png"/>
+          <p:cNvPicPr>
+            <a:picLocks noChangeAspect="1"/>
+          </p:cNvPicPr>
+          <p:nvPr/>
+        </p:nvPicPr>
+        <p:blipFill>
+          <a:blip r:embed="rId2" cstate="print">
+            <a:extLst>
+              <a:ext uri="{28A0092B-C50C-407E-A947-70E740481C1C}">
+                <a14:useLocalDpi xmlns:a14="http://schemas.microsoft.com/office/drawing/2010/main" val="0"/>
+              </a:ext>
+            </a:extLst>
+          </a:blip>
+          <a:stretch>
+            <a:fillRect/>
+          </a:stretch>
+        </p:blipFill>
+        <p:spPr>
+          <a:xfrm>
+            <a:off x="3945751" y="0"/>
+            <a:ext cx="4764170" cy="6858000"/>
+          </a:xfrm>
+          <a:prstGeom prst="rect">
+            <a:avLst/>
+          </a:prstGeom>
+        </p:spPr>
+      </p:pic>
+    </p:spTree>
+    <p:extLst>
+      <p:ext uri="{BB962C8B-B14F-4D97-AF65-F5344CB8AC3E}">
+        <p14:creationId xmlns:p14="http://schemas.microsoft.com/office/powerpoint/2010/main" val="3756641540"/>
+      </p:ext>
+    </p:extLst>
+  </p:cSld>
+  <p:clrMapOvr>
+    <a:masterClrMapping/>
+  </p:clrMapOvr>
+  <p:timing>
+    <p:tnLst>
+      <p:par>
+        <p:cTn xmlns:p14="http://schemas.microsoft.com/office/powerpoint/2010/main" id="1" dur="indefinite" restart="never" nodeType="tmRoot"/>
+      </p:par>
+    </p:tnLst>
+  </p:timing>
+</p:sld>
+</file>
+
+<file path=ppt/slides/slide6.xml><?xml version="1.0" encoding="utf-8"?>
+<p:sld xmlns:a="http://schemas.openxmlformats.org/drawingml/2006/main" xmlns:r="http://schemas.openxmlformats.org/officeDocument/2006/relationships" xmlns:p="http://schemas.openxmlformats.org/presentationml/2006/main">
+  <p:cSld>
+    <p:spTree>
+      <p:nvGrpSpPr>
+        <p:cNvPr id="1" name=""/>
+        <p:cNvGrpSpPr/>
+        <p:nvPr/>
+      </p:nvGrpSpPr>
+      <p:grpSpPr>
+        <a:xfrm>
+          <a:off x="0" y="0"/>
+          <a:ext cx="0" cy="0"/>
+          <a:chOff x="0" y="0"/>
+          <a:chExt cx="0" cy="0"/>
+        </a:xfrm>
+      </p:grpSpPr>
+      <p:sp>
+        <p:nvSpPr>
+          <p:cNvPr id="2" name="Title 1"/>
+          <p:cNvSpPr>
+            <a:spLocks noGrp="1"/>
+          </p:cNvSpPr>
+          <p:nvPr>
+            <p:ph type="title"/>
+          </p:nvPr>
+        </p:nvSpPr>
+        <p:spPr/>
+        <p:txBody>
+          <a:bodyPr/>
+          <a:lstStyle/>
+          <a:p>
+            <a:r>
+              <a:rPr lang="fr-FR" dirty="0" smtClean="0"/>
+              <a:t>MCD	</a:t>
+            </a:r>
+            <a:endParaRPr lang="fr-FR" dirty="0"/>
+          </a:p>
+        </p:txBody>
+      </p:sp>
+      <p:sp>
+        <p:nvSpPr>
+          <p:cNvPr id="3" name="Content Placeholder 2"/>
+          <p:cNvSpPr>
+            <a:spLocks noGrp="1"/>
+          </p:cNvSpPr>
+          <p:nvPr>
+            <p:ph idx="1"/>
+          </p:nvPr>
+        </p:nvSpPr>
+        <p:spPr/>
+        <p:txBody>
+          <a:bodyPr/>
+          <a:lstStyle/>
+          <a:p>
+            <a:r>
+              <a:rPr lang="fr-FR" dirty="0" smtClean="0"/>
+              <a:t>Mise en avant des objets métiers </a:t>
+            </a:r>
+          </a:p>
+          <a:p>
+            <a:r>
+              <a:rPr lang="fr-FR" dirty="0" smtClean="0"/>
+              <a:t>Visualisation de ces objets métiers depuis :</a:t>
+            </a:r>
+          </a:p>
+          <a:p>
+            <a:pPr lvl="1"/>
+            <a:r>
+              <a:rPr lang="fr-FR" dirty="0" smtClean="0"/>
+              <a:t> MCD </a:t>
+            </a:r>
+            <a:r>
+              <a:rPr lang="en-US" dirty="0" smtClean="0"/>
+              <a:t>–</a:t>
+            </a:r>
+            <a:r>
+              <a:rPr lang="fr-FR" dirty="0" smtClean="0"/>
+              <a:t> Clients et Produits  </a:t>
+            </a:r>
+          </a:p>
+          <a:p>
+            <a:pPr lvl="1"/>
+            <a:r>
+              <a:rPr lang="fr-FR" dirty="0" smtClean="0"/>
+              <a:t> MCD </a:t>
+            </a:r>
+            <a:r>
+              <a:rPr lang="en-US" dirty="0" smtClean="0"/>
+              <a:t>–</a:t>
+            </a:r>
+            <a:r>
+              <a:rPr lang="fr-FR" dirty="0" smtClean="0"/>
+              <a:t> Commercial</a:t>
+            </a:r>
+            <a:endParaRPr lang="fr-FR" dirty="0"/>
+          </a:p>
+        </p:txBody>
+      </p:sp>
+    </p:spTree>
+    <p:extLst>
+      <p:ext uri="{BB962C8B-B14F-4D97-AF65-F5344CB8AC3E}">
+        <p14:creationId xmlns:p14="http://schemas.microsoft.com/office/powerpoint/2010/main" val="787961921"/>
+      </p:ext>
+    </p:extLst>
+  </p:cSld>
+  <p:clrMapOvr>
+    <a:masterClrMapping/>
+  </p:clrMapOvr>
+</p:sld>
+</file>
+
+<file path=ppt/slides/slide7.xml><?xml version="1.0" encoding="utf-8"?>
+<p:sld xmlns:a="http://schemas.openxmlformats.org/drawingml/2006/main" xmlns:r="http://schemas.openxmlformats.org/officeDocument/2006/relationships" xmlns:p="http://schemas.openxmlformats.org/presentationml/2006/main">
+  <p:cSld>
+    <p:spTree>
+      <p:nvGrpSpPr>
+        <p:cNvPr id="1" name=""/>
+        <p:cNvGrpSpPr/>
+        <p:nvPr/>
+      </p:nvGrpSpPr>
+      <p:grpSpPr>
+        <a:xfrm>
+          <a:off x="0" y="0"/>
+          <a:ext cx="0" cy="0"/>
+          <a:chOff x="0" y="0"/>
+          <a:chExt cx="0" cy="0"/>
+        </a:xfrm>
+      </p:grpSpPr>
+      <p:sp>
+        <p:nvSpPr>
+          <p:cNvPr id="2" name="Title 1"/>
+          <p:cNvSpPr>
+            <a:spLocks noGrp="1"/>
+          </p:cNvSpPr>
+          <p:nvPr>
+            <p:ph type="title"/>
+          </p:nvPr>
+        </p:nvSpPr>
+        <p:spPr>
+          <a:xfrm>
+            <a:off x="0" y="-579495"/>
+            <a:ext cx="9144000" cy="1336956"/>
+          </a:xfrm>
+        </p:spPr>
+        <p:txBody>
+          <a:bodyPr/>
+          <a:lstStyle/>
+          <a:p>
+            <a:r>
+              <a:rPr lang="fr-FR" sz="3500" dirty="0" smtClean="0"/>
+              <a:t>Découpage vue Clients/Produits</a:t>
+            </a:r>
+            <a:endParaRPr lang="fr-FR" sz="3500" dirty="0"/>
+          </a:p>
+        </p:txBody>
+      </p:sp>
+      <p:pic>
+        <p:nvPicPr>
+          <p:cNvPr id="6" name="Picture 5" descr="Decoupage MCD 1.png"/>
+          <p:cNvPicPr>
+            <a:picLocks noChangeAspect="1"/>
+          </p:cNvPicPr>
+          <p:nvPr/>
+        </p:nvPicPr>
+        <p:blipFill>
+          <a:blip r:embed="rId2">
+            <a:extLst>
+              <a:ext uri="{28A0092B-C50C-407E-A947-70E740481C1C}">
+                <a14:useLocalDpi xmlns:a14="http://schemas.microsoft.com/office/drawing/2010/main" val="0"/>
+              </a:ext>
+            </a:extLst>
+          </a:blip>
+          <a:stretch>
+            <a:fillRect/>
+          </a:stretch>
+        </p:blipFill>
+        <p:spPr>
+          <a:xfrm>
+            <a:off x="1823090" y="757461"/>
+            <a:ext cx="5497821" cy="5968148"/>
+          </a:xfrm>
+          <a:prstGeom prst="rect">
+            <a:avLst/>
+          </a:prstGeom>
+        </p:spPr>
+      </p:pic>
+    </p:spTree>
+    <p:extLst>
+      <p:ext uri="{BB962C8B-B14F-4D97-AF65-F5344CB8AC3E}">
+        <p14:creationId xmlns:p14="http://schemas.microsoft.com/office/powerpoint/2010/main" val="3549252261"/>
+      </p:ext>
+    </p:extLst>
+  </p:cSld>
+  <p:clrMapOvr>
+    <a:masterClrMapping/>
+  </p:clrMapOvr>
+</p:sld>
+</file>
+
+<file path=ppt/slides/slide8.xml><?xml version="1.0" encoding="utf-8"?>
+<p:sld xmlns:a="http://schemas.openxmlformats.org/drawingml/2006/main" xmlns:r="http://schemas.openxmlformats.org/officeDocument/2006/relationships" xmlns:p="http://schemas.openxmlformats.org/presentationml/2006/main">
+  <p:cSld>
+    <p:spTree>
+      <p:nvGrpSpPr>
+        <p:cNvPr id="1" name=""/>
+        <p:cNvGrpSpPr/>
+        <p:nvPr/>
+      </p:nvGrpSpPr>
+      <p:grpSpPr>
+        <a:xfrm>
+          <a:off x="0" y="0"/>
+          <a:ext cx="0" cy="0"/>
+          <a:chOff x="0" y="0"/>
+          <a:chExt cx="0" cy="0"/>
+        </a:xfrm>
+      </p:grpSpPr>
+      <p:sp>
+        <p:nvSpPr>
+          <p:cNvPr id="2" name="Title 1"/>
+          <p:cNvSpPr>
+            <a:spLocks noGrp="1"/>
+          </p:cNvSpPr>
+          <p:nvPr>
+            <p:ph type="title"/>
+          </p:nvPr>
+        </p:nvSpPr>
+        <p:spPr>
+          <a:xfrm>
+            <a:off x="0" y="-579495"/>
+            <a:ext cx="9144000" cy="1336956"/>
+          </a:xfrm>
+        </p:spPr>
+        <p:txBody>
+          <a:bodyPr/>
+          <a:lstStyle/>
+          <a:p>
+            <a:r>
+              <a:rPr lang="fr-FR" sz="3500" dirty="0" smtClean="0"/>
+              <a:t>Découpage vue Commerciale</a:t>
+            </a:r>
+            <a:endParaRPr lang="fr-FR" sz="3500" dirty="0"/>
+          </a:p>
+        </p:txBody>
+      </p:sp>
+      <p:pic>
+        <p:nvPicPr>
+          <p:cNvPr id="3" name="Picture 2" descr="Decoupage MCD 2.png"/>
+          <p:cNvPicPr>
+            <a:picLocks noChangeAspect="1"/>
+          </p:cNvPicPr>
+          <p:nvPr/>
+        </p:nvPicPr>
+        <p:blipFill>
+          <a:blip r:embed="rId2">
+            <a:extLst>
+              <a:ext uri="{28A0092B-C50C-407E-A947-70E740481C1C}">
+                <a14:useLocalDpi xmlns:a14="http://schemas.microsoft.com/office/drawing/2010/main" val="0"/>
+              </a:ext>
+            </a:extLst>
+          </a:blip>
+          <a:stretch>
+            <a:fillRect/>
+          </a:stretch>
+        </p:blipFill>
+        <p:spPr>
+          <a:xfrm>
+            <a:off x="1880477" y="757460"/>
+            <a:ext cx="5383046" cy="5993545"/>
+          </a:xfrm>
+          <a:prstGeom prst="rect">
+            <a:avLst/>
+          </a:prstGeom>
+        </p:spPr>
+      </p:pic>
+    </p:spTree>
+    <p:extLst>
+      <p:ext uri="{BB962C8B-B14F-4D97-AF65-F5344CB8AC3E}">
+        <p14:creationId xmlns:p14="http://schemas.microsoft.com/office/powerpoint/2010/main" val="1844248124"/>
+      </p:ext>
+    </p:extLst>
+  </p:cSld>
+  <p:clrMapOvr>
+    <a:masterClrMapping/>
+  </p:clrMapOvr>
+</p:sld>
+</file>
+
+<file path=ppt/slides/slide9.xml><?xml version="1.0" encoding="utf-8"?>
+<p:sld xmlns:a="http://schemas.openxmlformats.org/drawingml/2006/main" xmlns:r="http://schemas.openxmlformats.org/officeDocument/2006/relationships" xmlns:p="http://schemas.openxmlformats.org/presentationml/2006/main">
+  <p:cSld>
+    <p:spTree>
+      <p:nvGrpSpPr>
+        <p:cNvPr id="1" name=""/>
+        <p:cNvGrpSpPr/>
+        <p:nvPr/>
+      </p:nvGrpSpPr>
+      <p:grpSpPr>
+        <a:xfrm>
+          <a:off x="0" y="0"/>
+          <a:ext cx="0" cy="0"/>
+          <a:chOff x="0" y="0"/>
+          <a:chExt cx="0" cy="0"/>
+        </a:xfrm>
+      </p:grpSpPr>
+      <p:sp>
+        <p:nvSpPr>
+          <p:cNvPr id="2" name="Title 1"/>
+          <p:cNvSpPr>
+            <a:spLocks noGrp="1"/>
+          </p:cNvSpPr>
+          <p:nvPr>
+            <p:ph type="title"/>
+          </p:nvPr>
+        </p:nvSpPr>
+        <p:spPr/>
+        <p:txBody>
+          <a:bodyPr/>
+          <a:lstStyle/>
+          <a:p>
+            <a:r>
+              <a:rPr lang="fr-FR" dirty="0" smtClean="0"/>
+              <a:t>Diagrammes de séquence</a:t>
+            </a:r>
+            <a:endParaRPr lang="fr-FR" dirty="0"/>
+          </a:p>
+        </p:txBody>
+      </p:sp>
+      <p:sp>
+        <p:nvSpPr>
+          <p:cNvPr id="3" name="Content Placeholder 2"/>
+          <p:cNvSpPr>
+            <a:spLocks noGrp="1"/>
+          </p:cNvSpPr>
+          <p:nvPr>
+            <p:ph idx="1"/>
+          </p:nvPr>
+        </p:nvSpPr>
+        <p:spPr/>
+        <p:txBody>
+          <a:bodyPr/>
+          <a:lstStyle/>
+          <a:p>
+            <a:r>
+              <a:rPr lang="fr-FR" dirty="0" smtClean="0"/>
+              <a:t>Représentation des interactions depuis l’action d’un utilisateur sur l’IHM jusqu’à la modification d’un ou plusieurs objets métiers</a:t>
+            </a:r>
+          </a:p>
+          <a:p>
+            <a:r>
+              <a:rPr lang="fr-FR" dirty="0" smtClean="0"/>
+              <a:t>Modélisation selon le standard UML</a:t>
+            </a:r>
+          </a:p>
+          <a:p>
+            <a:r>
+              <a:rPr lang="fr-FR" dirty="0" smtClean="0"/>
+              <a:t>Un diagramme de séquence par cas d’utilisation</a:t>
+            </a:r>
+          </a:p>
+          <a:p>
+            <a:r>
+              <a:rPr lang="fr-FR" dirty="0" smtClean="0"/>
+              <a:t>Chaque action automatisable dans le DA donne lieu au déclenchement d’une interaction dans le DS.</a:t>
+            </a:r>
+          </a:p>
+        </p:txBody>
+      </p:sp>
+    </p:spTree>
+    <p:extLst>
+      <p:ext uri="{BB962C8B-B14F-4D97-AF65-F5344CB8AC3E}">
+        <p14:creationId xmlns:p14="http://schemas.microsoft.com/office/powerpoint/2010/main" val="710672778"/>
+      </p:ext>
+    </p:extLst>
+  </p:cSld>
+  <p:clrMapOvr>
+    <a:masterClrMapping/>
+  </p:clrMapOvr>
+  <p:timing>
+    <p:tnLst>
+      <p:par>
+        <p:cTn xmlns:p14="http://schemas.microsoft.com/office/powerpoint/2010/main" id="1" dur="indefinite" restart="never" nodeType="tmRoot"/>
+      </p:par>
+    </p:tnLst>
+  </p:timing>
 </p:sld>
 </file>
 

--- a/presentationSISOA.pptx
+++ b/presentationSISOA.pptx
@@ -4,6 +4,12 @@
   <p:sldMasterIdLst>
     <p:sldMasterId id="2147483677" r:id="rId1"/>
   </p:sldMasterIdLst>
+  <p:notesMasterIdLst>
+    <p:notesMasterId r:id="rId14"/>
+  </p:notesMasterIdLst>
+  <p:handoutMasterIdLst>
+    <p:handoutMasterId r:id="rId15"/>
+  </p:handoutMasterIdLst>
   <p:sldIdLst>
     <p:sldId id="256" r:id="rId2"/>
     <p:sldId id="257" r:id="rId3"/>
@@ -16,6 +22,7 @@
     <p:sldId id="264" r:id="rId10"/>
     <p:sldId id="265" r:id="rId11"/>
     <p:sldId id="266" r:id="rId12"/>
+    <p:sldId id="268" r:id="rId13"/>
   </p:sldIdLst>
   <p:sldSz cx="9144000" cy="6858000" type="screen4x3"/>
   <p:notesSz cx="6858000" cy="9144000"/>
@@ -117,6 +124,607 @@
 </p:presentation>
 </file>
 
+<file path=ppt/handoutMasters/handoutMaster1.xml><?xml version="1.0" encoding="utf-8"?>
+<p:handoutMaster xmlns:a="http://schemas.openxmlformats.org/drawingml/2006/main" xmlns:r="http://schemas.openxmlformats.org/officeDocument/2006/relationships" xmlns:p="http://schemas.openxmlformats.org/presentationml/2006/main">
+  <p:cSld>
+    <p:bg>
+      <p:bgRef idx="1001">
+        <a:schemeClr val="bg1"/>
+      </p:bgRef>
+    </p:bg>
+    <p:spTree>
+      <p:nvGrpSpPr>
+        <p:cNvPr id="1" name=""/>
+        <p:cNvGrpSpPr/>
+        <p:nvPr/>
+      </p:nvGrpSpPr>
+      <p:grpSpPr>
+        <a:xfrm>
+          <a:off x="0" y="0"/>
+          <a:ext cx="0" cy="0"/>
+          <a:chOff x="0" y="0"/>
+          <a:chExt cx="0" cy="0"/>
+        </a:xfrm>
+      </p:grpSpPr>
+      <p:sp>
+        <p:nvSpPr>
+          <p:cNvPr id="2" name="Header Placeholder 1"/>
+          <p:cNvSpPr>
+            <a:spLocks noGrp="1"/>
+          </p:cNvSpPr>
+          <p:nvPr>
+            <p:ph type="hdr" sz="quarter"/>
+          </p:nvPr>
+        </p:nvSpPr>
+        <p:spPr>
+          <a:xfrm>
+            <a:off x="0" y="0"/>
+            <a:ext cx="2971800" cy="457200"/>
+          </a:xfrm>
+          <a:prstGeom prst="rect">
+            <a:avLst/>
+          </a:prstGeom>
+        </p:spPr>
+        <p:txBody>
+          <a:bodyPr vert="horz" lIns="91440" tIns="45720" rIns="91440" bIns="45720" rtlCol="0"/>
+          <a:lstStyle>
+            <a:lvl1pPr algn="l">
+              <a:defRPr sz="1200"/>
+            </a:lvl1pPr>
+          </a:lstStyle>
+          <a:p>
+            <a:endParaRPr lang="fr-FR"/>
+          </a:p>
+        </p:txBody>
+      </p:sp>
+      <p:sp>
+        <p:nvSpPr>
+          <p:cNvPr id="3" name="Date Placeholder 2"/>
+          <p:cNvSpPr>
+            <a:spLocks noGrp="1"/>
+          </p:cNvSpPr>
+          <p:nvPr>
+            <p:ph type="dt" sz="quarter" idx="1"/>
+          </p:nvPr>
+        </p:nvSpPr>
+        <p:spPr>
+          <a:xfrm>
+            <a:off x="3884613" y="0"/>
+            <a:ext cx="2971800" cy="457200"/>
+          </a:xfrm>
+          <a:prstGeom prst="rect">
+            <a:avLst/>
+          </a:prstGeom>
+        </p:spPr>
+        <p:txBody>
+          <a:bodyPr vert="horz" lIns="91440" tIns="45720" rIns="91440" bIns="45720" rtlCol="0"/>
+          <a:lstStyle>
+            <a:lvl1pPr algn="r">
+              <a:defRPr sz="1200"/>
+            </a:lvl1pPr>
+          </a:lstStyle>
+          <a:p>
+            <a:fld id="{D83E0C5E-CE1A-854B-B127-2EB19053E37A}" type="datetime1">
+              <a:rPr lang="fr-FR" smtClean="0"/>
+              <a:t>22/03/12</a:t>
+            </a:fld>
+            <a:endParaRPr lang="fr-FR"/>
+          </a:p>
+        </p:txBody>
+      </p:sp>
+      <p:sp>
+        <p:nvSpPr>
+          <p:cNvPr id="4" name="Footer Placeholder 3"/>
+          <p:cNvSpPr>
+            <a:spLocks noGrp="1"/>
+          </p:cNvSpPr>
+          <p:nvPr>
+            <p:ph type="ftr" sz="quarter" idx="2"/>
+          </p:nvPr>
+        </p:nvSpPr>
+        <p:spPr>
+          <a:xfrm>
+            <a:off x="0" y="8685213"/>
+            <a:ext cx="2971800" cy="457200"/>
+          </a:xfrm>
+          <a:prstGeom prst="rect">
+            <a:avLst/>
+          </a:prstGeom>
+        </p:spPr>
+        <p:txBody>
+          <a:bodyPr vert="horz" lIns="91440" tIns="45720" rIns="91440" bIns="45720" rtlCol="0" anchor="b"/>
+          <a:lstStyle>
+            <a:lvl1pPr algn="l">
+              <a:defRPr sz="1200"/>
+            </a:lvl1pPr>
+          </a:lstStyle>
+          <a:p>
+            <a:endParaRPr lang="fr-FR"/>
+          </a:p>
+        </p:txBody>
+      </p:sp>
+      <p:sp>
+        <p:nvSpPr>
+          <p:cNvPr id="5" name="Slide Number Placeholder 4"/>
+          <p:cNvSpPr>
+            <a:spLocks noGrp="1"/>
+          </p:cNvSpPr>
+          <p:nvPr>
+            <p:ph type="sldNum" sz="quarter" idx="3"/>
+          </p:nvPr>
+        </p:nvSpPr>
+        <p:spPr>
+          <a:xfrm>
+            <a:off x="3884613" y="8685213"/>
+            <a:ext cx="2971800" cy="457200"/>
+          </a:xfrm>
+          <a:prstGeom prst="rect">
+            <a:avLst/>
+          </a:prstGeom>
+        </p:spPr>
+        <p:txBody>
+          <a:bodyPr vert="horz" lIns="91440" tIns="45720" rIns="91440" bIns="45720" rtlCol="0" anchor="b"/>
+          <a:lstStyle>
+            <a:lvl1pPr algn="r">
+              <a:defRPr sz="1200"/>
+            </a:lvl1pPr>
+          </a:lstStyle>
+          <a:p>
+            <a:fld id="{18A2B51F-6B87-0046-B9AA-56142C46A4CF}" type="slidenum">
+              <a:rPr lang="fr-FR" smtClean="0"/>
+              <a:t>‹#›</a:t>
+            </a:fld>
+            <a:endParaRPr lang="fr-FR"/>
+          </a:p>
+        </p:txBody>
+      </p:sp>
+    </p:spTree>
+    <p:extLst>
+      <p:ext uri="{BB962C8B-B14F-4D97-AF65-F5344CB8AC3E}">
+        <p14:creationId xmlns:p14="http://schemas.microsoft.com/office/powerpoint/2010/main" val="1638433161"/>
+      </p:ext>
+    </p:extLst>
+  </p:cSld>
+  <p:clrMap bg1="lt1" tx1="dk1" bg2="lt2" tx2="dk2" accent1="accent1" accent2="accent2" accent3="accent3" accent4="accent4" accent5="accent5" accent6="accent6" hlink="hlink" folHlink="folHlink"/>
+  <p:hf hdr="0" ftr="0" dt="0"/>
+</p:handoutMaster>
+</file>
+
+<file path=ppt/notesMasters/notesMaster1.xml><?xml version="1.0" encoding="utf-8"?>
+<p:notesMaster xmlns:a="http://schemas.openxmlformats.org/drawingml/2006/main" xmlns:r="http://schemas.openxmlformats.org/officeDocument/2006/relationships" xmlns:p="http://schemas.openxmlformats.org/presentationml/2006/main">
+  <p:cSld>
+    <p:bg>
+      <p:bgRef idx="1001">
+        <a:schemeClr val="bg1"/>
+      </p:bgRef>
+    </p:bg>
+    <p:spTree>
+      <p:nvGrpSpPr>
+        <p:cNvPr id="1" name=""/>
+        <p:cNvGrpSpPr/>
+        <p:nvPr/>
+      </p:nvGrpSpPr>
+      <p:grpSpPr>
+        <a:xfrm>
+          <a:off x="0" y="0"/>
+          <a:ext cx="0" cy="0"/>
+          <a:chOff x="0" y="0"/>
+          <a:chExt cx="0" cy="0"/>
+        </a:xfrm>
+      </p:grpSpPr>
+      <p:sp>
+        <p:nvSpPr>
+          <p:cNvPr id="2" name="Header Placeholder 1"/>
+          <p:cNvSpPr>
+            <a:spLocks noGrp="1"/>
+          </p:cNvSpPr>
+          <p:nvPr>
+            <p:ph type="hdr" sz="quarter"/>
+          </p:nvPr>
+        </p:nvSpPr>
+        <p:spPr>
+          <a:xfrm>
+            <a:off x="0" y="0"/>
+            <a:ext cx="2971800" cy="457200"/>
+          </a:xfrm>
+          <a:prstGeom prst="rect">
+            <a:avLst/>
+          </a:prstGeom>
+        </p:spPr>
+        <p:txBody>
+          <a:bodyPr vert="horz" lIns="91440" tIns="45720" rIns="91440" bIns="45720" rtlCol="0"/>
+          <a:lstStyle>
+            <a:lvl1pPr algn="l">
+              <a:defRPr sz="1200"/>
+            </a:lvl1pPr>
+          </a:lstStyle>
+          <a:p>
+            <a:endParaRPr lang="fr-FR"/>
+          </a:p>
+        </p:txBody>
+      </p:sp>
+      <p:sp>
+        <p:nvSpPr>
+          <p:cNvPr id="3" name="Date Placeholder 2"/>
+          <p:cNvSpPr>
+            <a:spLocks noGrp="1"/>
+          </p:cNvSpPr>
+          <p:nvPr>
+            <p:ph type="dt" idx="1"/>
+          </p:nvPr>
+        </p:nvSpPr>
+        <p:spPr>
+          <a:xfrm>
+            <a:off x="3884613" y="0"/>
+            <a:ext cx="2971800" cy="457200"/>
+          </a:xfrm>
+          <a:prstGeom prst="rect">
+            <a:avLst/>
+          </a:prstGeom>
+        </p:spPr>
+        <p:txBody>
+          <a:bodyPr vert="horz" lIns="91440" tIns="45720" rIns="91440" bIns="45720" rtlCol="0"/>
+          <a:lstStyle>
+            <a:lvl1pPr algn="r">
+              <a:defRPr sz="1200"/>
+            </a:lvl1pPr>
+          </a:lstStyle>
+          <a:p>
+            <a:fld id="{4FED75F5-793A-154C-B00B-0E07E503FC33}" type="datetime1">
+              <a:rPr lang="fr-FR" smtClean="0"/>
+              <a:t>22/03/12</a:t>
+            </a:fld>
+            <a:endParaRPr lang="fr-FR"/>
+          </a:p>
+        </p:txBody>
+      </p:sp>
+      <p:sp>
+        <p:nvSpPr>
+          <p:cNvPr id="4" name="Slide Image Placeholder 3"/>
+          <p:cNvSpPr>
+            <a:spLocks noGrp="1" noRot="1" noChangeAspect="1"/>
+          </p:cNvSpPr>
+          <p:nvPr>
+            <p:ph type="sldImg" idx="2"/>
+          </p:nvPr>
+        </p:nvSpPr>
+        <p:spPr>
+          <a:xfrm>
+            <a:off x="1143000" y="685800"/>
+            <a:ext cx="4572000" cy="3429000"/>
+          </a:xfrm>
+          <a:prstGeom prst="rect">
+            <a:avLst/>
+          </a:prstGeom>
+          <a:noFill/>
+          <a:ln w="12700">
+            <a:solidFill>
+              <a:prstClr val="black"/>
+            </a:solidFill>
+          </a:ln>
+        </p:spPr>
+        <p:txBody>
+          <a:bodyPr vert="horz" lIns="91440" tIns="45720" rIns="91440" bIns="45720" rtlCol="0" anchor="ctr"/>
+          <a:lstStyle/>
+          <a:p>
+            <a:endParaRPr lang="fr-FR"/>
+          </a:p>
+        </p:txBody>
+      </p:sp>
+      <p:sp>
+        <p:nvSpPr>
+          <p:cNvPr id="5" name="Notes Placeholder 4"/>
+          <p:cNvSpPr>
+            <a:spLocks noGrp="1"/>
+          </p:cNvSpPr>
+          <p:nvPr>
+            <p:ph type="body" sz="quarter" idx="3"/>
+          </p:nvPr>
+        </p:nvSpPr>
+        <p:spPr>
+          <a:xfrm>
+            <a:off x="685800" y="4343400"/>
+            <a:ext cx="5486400" cy="4114800"/>
+          </a:xfrm>
+          <a:prstGeom prst="rect">
+            <a:avLst/>
+          </a:prstGeom>
+        </p:spPr>
+        <p:txBody>
+          <a:bodyPr vert="horz" lIns="91440" tIns="45720" rIns="91440" bIns="45720" rtlCol="0"/>
+          <a:lstStyle/>
+          <a:p>
+            <a:pPr lvl="0"/>
+            <a:r>
+              <a:rPr lang="fr-FR" smtClean="0"/>
+              <a:t>Click to edit Master text styles</a:t>
+            </a:r>
+          </a:p>
+          <a:p>
+            <a:pPr lvl="1"/>
+            <a:r>
+              <a:rPr lang="fr-FR" smtClean="0"/>
+              <a:t>Second level</a:t>
+            </a:r>
+          </a:p>
+          <a:p>
+            <a:pPr lvl="2"/>
+            <a:r>
+              <a:rPr lang="fr-FR" smtClean="0"/>
+              <a:t>Third level</a:t>
+            </a:r>
+          </a:p>
+          <a:p>
+            <a:pPr lvl="3"/>
+            <a:r>
+              <a:rPr lang="fr-FR" smtClean="0"/>
+              <a:t>Fourth level</a:t>
+            </a:r>
+          </a:p>
+          <a:p>
+            <a:pPr lvl="4"/>
+            <a:r>
+              <a:rPr lang="fr-FR" smtClean="0"/>
+              <a:t>Fifth level</a:t>
+            </a:r>
+            <a:endParaRPr lang="fr-FR"/>
+          </a:p>
+        </p:txBody>
+      </p:sp>
+      <p:sp>
+        <p:nvSpPr>
+          <p:cNvPr id="6" name="Footer Placeholder 5"/>
+          <p:cNvSpPr>
+            <a:spLocks noGrp="1"/>
+          </p:cNvSpPr>
+          <p:nvPr>
+            <p:ph type="ftr" sz="quarter" idx="4"/>
+          </p:nvPr>
+        </p:nvSpPr>
+        <p:spPr>
+          <a:xfrm>
+            <a:off x="0" y="8685213"/>
+            <a:ext cx="2971800" cy="457200"/>
+          </a:xfrm>
+          <a:prstGeom prst="rect">
+            <a:avLst/>
+          </a:prstGeom>
+        </p:spPr>
+        <p:txBody>
+          <a:bodyPr vert="horz" lIns="91440" tIns="45720" rIns="91440" bIns="45720" rtlCol="0" anchor="b"/>
+          <a:lstStyle>
+            <a:lvl1pPr algn="l">
+              <a:defRPr sz="1200"/>
+            </a:lvl1pPr>
+          </a:lstStyle>
+          <a:p>
+            <a:endParaRPr lang="fr-FR"/>
+          </a:p>
+        </p:txBody>
+      </p:sp>
+      <p:sp>
+        <p:nvSpPr>
+          <p:cNvPr id="7" name="Slide Number Placeholder 6"/>
+          <p:cNvSpPr>
+            <a:spLocks noGrp="1"/>
+          </p:cNvSpPr>
+          <p:nvPr>
+            <p:ph type="sldNum" sz="quarter" idx="5"/>
+          </p:nvPr>
+        </p:nvSpPr>
+        <p:spPr>
+          <a:xfrm>
+            <a:off x="3884613" y="8685213"/>
+            <a:ext cx="2971800" cy="457200"/>
+          </a:xfrm>
+          <a:prstGeom prst="rect">
+            <a:avLst/>
+          </a:prstGeom>
+        </p:spPr>
+        <p:txBody>
+          <a:bodyPr vert="horz" lIns="91440" tIns="45720" rIns="91440" bIns="45720" rtlCol="0" anchor="b"/>
+          <a:lstStyle>
+            <a:lvl1pPr algn="r">
+              <a:defRPr sz="1200"/>
+            </a:lvl1pPr>
+          </a:lstStyle>
+          <a:p>
+            <a:fld id="{DD4C968C-CB21-4045-A6E1-B1053904A3EB}" type="slidenum">
+              <a:rPr lang="fr-FR" smtClean="0"/>
+              <a:t>‹#›</a:t>
+            </a:fld>
+            <a:endParaRPr lang="fr-FR"/>
+          </a:p>
+        </p:txBody>
+      </p:sp>
+    </p:spTree>
+    <p:extLst>
+      <p:ext uri="{BB962C8B-B14F-4D97-AF65-F5344CB8AC3E}">
+        <p14:creationId xmlns:p14="http://schemas.microsoft.com/office/powerpoint/2010/main" val="4249527335"/>
+      </p:ext>
+    </p:extLst>
+  </p:cSld>
+  <p:clrMap bg1="lt1" tx1="dk1" bg2="lt2" tx2="dk2" accent1="accent1" accent2="accent2" accent3="accent3" accent4="accent4" accent5="accent5" accent6="accent6" hlink="hlink" folHlink="folHlink"/>
+  <p:hf hdr="0" ftr="0" dt="0"/>
+  <p:notesStyle>
+    <a:lvl1pPr marL="0" algn="l" defTabSz="457200" rtl="0" eaLnBrk="1" latinLnBrk="0" hangingPunct="1">
+      <a:defRPr sz="1200" kern="1200">
+        <a:solidFill>
+          <a:schemeClr val="tx1"/>
+        </a:solidFill>
+        <a:latin typeface="+mn-lt"/>
+        <a:ea typeface="+mn-ea"/>
+        <a:cs typeface="+mn-cs"/>
+      </a:defRPr>
+    </a:lvl1pPr>
+    <a:lvl2pPr marL="457200" algn="l" defTabSz="457200" rtl="0" eaLnBrk="1" latinLnBrk="0" hangingPunct="1">
+      <a:defRPr sz="1200" kern="1200">
+        <a:solidFill>
+          <a:schemeClr val="tx1"/>
+        </a:solidFill>
+        <a:latin typeface="+mn-lt"/>
+        <a:ea typeface="+mn-ea"/>
+        <a:cs typeface="+mn-cs"/>
+      </a:defRPr>
+    </a:lvl2pPr>
+    <a:lvl3pPr marL="914400" algn="l" defTabSz="457200" rtl="0" eaLnBrk="1" latinLnBrk="0" hangingPunct="1">
+      <a:defRPr sz="1200" kern="1200">
+        <a:solidFill>
+          <a:schemeClr val="tx1"/>
+        </a:solidFill>
+        <a:latin typeface="+mn-lt"/>
+        <a:ea typeface="+mn-ea"/>
+        <a:cs typeface="+mn-cs"/>
+      </a:defRPr>
+    </a:lvl3pPr>
+    <a:lvl4pPr marL="1371600" algn="l" defTabSz="457200" rtl="0" eaLnBrk="1" latinLnBrk="0" hangingPunct="1">
+      <a:defRPr sz="1200" kern="1200">
+        <a:solidFill>
+          <a:schemeClr val="tx1"/>
+        </a:solidFill>
+        <a:latin typeface="+mn-lt"/>
+        <a:ea typeface="+mn-ea"/>
+        <a:cs typeface="+mn-cs"/>
+      </a:defRPr>
+    </a:lvl4pPr>
+    <a:lvl5pPr marL="1828800" algn="l" defTabSz="457200" rtl="0" eaLnBrk="1" latinLnBrk="0" hangingPunct="1">
+      <a:defRPr sz="1200" kern="1200">
+        <a:solidFill>
+          <a:schemeClr val="tx1"/>
+        </a:solidFill>
+        <a:latin typeface="+mn-lt"/>
+        <a:ea typeface="+mn-ea"/>
+        <a:cs typeface="+mn-cs"/>
+      </a:defRPr>
+    </a:lvl5pPr>
+    <a:lvl6pPr marL="2286000" algn="l" defTabSz="457200" rtl="0" eaLnBrk="1" latinLnBrk="0" hangingPunct="1">
+      <a:defRPr sz="1200" kern="1200">
+        <a:solidFill>
+          <a:schemeClr val="tx1"/>
+        </a:solidFill>
+        <a:latin typeface="+mn-lt"/>
+        <a:ea typeface="+mn-ea"/>
+        <a:cs typeface="+mn-cs"/>
+      </a:defRPr>
+    </a:lvl6pPr>
+    <a:lvl7pPr marL="2743200" algn="l" defTabSz="457200" rtl="0" eaLnBrk="1" latinLnBrk="0" hangingPunct="1">
+      <a:defRPr sz="1200" kern="1200">
+        <a:solidFill>
+          <a:schemeClr val="tx1"/>
+        </a:solidFill>
+        <a:latin typeface="+mn-lt"/>
+        <a:ea typeface="+mn-ea"/>
+        <a:cs typeface="+mn-cs"/>
+      </a:defRPr>
+    </a:lvl7pPr>
+    <a:lvl8pPr marL="3200400" algn="l" defTabSz="457200" rtl="0" eaLnBrk="1" latinLnBrk="0" hangingPunct="1">
+      <a:defRPr sz="1200" kern="1200">
+        <a:solidFill>
+          <a:schemeClr val="tx1"/>
+        </a:solidFill>
+        <a:latin typeface="+mn-lt"/>
+        <a:ea typeface="+mn-ea"/>
+        <a:cs typeface="+mn-cs"/>
+      </a:defRPr>
+    </a:lvl8pPr>
+    <a:lvl9pPr marL="3657600" algn="l" defTabSz="457200" rtl="0" eaLnBrk="1" latinLnBrk="0" hangingPunct="1">
+      <a:defRPr sz="1200" kern="1200">
+        <a:solidFill>
+          <a:schemeClr val="tx1"/>
+        </a:solidFill>
+        <a:latin typeface="+mn-lt"/>
+        <a:ea typeface="+mn-ea"/>
+        <a:cs typeface="+mn-cs"/>
+      </a:defRPr>
+    </a:lvl9pPr>
+  </p:notesStyle>
+</p:notesMaster>
+</file>
+
+<file path=ppt/notesSlides/notesSlide1.xml><?xml version="1.0" encoding="utf-8"?>
+<p:notes xmlns:a="http://schemas.openxmlformats.org/drawingml/2006/main" xmlns:r="http://schemas.openxmlformats.org/officeDocument/2006/relationships" xmlns:p="http://schemas.openxmlformats.org/presentationml/2006/main">
+  <p:cSld>
+    <p:spTree>
+      <p:nvGrpSpPr>
+        <p:cNvPr id="1" name=""/>
+        <p:cNvGrpSpPr/>
+        <p:nvPr/>
+      </p:nvGrpSpPr>
+      <p:grpSpPr>
+        <a:xfrm>
+          <a:off x="0" y="0"/>
+          <a:ext cx="0" cy="0"/>
+          <a:chOff x="0" y="0"/>
+          <a:chExt cx="0" cy="0"/>
+        </a:xfrm>
+      </p:grpSpPr>
+      <p:sp>
+        <p:nvSpPr>
+          <p:cNvPr id="2" name="Slide Image Placeholder 1"/>
+          <p:cNvSpPr>
+            <a:spLocks noGrp="1" noRot="1" noChangeAspect="1"/>
+          </p:cNvSpPr>
+          <p:nvPr>
+            <p:ph type="sldImg"/>
+          </p:nvPr>
+        </p:nvSpPr>
+        <p:spPr/>
+      </p:sp>
+      <p:sp>
+        <p:nvSpPr>
+          <p:cNvPr id="3" name="Notes Placeholder 2"/>
+          <p:cNvSpPr>
+            <a:spLocks noGrp="1"/>
+          </p:cNvSpPr>
+          <p:nvPr>
+            <p:ph type="body" idx="1"/>
+          </p:nvPr>
+        </p:nvSpPr>
+        <p:spPr/>
+        <p:txBody>
+          <a:bodyPr/>
+          <a:lstStyle/>
+          <a:p>
+            <a:endParaRPr lang="fr-FR"/>
+          </a:p>
+        </p:txBody>
+      </p:sp>
+      <p:sp>
+        <p:nvSpPr>
+          <p:cNvPr id="4" name="Slide Number Placeholder 3"/>
+          <p:cNvSpPr>
+            <a:spLocks noGrp="1"/>
+          </p:cNvSpPr>
+          <p:nvPr>
+            <p:ph type="sldNum" sz="quarter" idx="10"/>
+          </p:nvPr>
+        </p:nvSpPr>
+        <p:spPr/>
+        <p:txBody>
+          <a:bodyPr/>
+          <a:lstStyle/>
+          <a:p>
+            <a:fld id="{DD4C968C-CB21-4045-A6E1-B1053904A3EB}" type="slidenum">
+              <a:rPr lang="fr-FR" smtClean="0"/>
+              <a:t>3</a:t>
+            </a:fld>
+            <a:endParaRPr lang="fr-FR"/>
+          </a:p>
+        </p:txBody>
+      </p:sp>
+    </p:spTree>
+    <p:extLst>
+      <p:ext uri="{BB962C8B-B14F-4D97-AF65-F5344CB8AC3E}">
+        <p14:creationId xmlns:p14="http://schemas.microsoft.com/office/powerpoint/2010/main" val="1507853084"/>
+      </p:ext>
+    </p:extLst>
+  </p:cSld>
+  <p:clrMapOvr>
+    <a:masterClrMapping/>
+  </p:clrMapOvr>
+</p:notes>
+</file>
+
 <file path=ppt/slideLayouts/slideLayout1.xml><?xml version="1.0" encoding="utf-8"?>
 <p:sldLayout xmlns:a="http://schemas.openxmlformats.org/drawingml/2006/main" xmlns:r="http://schemas.openxmlformats.org/officeDocument/2006/relationships" xmlns:p="http://schemas.openxmlformats.org/presentationml/2006/main" type="title" preserve="1">
   <p:cSld name="Title Slide">
@@ -398,8 +1006,8 @@
           <a:bodyPr/>
           <a:lstStyle/>
           <a:p>
-            <a:fld id="{7CE38E4D-051A-41E1-86A4-E56916468FD0}" type="datetimeFigureOut">
-              <a:rPr lang="en-US" smtClean="0"/>
+            <a:fld id="{62837156-AC2E-4645-BC86-B2F703CCE2CD}" type="datetime1">
+              <a:rPr lang="fr-FR" smtClean="0"/>
               <a:t>22/03/12</a:t>
             </a:fld>
             <a:endParaRPr lang="en-US"/>
@@ -590,8 +1198,8 @@
           <a:bodyPr/>
           <a:lstStyle/>
           <a:p>
-            <a:fld id="{7CE38E4D-051A-41E1-86A4-E56916468FD0}" type="datetimeFigureOut">
-              <a:rPr lang="en-US" smtClean="0"/>
+            <a:fld id="{A5D28C3E-9E72-334C-AAFA-8EEC35EF4A54}" type="datetime1">
+              <a:rPr lang="fr-FR" smtClean="0"/>
               <a:t>22/03/12</a:t>
             </a:fld>
             <a:endParaRPr lang="en-US"/>
@@ -859,8 +1467,8 @@
           <a:bodyPr/>
           <a:lstStyle/>
           <a:p>
-            <a:fld id="{7CE38E4D-051A-41E1-86A4-E56916468FD0}" type="datetimeFigureOut">
-              <a:rPr lang="en-US" smtClean="0"/>
+            <a:fld id="{B589B341-5EC4-C746-87BF-4823EBE8AB35}" type="datetime1">
+              <a:rPr lang="fr-FR" smtClean="0"/>
               <a:t>22/03/12</a:t>
             </a:fld>
             <a:endParaRPr lang="en-US"/>
@@ -1038,8 +1646,8 @@
           <a:bodyPr/>
           <a:lstStyle/>
           <a:p>
-            <a:fld id="{7CE38E4D-051A-41E1-86A4-E56916468FD0}" type="datetimeFigureOut">
-              <a:rPr lang="en-US" smtClean="0"/>
+            <a:fld id="{2FB35FDB-0AA1-784E-B467-E58FB747B781}" type="datetime1">
+              <a:rPr lang="fr-FR" smtClean="0"/>
               <a:t>22/03/12</a:t>
             </a:fld>
             <a:endParaRPr lang="en-US"/>
@@ -1207,8 +1815,8 @@
           <a:bodyPr/>
           <a:lstStyle/>
           <a:p>
-            <a:fld id="{7CE38E4D-051A-41E1-86A4-E56916468FD0}" type="datetimeFigureOut">
-              <a:rPr lang="en-US" smtClean="0"/>
+            <a:fld id="{65970BA4-A08A-4944-A817-8BD1CDCE6144}" type="datetime1">
+              <a:rPr lang="fr-FR" smtClean="0"/>
               <a:t>22/03/12</a:t>
             </a:fld>
             <a:endParaRPr lang="en-US"/>
@@ -1449,8 +2057,8 @@
           <a:bodyPr/>
           <a:lstStyle/>
           <a:p>
-            <a:fld id="{7CE38E4D-051A-41E1-86A4-E56916468FD0}" type="datetimeFigureOut">
-              <a:rPr lang="en-US" smtClean="0"/>
+            <a:fld id="{3429557D-741A-8E41-A0C1-AC23412D9F73}" type="datetime1">
+              <a:rPr lang="fr-FR" smtClean="0"/>
               <a:t>22/03/12</a:t>
             </a:fld>
             <a:endParaRPr lang="en-US"/>
@@ -1772,8 +2380,8 @@
           <a:bodyPr/>
           <a:lstStyle/>
           <a:p>
-            <a:fld id="{7CE38E4D-051A-41E1-86A4-E56916468FD0}" type="datetimeFigureOut">
-              <a:rPr lang="en-US" smtClean="0"/>
+            <a:fld id="{386E7856-1874-8742-AB1A-F875DC755AF3}" type="datetime1">
+              <a:rPr lang="fr-FR" smtClean="0"/>
               <a:t>22/03/12</a:t>
             </a:fld>
             <a:endParaRPr lang="en-US"/>
@@ -2070,8 +2678,8 @@
           <a:bodyPr/>
           <a:lstStyle/>
           <a:p>
-            <a:fld id="{7CE38E4D-051A-41E1-86A4-E56916468FD0}" type="datetimeFigureOut">
-              <a:rPr lang="en-US" smtClean="0"/>
+            <a:fld id="{926F2CCA-946B-4F4A-81F2-2F5F017F2163}" type="datetime1">
+              <a:rPr lang="fr-FR" smtClean="0"/>
               <a:t>22/03/12</a:t>
             </a:fld>
             <a:endParaRPr lang="en-US"/>
@@ -2526,8 +3134,8 @@
           <a:bodyPr/>
           <a:lstStyle/>
           <a:p>
-            <a:fld id="{7CE38E4D-051A-41E1-86A4-E56916468FD0}" type="datetimeFigureOut">
-              <a:rPr lang="en-US" smtClean="0"/>
+            <a:fld id="{E0407183-CE6D-664E-8885-9DE2281C7D00}" type="datetime1">
+              <a:rPr lang="fr-FR" smtClean="0"/>
               <a:t>22/03/12</a:t>
             </a:fld>
             <a:endParaRPr lang="en-US"/>
@@ -2639,8 +3247,8 @@
           <a:bodyPr/>
           <a:lstStyle/>
           <a:p>
-            <a:fld id="{7CE38E4D-051A-41E1-86A4-E56916468FD0}" type="datetimeFigureOut">
-              <a:rPr lang="en-US" smtClean="0"/>
+            <a:fld id="{8C4311F8-2E88-9C44-B35C-39A6D78E9095}" type="datetime1">
+              <a:rPr lang="fr-FR" smtClean="0"/>
               <a:t>22/03/12</a:t>
             </a:fld>
             <a:endParaRPr lang="en-US"/>
@@ -2729,8 +3337,8 @@
           <a:bodyPr/>
           <a:lstStyle/>
           <a:p>
-            <a:fld id="{7CE38E4D-051A-41E1-86A4-E56916468FD0}" type="datetimeFigureOut">
-              <a:rPr lang="en-US" smtClean="0"/>
+            <a:fld id="{8F07602B-ADD0-A049-BA12-8A14F916F04D}" type="datetime1">
+              <a:rPr lang="fr-FR" smtClean="0"/>
               <a:t>22/03/12</a:t>
             </a:fld>
             <a:endParaRPr lang="en-US"/>
@@ -3011,8 +3619,8 @@
           <a:bodyPr/>
           <a:lstStyle/>
           <a:p>
-            <a:fld id="{7CE38E4D-051A-41E1-86A4-E56916468FD0}" type="datetimeFigureOut">
-              <a:rPr lang="en-US" smtClean="0"/>
+            <a:fld id="{5C79CA3F-5F58-D34D-8D4F-E39C02189453}" type="datetime1">
+              <a:rPr lang="fr-FR" smtClean="0"/>
               <a:t>22/03/12</a:t>
             </a:fld>
             <a:endParaRPr lang="en-US"/>
@@ -3217,8 +3825,8 @@
             </a:lvl1pPr>
           </a:lstStyle>
           <a:p>
-            <a:fld id="{7CE38E4D-051A-41E1-86A4-E56916468FD0}" type="datetimeFigureOut">
-              <a:rPr lang="en-US" smtClean="0"/>
+            <a:fld id="{9910C8AB-582C-C844-906A-6C49A16C9735}" type="datetime1">
+              <a:rPr lang="fr-FR" smtClean="0"/>
               <a:t>22/03/12</a:t>
             </a:fld>
             <a:endParaRPr lang="en-US"/>
@@ -3316,6 +3924,7 @@
     <p:sldLayoutId id="2147483688" r:id="rId11"/>
     <p:sldLayoutId id="2147483689" r:id="rId12"/>
   </p:sldLayoutIdLst>
+  <p:hf hdr="0" ftr="0" dt="0"/>
   <p:txStyles>
     <p:titleStyle>
       <a:lvl1pPr algn="ctr" defTabSz="914400" rtl="0" eaLnBrk="1" latinLnBrk="0" hangingPunct="1">
@@ -3779,6 +4388,29 @@
           </a:p>
         </p:txBody>
       </p:sp>
+      <p:sp>
+        <p:nvSpPr>
+          <p:cNvPr id="5" name="Slide Number Placeholder 4"/>
+          <p:cNvSpPr>
+            <a:spLocks noGrp="1"/>
+          </p:cNvSpPr>
+          <p:nvPr>
+            <p:ph type="sldNum" sz="quarter" idx="12"/>
+          </p:nvPr>
+        </p:nvSpPr>
+        <p:spPr/>
+        <p:txBody>
+          <a:bodyPr/>
+          <a:lstStyle/>
+          <a:p>
+            <a:fld id="{886BB73A-582F-4420-9A14-CB10A2B2E5E8}" type="slidenum">
+              <a:rPr lang="en-US" smtClean="0"/>
+              <a:t>1</a:t>
+            </a:fld>
+            <a:endParaRPr lang="en-US"/>
+          </a:p>
+        </p:txBody>
+      </p:sp>
     </p:spTree>
     <p:extLst>
       <p:ext uri="{BB962C8B-B14F-4D97-AF65-F5344CB8AC3E}">
@@ -3874,6 +4506,29 @@
           </a:prstGeom>
         </p:spPr>
       </p:pic>
+      <p:sp>
+        <p:nvSpPr>
+          <p:cNvPr id="5" name="Slide Number Placeholder 4"/>
+          <p:cNvSpPr>
+            <a:spLocks noGrp="1"/>
+          </p:cNvSpPr>
+          <p:nvPr>
+            <p:ph type="sldNum" sz="quarter" idx="12"/>
+          </p:nvPr>
+        </p:nvSpPr>
+        <p:spPr/>
+        <p:txBody>
+          <a:bodyPr/>
+          <a:lstStyle/>
+          <a:p>
+            <a:fld id="{886BB73A-582F-4420-9A14-CB10A2B2E5E8}" type="slidenum">
+              <a:rPr lang="en-US" smtClean="0"/>
+              <a:t>10</a:t>
+            </a:fld>
+            <a:endParaRPr lang="en-US"/>
+          </a:p>
+        </p:txBody>
+      </p:sp>
     </p:spTree>
     <p:extLst>
       <p:ext uri="{BB962C8B-B14F-4D97-AF65-F5344CB8AC3E}">
@@ -3969,6 +4624,29 @@
           </a:prstGeom>
         </p:spPr>
       </p:pic>
+      <p:sp>
+        <p:nvSpPr>
+          <p:cNvPr id="5" name="Slide Number Placeholder 4"/>
+          <p:cNvSpPr>
+            <a:spLocks noGrp="1"/>
+          </p:cNvSpPr>
+          <p:nvPr>
+            <p:ph type="sldNum" sz="quarter" idx="12"/>
+          </p:nvPr>
+        </p:nvSpPr>
+        <p:spPr/>
+        <p:txBody>
+          <a:bodyPr/>
+          <a:lstStyle/>
+          <a:p>
+            <a:fld id="{886BB73A-582F-4420-9A14-CB10A2B2E5E8}" type="slidenum">
+              <a:rPr lang="en-US" smtClean="0"/>
+              <a:t>11</a:t>
+            </a:fld>
+            <a:endParaRPr lang="en-US"/>
+          </a:p>
+        </p:txBody>
+      </p:sp>
     </p:spTree>
     <p:extLst>
       <p:ext uri="{BB962C8B-B14F-4D97-AF65-F5344CB8AC3E}">
@@ -3989,6 +4667,117 @@
 </p:sld>
 </file>
 
+<file path=ppt/slides/slide12.xml><?xml version="1.0" encoding="utf-8"?>
+<p:sld xmlns:a="http://schemas.openxmlformats.org/drawingml/2006/main" xmlns:r="http://schemas.openxmlformats.org/officeDocument/2006/relationships" xmlns:p="http://schemas.openxmlformats.org/presentationml/2006/main">
+  <p:cSld>
+    <p:spTree>
+      <p:nvGrpSpPr>
+        <p:cNvPr id="1" name=""/>
+        <p:cNvGrpSpPr/>
+        <p:nvPr/>
+      </p:nvGrpSpPr>
+      <p:grpSpPr>
+        <a:xfrm>
+          <a:off x="0" y="0"/>
+          <a:ext cx="0" cy="0"/>
+          <a:chOff x="0" y="0"/>
+          <a:chExt cx="0" cy="0"/>
+        </a:xfrm>
+      </p:grpSpPr>
+      <p:sp>
+        <p:nvSpPr>
+          <p:cNvPr id="2" name="Title 1"/>
+          <p:cNvSpPr>
+            <a:spLocks noGrp="1"/>
+          </p:cNvSpPr>
+          <p:nvPr>
+            <p:ph type="title"/>
+          </p:nvPr>
+        </p:nvSpPr>
+        <p:spPr>
+          <a:xfrm>
+            <a:off x="0" y="-579495"/>
+            <a:ext cx="9144000" cy="1336956"/>
+          </a:xfrm>
+        </p:spPr>
+        <p:txBody>
+          <a:bodyPr/>
+          <a:lstStyle/>
+          <a:p>
+            <a:r>
+              <a:rPr lang="fr-FR" sz="3500" dirty="0" smtClean="0"/>
+              <a:t>Diagramme de collaboration</a:t>
+            </a:r>
+            <a:endParaRPr lang="fr-FR" sz="3500" dirty="0"/>
+          </a:p>
+        </p:txBody>
+      </p:sp>
+      <p:sp>
+        <p:nvSpPr>
+          <p:cNvPr id="4" name="Slide Number Placeholder 3"/>
+          <p:cNvSpPr>
+            <a:spLocks noGrp="1"/>
+          </p:cNvSpPr>
+          <p:nvPr>
+            <p:ph type="sldNum" sz="quarter" idx="12"/>
+          </p:nvPr>
+        </p:nvSpPr>
+        <p:spPr/>
+        <p:txBody>
+          <a:bodyPr/>
+          <a:lstStyle/>
+          <a:p>
+            <a:fld id="{886BB73A-582F-4420-9A14-CB10A2B2E5E8}" type="slidenum">
+              <a:rPr lang="en-US" smtClean="0"/>
+              <a:t>12</a:t>
+            </a:fld>
+            <a:endParaRPr lang="en-US"/>
+          </a:p>
+        </p:txBody>
+      </p:sp>
+      <p:pic>
+        <p:nvPicPr>
+          <p:cNvPr id="5" name="Picture 4" descr="diagramme-collaboration.png"/>
+          <p:cNvPicPr>
+            <a:picLocks noChangeAspect="1"/>
+          </p:cNvPicPr>
+          <p:nvPr/>
+        </p:nvPicPr>
+        <p:blipFill>
+          <a:blip r:embed="rId2">
+            <a:extLst>
+              <a:ext uri="{28A0092B-C50C-407E-A947-70E740481C1C}">
+                <a14:useLocalDpi xmlns:a14="http://schemas.microsoft.com/office/drawing/2010/main" val="0"/>
+              </a:ext>
+            </a:extLst>
+          </a:blip>
+          <a:stretch>
+            <a:fillRect/>
+          </a:stretch>
+        </p:blipFill>
+        <p:spPr>
+          <a:xfrm>
+            <a:off x="0" y="794957"/>
+            <a:ext cx="9144000" cy="5873448"/>
+          </a:xfrm>
+          <a:prstGeom prst="rect">
+            <a:avLst/>
+          </a:prstGeom>
+        </p:spPr>
+      </p:pic>
+    </p:spTree>
+    <p:extLst>
+      <p:ext uri="{BB962C8B-B14F-4D97-AF65-F5344CB8AC3E}">
+        <p14:creationId xmlns:p14="http://schemas.microsoft.com/office/powerpoint/2010/main" val="4093567852"/>
+      </p:ext>
+    </p:extLst>
+  </p:cSld>
+  <p:clrMapOvr>
+    <a:masterClrMapping/>
+  </p:clrMapOvr>
+</p:sld>
+</file>
+
 <file path=ppt/slides/slide2.xml><?xml version="1.0" encoding="utf-8"?>
 <p:sld xmlns:a="http://schemas.openxmlformats.org/drawingml/2006/main" xmlns:r="http://schemas.openxmlformats.org/officeDocument/2006/relationships" xmlns:p="http://schemas.openxmlformats.org/presentationml/2006/main">
   <p:cSld>
@@ -4068,6 +4857,29 @@
               <a:rPr lang="fr-FR" dirty="0" smtClean="0"/>
               <a:t>Mettre en place une architecture de service </a:t>
             </a:r>
+          </a:p>
+        </p:txBody>
+      </p:sp>
+      <p:sp>
+        <p:nvSpPr>
+          <p:cNvPr id="4" name="Slide Number Placeholder 3"/>
+          <p:cNvSpPr>
+            <a:spLocks noGrp="1"/>
+          </p:cNvSpPr>
+          <p:nvPr>
+            <p:ph type="sldNum" sz="quarter" idx="12"/>
+          </p:nvPr>
+        </p:nvSpPr>
+        <p:spPr/>
+        <p:txBody>
+          <a:bodyPr/>
+          <a:lstStyle/>
+          <a:p>
+            <a:fld id="{886BB73A-582F-4420-9A14-CB10A2B2E5E8}" type="slidenum">
+              <a:rPr lang="en-US" smtClean="0"/>
+              <a:t>2</a:t>
+            </a:fld>
+            <a:endParaRPr lang="en-US"/>
           </a:p>
         </p:txBody>
       </p:sp>
@@ -4174,6 +4986,29 @@
               <a:rPr lang="fr-FR" dirty="0" smtClean="0"/>
               <a:t>CU5 : Planification de l’activité de l’agence du mois suivant</a:t>
             </a:r>
+          </a:p>
+        </p:txBody>
+      </p:sp>
+      <p:sp>
+        <p:nvSpPr>
+          <p:cNvPr id="4" name="Slide Number Placeholder 3"/>
+          <p:cNvSpPr>
+            <a:spLocks noGrp="1"/>
+          </p:cNvSpPr>
+          <p:nvPr>
+            <p:ph type="sldNum" sz="quarter" idx="12"/>
+          </p:nvPr>
+        </p:nvSpPr>
+        <p:spPr/>
+        <p:txBody>
+          <a:bodyPr/>
+          <a:lstStyle/>
+          <a:p>
+            <a:fld id="{886BB73A-582F-4420-9A14-CB10A2B2E5E8}" type="slidenum">
+              <a:rPr lang="en-US" smtClean="0"/>
+              <a:t>3</a:t>
+            </a:fld>
+            <a:endParaRPr lang="en-US"/>
           </a:p>
         </p:txBody>
       </p:sp>
@@ -4275,6 +5110,29 @@
           </a:p>
         </p:txBody>
       </p:sp>
+      <p:sp>
+        <p:nvSpPr>
+          <p:cNvPr id="8" name="Slide Number Placeholder 7"/>
+          <p:cNvSpPr>
+            <a:spLocks noGrp="1"/>
+          </p:cNvSpPr>
+          <p:nvPr>
+            <p:ph type="sldNum" sz="quarter" idx="12"/>
+          </p:nvPr>
+        </p:nvSpPr>
+        <p:spPr/>
+        <p:txBody>
+          <a:bodyPr/>
+          <a:lstStyle/>
+          <a:p>
+            <a:fld id="{886BB73A-582F-4420-9A14-CB10A2B2E5E8}" type="slidenum">
+              <a:rPr lang="en-US" smtClean="0"/>
+              <a:t>4</a:t>
+            </a:fld>
+            <a:endParaRPr lang="en-US"/>
+          </a:p>
+        </p:txBody>
+      </p:sp>
     </p:spTree>
     <p:extLst>
       <p:ext uri="{BB962C8B-B14F-4D97-AF65-F5344CB8AC3E}">
@@ -4373,6 +5231,29 @@
           </a:prstGeom>
         </p:spPr>
       </p:pic>
+      <p:sp>
+        <p:nvSpPr>
+          <p:cNvPr id="3" name="Slide Number Placeholder 2"/>
+          <p:cNvSpPr>
+            <a:spLocks noGrp="1"/>
+          </p:cNvSpPr>
+          <p:nvPr>
+            <p:ph type="sldNum" sz="quarter" idx="12"/>
+          </p:nvPr>
+        </p:nvSpPr>
+        <p:spPr/>
+        <p:txBody>
+          <a:bodyPr/>
+          <a:lstStyle/>
+          <a:p>
+            <a:fld id="{886BB73A-582F-4420-9A14-CB10A2B2E5E8}" type="slidenum">
+              <a:rPr lang="en-US" smtClean="0"/>
+              <a:t>5</a:t>
+            </a:fld>
+            <a:endParaRPr lang="en-US"/>
+          </a:p>
+        </p:txBody>
+      </p:sp>
     </p:spTree>
     <p:extLst>
       <p:ext uri="{BB962C8B-B14F-4D97-AF65-F5344CB8AC3E}">
@@ -4492,6 +5373,29 @@
           </a:p>
         </p:txBody>
       </p:sp>
+      <p:sp>
+        <p:nvSpPr>
+          <p:cNvPr id="4" name="Slide Number Placeholder 3"/>
+          <p:cNvSpPr>
+            <a:spLocks noGrp="1"/>
+          </p:cNvSpPr>
+          <p:nvPr>
+            <p:ph type="sldNum" sz="quarter" idx="12"/>
+          </p:nvPr>
+        </p:nvSpPr>
+        <p:spPr/>
+        <p:txBody>
+          <a:bodyPr/>
+          <a:lstStyle/>
+          <a:p>
+            <a:fld id="{886BB73A-582F-4420-9A14-CB10A2B2E5E8}" type="slidenum">
+              <a:rPr lang="en-US" smtClean="0"/>
+              <a:t>6</a:t>
+            </a:fld>
+            <a:endParaRPr lang="en-US"/>
+          </a:p>
+        </p:txBody>
+      </p:sp>
     </p:spTree>
     <p:extLst>
       <p:ext uri="{BB962C8B-B14F-4D97-AF65-F5344CB8AC3E}">
@@ -4580,6 +5484,29 @@
           </a:prstGeom>
         </p:spPr>
       </p:pic>
+      <p:sp>
+        <p:nvSpPr>
+          <p:cNvPr id="7" name="Slide Number Placeholder 6"/>
+          <p:cNvSpPr>
+            <a:spLocks noGrp="1"/>
+          </p:cNvSpPr>
+          <p:nvPr>
+            <p:ph type="sldNum" sz="quarter" idx="12"/>
+          </p:nvPr>
+        </p:nvSpPr>
+        <p:spPr/>
+        <p:txBody>
+          <a:bodyPr/>
+          <a:lstStyle/>
+          <a:p>
+            <a:fld id="{886BB73A-582F-4420-9A14-CB10A2B2E5E8}" type="slidenum">
+              <a:rPr lang="en-US" smtClean="0"/>
+              <a:t>7</a:t>
+            </a:fld>
+            <a:endParaRPr lang="en-US"/>
+          </a:p>
+        </p:txBody>
+      </p:sp>
     </p:spTree>
     <p:extLst>
       <p:ext uri="{BB962C8B-B14F-4D97-AF65-F5344CB8AC3E}">
@@ -4668,6 +5595,29 @@
           </a:prstGeom>
         </p:spPr>
       </p:pic>
+      <p:sp>
+        <p:nvSpPr>
+          <p:cNvPr id="4" name="Slide Number Placeholder 3"/>
+          <p:cNvSpPr>
+            <a:spLocks noGrp="1"/>
+          </p:cNvSpPr>
+          <p:nvPr>
+            <p:ph type="sldNum" sz="quarter" idx="12"/>
+          </p:nvPr>
+        </p:nvSpPr>
+        <p:spPr/>
+        <p:txBody>
+          <a:bodyPr/>
+          <a:lstStyle/>
+          <a:p>
+            <a:fld id="{886BB73A-582F-4420-9A14-CB10A2B2E5E8}" type="slidenum">
+              <a:rPr lang="en-US" smtClean="0"/>
+              <a:t>8</a:t>
+            </a:fld>
+            <a:endParaRPr lang="en-US"/>
+          </a:p>
+        </p:txBody>
+      </p:sp>
     </p:spTree>
     <p:extLst>
       <p:ext uri="{BB962C8B-B14F-4D97-AF65-F5344CB8AC3E}">
@@ -4758,6 +5708,29 @@
               <a:rPr lang="fr-FR" dirty="0" smtClean="0"/>
               <a:t>Chaque action automatisable dans le DA donne lieu au déclenchement d’une interaction dans le DS.</a:t>
             </a:r>
+          </a:p>
+        </p:txBody>
+      </p:sp>
+      <p:sp>
+        <p:nvSpPr>
+          <p:cNvPr id="4" name="Slide Number Placeholder 3"/>
+          <p:cNvSpPr>
+            <a:spLocks noGrp="1"/>
+          </p:cNvSpPr>
+          <p:nvPr>
+            <p:ph type="sldNum" sz="quarter" idx="12"/>
+          </p:nvPr>
+        </p:nvSpPr>
+        <p:spPr/>
+        <p:txBody>
+          <a:bodyPr/>
+          <a:lstStyle/>
+          <a:p>
+            <a:fld id="{886BB73A-582F-4420-9A14-CB10A2B2E5E8}" type="slidenum">
+              <a:rPr lang="en-US" smtClean="0"/>
+              <a:t>9</a:t>
+            </a:fld>
+            <a:endParaRPr lang="en-US"/>
           </a:p>
         </p:txBody>
       </p:sp>
@@ -5041,4 +6014,644 @@
   </a:objectDefaults>
   <a:extraClrSchemeLst/>
 </a:theme>
+</file>
+
+<file path=ppt/theme/theme2.xml><?xml version="1.0" encoding="utf-8"?>
+<a:theme xmlns:a="http://schemas.openxmlformats.org/drawingml/2006/main" name="Office Theme">
+  <a:themeElements>
+    <a:clrScheme name="Office">
+      <a:dk1>
+        <a:sysClr val="windowText" lastClr="000000"/>
+      </a:dk1>
+      <a:lt1>
+        <a:sysClr val="window" lastClr="FFFFFF"/>
+      </a:lt1>
+      <a:dk2>
+        <a:srgbClr val="1F497D"/>
+      </a:dk2>
+      <a:lt2>
+        <a:srgbClr val="EEECE1"/>
+      </a:lt2>
+      <a:accent1>
+        <a:srgbClr val="4F81BD"/>
+      </a:accent1>
+      <a:accent2>
+        <a:srgbClr val="C0504D"/>
+      </a:accent2>
+      <a:accent3>
+        <a:srgbClr val="9BBB59"/>
+      </a:accent3>
+      <a:accent4>
+        <a:srgbClr val="8064A2"/>
+      </a:accent4>
+      <a:accent5>
+        <a:srgbClr val="4BACC6"/>
+      </a:accent5>
+      <a:accent6>
+        <a:srgbClr val="F79646"/>
+      </a:accent6>
+      <a:hlink>
+        <a:srgbClr val="0000FF"/>
+      </a:hlink>
+      <a:folHlink>
+        <a:srgbClr val="800080"/>
+      </a:folHlink>
+    </a:clrScheme>
+    <a:fontScheme name="Office">
+      <a:majorFont>
+        <a:latin typeface="Calibri"/>
+        <a:ea typeface=""/>
+        <a:cs typeface=""/>
+        <a:font script="Jpan" typeface="ＭＳ Ｐゴシック"/>
+        <a:font script="Hang" typeface="맑은 고딕"/>
+        <a:font script="Hans" typeface="宋体"/>
+        <a:font script="Hant" typeface="新細明體"/>
+        <a:font script="Arab" typeface="Times New Roman"/>
+        <a:font script="Hebr" typeface="Times New Roman"/>
+        <a:font script="Thai" typeface="Angsana New"/>
+        <a:font script="Ethi" typeface="Nyala"/>
+        <a:font script="Beng" typeface="Vrinda"/>
+        <a:font script="Gujr" typeface="Shruti"/>
+        <a:font script="Khmr" typeface="MoolBoran"/>
+        <a:font script="Knda" typeface="Tunga"/>
+        <a:font script="Guru" typeface="Raavi"/>
+        <a:font script="Cans" typeface="Euphemia"/>
+        <a:font script="Cher" typeface="Plantagenet Cherokee"/>
+        <a:font script="Yiii" typeface="Microsoft Yi Baiti"/>
+        <a:font script="Tibt" typeface="Microsoft Himalaya"/>
+        <a:font script="Thaa" typeface="MV Boli"/>
+        <a:font script="Deva" typeface="Mangal"/>
+        <a:font script="Telu" typeface="Gautami"/>
+        <a:font script="Taml" typeface="Latha"/>
+        <a:font script="Syrc" typeface="Estrangelo Edessa"/>
+        <a:font script="Orya" typeface="Kalinga"/>
+        <a:font script="Mlym" typeface="Kartika"/>
+        <a:font script="Laoo" typeface="DokChampa"/>
+        <a:font script="Sinh" typeface="Iskoola Pota"/>
+        <a:font script="Mong" typeface="Mongolian Baiti"/>
+        <a:font script="Viet" typeface="Times New Roman"/>
+        <a:font script="Uigh" typeface="Microsoft Uighur"/>
+        <a:font script="Geor" typeface="Sylfaen"/>
+      </a:majorFont>
+      <a:minorFont>
+        <a:latin typeface="Calibri"/>
+        <a:ea typeface=""/>
+        <a:cs typeface=""/>
+        <a:font script="Jpan" typeface="ＭＳ Ｐゴシック"/>
+        <a:font script="Hang" typeface="맑은 고딕"/>
+        <a:font script="Hans" typeface="宋体"/>
+        <a:font script="Hant" typeface="新細明體"/>
+        <a:font script="Arab" typeface="Arial"/>
+        <a:font script="Hebr" typeface="Arial"/>
+        <a:font script="Thai" typeface="Cordia New"/>
+        <a:font script="Ethi" typeface="Nyala"/>
+        <a:font script="Beng" typeface="Vrinda"/>
+        <a:font script="Gujr" typeface="Shruti"/>
+        <a:font script="Khmr" typeface="DaunPenh"/>
+        <a:font script="Knda" typeface="Tunga"/>
+        <a:font script="Guru" typeface="Raavi"/>
+        <a:font script="Cans" typeface="Euphemia"/>
+        <a:font script="Cher" typeface="Plantagenet Cherokee"/>
+        <a:font script="Yiii" typeface="Microsoft Yi Baiti"/>
+        <a:font script="Tibt" typeface="Microsoft Himalaya"/>
+        <a:font script="Thaa" typeface="MV Boli"/>
+        <a:font script="Deva" typeface="Mangal"/>
+        <a:font script="Telu" typeface="Gautami"/>
+        <a:font script="Taml" typeface="Latha"/>
+        <a:font script="Syrc" typeface="Estrangelo Edessa"/>
+        <a:font script="Orya" typeface="Kalinga"/>
+        <a:font script="Mlym" typeface="Kartika"/>
+        <a:font script="Laoo" typeface="DokChampa"/>
+        <a:font script="Sinh" typeface="Iskoola Pota"/>
+        <a:font script="Mong" typeface="Mongolian Baiti"/>
+        <a:font script="Viet" typeface="Arial"/>
+        <a:font script="Uigh" typeface="Microsoft Uighur"/>
+        <a:font script="Geor" typeface="Sylfaen"/>
+      </a:minorFont>
+    </a:fontScheme>
+    <a:fmtScheme name="Office">
+      <a:fillStyleLst>
+        <a:solidFill>
+          <a:schemeClr val="phClr"/>
+        </a:solidFill>
+        <a:gradFill rotWithShape="1">
+          <a:gsLst>
+            <a:gs pos="0">
+              <a:schemeClr val="phClr">
+                <a:tint val="50000"/>
+                <a:satMod val="300000"/>
+              </a:schemeClr>
+            </a:gs>
+            <a:gs pos="35000">
+              <a:schemeClr val="phClr">
+                <a:tint val="37000"/>
+                <a:satMod val="300000"/>
+              </a:schemeClr>
+            </a:gs>
+            <a:gs pos="100000">
+              <a:schemeClr val="phClr">
+                <a:tint val="15000"/>
+                <a:satMod val="350000"/>
+              </a:schemeClr>
+            </a:gs>
+          </a:gsLst>
+          <a:lin ang="16200000" scaled="1"/>
+        </a:gradFill>
+        <a:gradFill rotWithShape="1">
+          <a:gsLst>
+            <a:gs pos="0">
+              <a:schemeClr val="phClr">
+                <a:tint val="100000"/>
+                <a:shade val="100000"/>
+                <a:satMod val="130000"/>
+              </a:schemeClr>
+            </a:gs>
+            <a:gs pos="100000">
+              <a:schemeClr val="phClr">
+                <a:tint val="50000"/>
+                <a:shade val="100000"/>
+                <a:satMod val="350000"/>
+              </a:schemeClr>
+            </a:gs>
+          </a:gsLst>
+          <a:lin ang="16200000" scaled="0"/>
+        </a:gradFill>
+      </a:fillStyleLst>
+      <a:lnStyleLst>
+        <a:ln w="9525" cap="flat" cmpd="sng" algn="ctr">
+          <a:solidFill>
+            <a:schemeClr val="phClr">
+              <a:shade val="95000"/>
+              <a:satMod val="105000"/>
+            </a:schemeClr>
+          </a:solidFill>
+          <a:prstDash val="solid"/>
+        </a:ln>
+        <a:ln w="25400" cap="flat" cmpd="sng" algn="ctr">
+          <a:solidFill>
+            <a:schemeClr val="phClr"/>
+          </a:solidFill>
+          <a:prstDash val="solid"/>
+        </a:ln>
+        <a:ln w="38100" cap="flat" cmpd="sng" algn="ctr">
+          <a:solidFill>
+            <a:schemeClr val="phClr"/>
+          </a:solidFill>
+          <a:prstDash val="solid"/>
+        </a:ln>
+      </a:lnStyleLst>
+      <a:effectStyleLst>
+        <a:effectStyle>
+          <a:effectLst>
+            <a:outerShdw blurRad="40000" dist="20000" dir="5400000" rotWithShape="0">
+              <a:srgbClr val="000000">
+                <a:alpha val="38000"/>
+              </a:srgbClr>
+            </a:outerShdw>
+          </a:effectLst>
+        </a:effectStyle>
+        <a:effectStyle>
+          <a:effectLst>
+            <a:outerShdw blurRad="40000" dist="23000" dir="5400000" rotWithShape="0">
+              <a:srgbClr val="000000">
+                <a:alpha val="35000"/>
+              </a:srgbClr>
+            </a:outerShdw>
+          </a:effectLst>
+        </a:effectStyle>
+        <a:effectStyle>
+          <a:effectLst>
+            <a:outerShdw blurRad="40000" dist="23000" dir="5400000" rotWithShape="0">
+              <a:srgbClr val="000000">
+                <a:alpha val="35000"/>
+              </a:srgbClr>
+            </a:outerShdw>
+          </a:effectLst>
+          <a:scene3d>
+            <a:camera prst="orthographicFront">
+              <a:rot lat="0" lon="0" rev="0"/>
+            </a:camera>
+            <a:lightRig rig="threePt" dir="t">
+              <a:rot lat="0" lon="0" rev="1200000"/>
+            </a:lightRig>
+          </a:scene3d>
+          <a:sp3d>
+            <a:bevelT w="63500" h="25400"/>
+          </a:sp3d>
+        </a:effectStyle>
+      </a:effectStyleLst>
+      <a:bgFillStyleLst>
+        <a:solidFill>
+          <a:schemeClr val="phClr"/>
+        </a:solidFill>
+        <a:gradFill rotWithShape="1">
+          <a:gsLst>
+            <a:gs pos="0">
+              <a:schemeClr val="phClr">
+                <a:tint val="40000"/>
+                <a:satMod val="350000"/>
+              </a:schemeClr>
+            </a:gs>
+            <a:gs pos="40000">
+              <a:schemeClr val="phClr">
+                <a:tint val="45000"/>
+                <a:shade val="99000"/>
+                <a:satMod val="350000"/>
+              </a:schemeClr>
+            </a:gs>
+            <a:gs pos="100000">
+              <a:schemeClr val="phClr">
+                <a:shade val="20000"/>
+                <a:satMod val="255000"/>
+              </a:schemeClr>
+            </a:gs>
+          </a:gsLst>
+          <a:path path="circle">
+            <a:fillToRect l="50000" t="-80000" r="50000" b="180000"/>
+          </a:path>
+        </a:gradFill>
+        <a:gradFill rotWithShape="1">
+          <a:gsLst>
+            <a:gs pos="0">
+              <a:schemeClr val="phClr">
+                <a:tint val="80000"/>
+                <a:satMod val="300000"/>
+              </a:schemeClr>
+            </a:gs>
+            <a:gs pos="100000">
+              <a:schemeClr val="phClr">
+                <a:shade val="30000"/>
+                <a:satMod val="200000"/>
+              </a:schemeClr>
+            </a:gs>
+          </a:gsLst>
+          <a:path path="circle">
+            <a:fillToRect l="50000" t="50000" r="50000" b="50000"/>
+          </a:path>
+        </a:gradFill>
+      </a:bgFillStyleLst>
+    </a:fmtScheme>
+  </a:themeElements>
+  <a:objectDefaults>
+    <a:spDef>
+      <a:spPr/>
+      <a:bodyPr/>
+      <a:lstStyle/>
+      <a:style>
+        <a:lnRef idx="1">
+          <a:schemeClr val="accent1"/>
+        </a:lnRef>
+        <a:fillRef idx="3">
+          <a:schemeClr val="accent1"/>
+        </a:fillRef>
+        <a:effectRef idx="2">
+          <a:schemeClr val="accent1"/>
+        </a:effectRef>
+        <a:fontRef idx="minor">
+          <a:schemeClr val="lt1"/>
+        </a:fontRef>
+      </a:style>
+    </a:spDef>
+    <a:lnDef>
+      <a:spPr/>
+      <a:bodyPr/>
+      <a:lstStyle/>
+      <a:style>
+        <a:lnRef idx="2">
+          <a:schemeClr val="accent1"/>
+        </a:lnRef>
+        <a:fillRef idx="0">
+          <a:schemeClr val="accent1"/>
+        </a:fillRef>
+        <a:effectRef idx="1">
+          <a:schemeClr val="accent1"/>
+        </a:effectRef>
+        <a:fontRef idx="minor">
+          <a:schemeClr val="tx1"/>
+        </a:fontRef>
+      </a:style>
+    </a:lnDef>
+  </a:objectDefaults>
+  <a:extraClrSchemeLst/>
+</a:theme>
+</file>
+
+<file path=ppt/theme/theme3.xml><?xml version="1.0" encoding="utf-8"?>
+<a:theme xmlns:a="http://schemas.openxmlformats.org/drawingml/2006/main" name="Office Theme">
+  <a:themeElements>
+    <a:clrScheme name="Office">
+      <a:dk1>
+        <a:sysClr val="windowText" lastClr="000000"/>
+      </a:dk1>
+      <a:lt1>
+        <a:sysClr val="window" lastClr="FFFFFF"/>
+      </a:lt1>
+      <a:dk2>
+        <a:srgbClr val="1F497D"/>
+      </a:dk2>
+      <a:lt2>
+        <a:srgbClr val="EEECE1"/>
+      </a:lt2>
+      <a:accent1>
+        <a:srgbClr val="4F81BD"/>
+      </a:accent1>
+      <a:accent2>
+        <a:srgbClr val="C0504D"/>
+      </a:accent2>
+      <a:accent3>
+        <a:srgbClr val="9BBB59"/>
+      </a:accent3>
+      <a:accent4>
+        <a:srgbClr val="8064A2"/>
+      </a:accent4>
+      <a:accent5>
+        <a:srgbClr val="4BACC6"/>
+      </a:accent5>
+      <a:accent6>
+        <a:srgbClr val="F79646"/>
+      </a:accent6>
+      <a:hlink>
+        <a:srgbClr val="0000FF"/>
+      </a:hlink>
+      <a:folHlink>
+        <a:srgbClr val="800080"/>
+      </a:folHlink>
+    </a:clrScheme>
+    <a:fontScheme name="Office">
+      <a:majorFont>
+        <a:latin typeface="Calibri"/>
+        <a:ea typeface=""/>
+        <a:cs typeface=""/>
+        <a:font script="Jpan" typeface="ＭＳ Ｐゴシック"/>
+        <a:font script="Hang" typeface="맑은 고딕"/>
+        <a:font script="Hans" typeface="宋体"/>
+        <a:font script="Hant" typeface="新細明體"/>
+        <a:font script="Arab" typeface="Times New Roman"/>
+        <a:font script="Hebr" typeface="Times New Roman"/>
+        <a:font script="Thai" typeface="Angsana New"/>
+        <a:font script="Ethi" typeface="Nyala"/>
+        <a:font script="Beng" typeface="Vrinda"/>
+        <a:font script="Gujr" typeface="Shruti"/>
+        <a:font script="Khmr" typeface="MoolBoran"/>
+        <a:font script="Knda" typeface="Tunga"/>
+        <a:font script="Guru" typeface="Raavi"/>
+        <a:font script="Cans" typeface="Euphemia"/>
+        <a:font script="Cher" typeface="Plantagenet Cherokee"/>
+        <a:font script="Yiii" typeface="Microsoft Yi Baiti"/>
+        <a:font script="Tibt" typeface="Microsoft Himalaya"/>
+        <a:font script="Thaa" typeface="MV Boli"/>
+        <a:font script="Deva" typeface="Mangal"/>
+        <a:font script="Telu" typeface="Gautami"/>
+        <a:font script="Taml" typeface="Latha"/>
+        <a:font script="Syrc" typeface="Estrangelo Edessa"/>
+        <a:font script="Orya" typeface="Kalinga"/>
+        <a:font script="Mlym" typeface="Kartika"/>
+        <a:font script="Laoo" typeface="DokChampa"/>
+        <a:font script="Sinh" typeface="Iskoola Pota"/>
+        <a:font script="Mong" typeface="Mongolian Baiti"/>
+        <a:font script="Viet" typeface="Times New Roman"/>
+        <a:font script="Uigh" typeface="Microsoft Uighur"/>
+        <a:font script="Geor" typeface="Sylfaen"/>
+      </a:majorFont>
+      <a:minorFont>
+        <a:latin typeface="Calibri"/>
+        <a:ea typeface=""/>
+        <a:cs typeface=""/>
+        <a:font script="Jpan" typeface="ＭＳ Ｐゴシック"/>
+        <a:font script="Hang" typeface="맑은 고딕"/>
+        <a:font script="Hans" typeface="宋体"/>
+        <a:font script="Hant" typeface="新細明體"/>
+        <a:font script="Arab" typeface="Arial"/>
+        <a:font script="Hebr" typeface="Arial"/>
+        <a:font script="Thai" typeface="Cordia New"/>
+        <a:font script="Ethi" typeface="Nyala"/>
+        <a:font script="Beng" typeface="Vrinda"/>
+        <a:font script="Gujr" typeface="Shruti"/>
+        <a:font script="Khmr" typeface="DaunPenh"/>
+        <a:font script="Knda" typeface="Tunga"/>
+        <a:font script="Guru" typeface="Raavi"/>
+        <a:font script="Cans" typeface="Euphemia"/>
+        <a:font script="Cher" typeface="Plantagenet Cherokee"/>
+        <a:font script="Yiii" typeface="Microsoft Yi Baiti"/>
+        <a:font script="Tibt" typeface="Microsoft Himalaya"/>
+        <a:font script="Thaa" typeface="MV Boli"/>
+        <a:font script="Deva" typeface="Mangal"/>
+        <a:font script="Telu" typeface="Gautami"/>
+        <a:font script="Taml" typeface="Latha"/>
+        <a:font script="Syrc" typeface="Estrangelo Edessa"/>
+        <a:font script="Orya" typeface="Kalinga"/>
+        <a:font script="Mlym" typeface="Kartika"/>
+        <a:font script="Laoo" typeface="DokChampa"/>
+        <a:font script="Sinh" typeface="Iskoola Pota"/>
+        <a:font script="Mong" typeface="Mongolian Baiti"/>
+        <a:font script="Viet" typeface="Arial"/>
+        <a:font script="Uigh" typeface="Microsoft Uighur"/>
+        <a:font script="Geor" typeface="Sylfaen"/>
+      </a:minorFont>
+    </a:fontScheme>
+    <a:fmtScheme name="Office">
+      <a:fillStyleLst>
+        <a:solidFill>
+          <a:schemeClr val="phClr"/>
+        </a:solidFill>
+        <a:gradFill rotWithShape="1">
+          <a:gsLst>
+            <a:gs pos="0">
+              <a:schemeClr val="phClr">
+                <a:tint val="50000"/>
+                <a:satMod val="300000"/>
+              </a:schemeClr>
+            </a:gs>
+            <a:gs pos="35000">
+              <a:schemeClr val="phClr">
+                <a:tint val="37000"/>
+                <a:satMod val="300000"/>
+              </a:schemeClr>
+            </a:gs>
+            <a:gs pos="100000">
+              <a:schemeClr val="phClr">
+                <a:tint val="15000"/>
+                <a:satMod val="350000"/>
+              </a:schemeClr>
+            </a:gs>
+          </a:gsLst>
+          <a:lin ang="16200000" scaled="1"/>
+        </a:gradFill>
+        <a:gradFill rotWithShape="1">
+          <a:gsLst>
+            <a:gs pos="0">
+              <a:schemeClr val="phClr">
+                <a:tint val="100000"/>
+                <a:shade val="100000"/>
+                <a:satMod val="130000"/>
+              </a:schemeClr>
+            </a:gs>
+            <a:gs pos="100000">
+              <a:schemeClr val="phClr">
+                <a:tint val="50000"/>
+                <a:shade val="100000"/>
+                <a:satMod val="350000"/>
+              </a:schemeClr>
+            </a:gs>
+          </a:gsLst>
+          <a:lin ang="16200000" scaled="0"/>
+        </a:gradFill>
+      </a:fillStyleLst>
+      <a:lnStyleLst>
+        <a:ln w="9525" cap="flat" cmpd="sng" algn="ctr">
+          <a:solidFill>
+            <a:schemeClr val="phClr">
+              <a:shade val="95000"/>
+              <a:satMod val="105000"/>
+            </a:schemeClr>
+          </a:solidFill>
+          <a:prstDash val="solid"/>
+        </a:ln>
+        <a:ln w="25400" cap="flat" cmpd="sng" algn="ctr">
+          <a:solidFill>
+            <a:schemeClr val="phClr"/>
+          </a:solidFill>
+          <a:prstDash val="solid"/>
+        </a:ln>
+        <a:ln w="38100" cap="flat" cmpd="sng" algn="ctr">
+          <a:solidFill>
+            <a:schemeClr val="phClr"/>
+          </a:solidFill>
+          <a:prstDash val="solid"/>
+        </a:ln>
+      </a:lnStyleLst>
+      <a:effectStyleLst>
+        <a:effectStyle>
+          <a:effectLst>
+            <a:outerShdw blurRad="40000" dist="20000" dir="5400000" rotWithShape="0">
+              <a:srgbClr val="000000">
+                <a:alpha val="38000"/>
+              </a:srgbClr>
+            </a:outerShdw>
+          </a:effectLst>
+        </a:effectStyle>
+        <a:effectStyle>
+          <a:effectLst>
+            <a:outerShdw blurRad="40000" dist="23000" dir="5400000" rotWithShape="0">
+              <a:srgbClr val="000000">
+                <a:alpha val="35000"/>
+              </a:srgbClr>
+            </a:outerShdw>
+          </a:effectLst>
+        </a:effectStyle>
+        <a:effectStyle>
+          <a:effectLst>
+            <a:outerShdw blurRad="40000" dist="23000" dir="5400000" rotWithShape="0">
+              <a:srgbClr val="000000">
+                <a:alpha val="35000"/>
+              </a:srgbClr>
+            </a:outerShdw>
+          </a:effectLst>
+          <a:scene3d>
+            <a:camera prst="orthographicFront">
+              <a:rot lat="0" lon="0" rev="0"/>
+            </a:camera>
+            <a:lightRig rig="threePt" dir="t">
+              <a:rot lat="0" lon="0" rev="1200000"/>
+            </a:lightRig>
+          </a:scene3d>
+          <a:sp3d>
+            <a:bevelT w="63500" h="25400"/>
+          </a:sp3d>
+        </a:effectStyle>
+      </a:effectStyleLst>
+      <a:bgFillStyleLst>
+        <a:solidFill>
+          <a:schemeClr val="phClr"/>
+        </a:solidFill>
+        <a:gradFill rotWithShape="1">
+          <a:gsLst>
+            <a:gs pos="0">
+              <a:schemeClr val="phClr">
+                <a:tint val="40000"/>
+                <a:satMod val="350000"/>
+              </a:schemeClr>
+            </a:gs>
+            <a:gs pos="40000">
+              <a:schemeClr val="phClr">
+                <a:tint val="45000"/>
+                <a:shade val="99000"/>
+                <a:satMod val="350000"/>
+              </a:schemeClr>
+            </a:gs>
+            <a:gs pos="100000">
+              <a:schemeClr val="phClr">
+                <a:shade val="20000"/>
+                <a:satMod val="255000"/>
+              </a:schemeClr>
+            </a:gs>
+          </a:gsLst>
+          <a:path path="circle">
+            <a:fillToRect l="50000" t="-80000" r="50000" b="180000"/>
+          </a:path>
+        </a:gradFill>
+        <a:gradFill rotWithShape="1">
+          <a:gsLst>
+            <a:gs pos="0">
+              <a:schemeClr val="phClr">
+                <a:tint val="80000"/>
+                <a:satMod val="300000"/>
+              </a:schemeClr>
+            </a:gs>
+            <a:gs pos="100000">
+              <a:schemeClr val="phClr">
+                <a:shade val="30000"/>
+                <a:satMod val="200000"/>
+              </a:schemeClr>
+            </a:gs>
+          </a:gsLst>
+          <a:path path="circle">
+            <a:fillToRect l="50000" t="50000" r="50000" b="50000"/>
+          </a:path>
+        </a:gradFill>
+      </a:bgFillStyleLst>
+    </a:fmtScheme>
+  </a:themeElements>
+  <a:objectDefaults>
+    <a:spDef>
+      <a:spPr/>
+      <a:bodyPr/>
+      <a:lstStyle/>
+      <a:style>
+        <a:lnRef idx="1">
+          <a:schemeClr val="accent1"/>
+        </a:lnRef>
+        <a:fillRef idx="3">
+          <a:schemeClr val="accent1"/>
+        </a:fillRef>
+        <a:effectRef idx="2">
+          <a:schemeClr val="accent1"/>
+        </a:effectRef>
+        <a:fontRef idx="minor">
+          <a:schemeClr val="lt1"/>
+        </a:fontRef>
+      </a:style>
+    </a:spDef>
+    <a:lnDef>
+      <a:spPr/>
+      <a:bodyPr/>
+      <a:lstStyle/>
+      <a:style>
+        <a:lnRef idx="2">
+          <a:schemeClr val="accent1"/>
+        </a:lnRef>
+        <a:fillRef idx="0">
+          <a:schemeClr val="accent1"/>
+        </a:fillRef>
+        <a:effectRef idx="1">
+          <a:schemeClr val="accent1"/>
+        </a:effectRef>
+        <a:fontRef idx="minor">
+          <a:schemeClr val="tx1"/>
+        </a:fontRef>
+      </a:style>
+    </a:lnDef>
+  </a:objectDefaults>
+  <a:extraClrSchemeLst/>
+</a:theme>
 </file>
--- a/presentationSISOA.pptx
+++ b/presentationSISOA.pptx
@@ -5,10 +5,10 @@
     <p:sldMasterId id="2147483677" r:id="rId1"/>
   </p:sldMasterIdLst>
   <p:notesMasterIdLst>
-    <p:notesMasterId r:id="rId14"/>
+    <p:notesMasterId r:id="rId18"/>
   </p:notesMasterIdLst>
   <p:handoutMasterIdLst>
-    <p:handoutMasterId r:id="rId15"/>
+    <p:handoutMasterId r:id="rId19"/>
   </p:handoutMasterIdLst>
   <p:sldIdLst>
     <p:sldId id="256" r:id="rId2"/>
@@ -23,6 +23,10 @@
     <p:sldId id="265" r:id="rId11"/>
     <p:sldId id="266" r:id="rId12"/>
     <p:sldId id="268" r:id="rId13"/>
+    <p:sldId id="269" r:id="rId14"/>
+    <p:sldId id="270" r:id="rId15"/>
+    <p:sldId id="271" r:id="rId16"/>
+    <p:sldId id="272" r:id="rId17"/>
   </p:sldIdLst>
   <p:sldSz cx="9144000" cy="6858000" type="screen4x3"/>
   <p:notesSz cx="6858000" cy="9144000"/>
@@ -4769,6 +4773,470 @@
     <p:extLst>
       <p:ext uri="{BB962C8B-B14F-4D97-AF65-F5344CB8AC3E}">
         <p14:creationId xmlns:p14="http://schemas.microsoft.com/office/powerpoint/2010/main" val="4093567852"/>
+      </p:ext>
+    </p:extLst>
+  </p:cSld>
+  <p:clrMapOvr>
+    <a:masterClrMapping/>
+  </p:clrMapOvr>
+</p:sld>
+</file>
+
+<file path=ppt/slides/slide13.xml><?xml version="1.0" encoding="utf-8"?>
+<p:sld xmlns:a="http://schemas.openxmlformats.org/drawingml/2006/main" xmlns:r="http://schemas.openxmlformats.org/officeDocument/2006/relationships" xmlns:p="http://schemas.openxmlformats.org/presentationml/2006/main">
+  <p:cSld>
+    <p:spTree>
+      <p:nvGrpSpPr>
+        <p:cNvPr id="1" name=""/>
+        <p:cNvGrpSpPr/>
+        <p:nvPr/>
+      </p:nvGrpSpPr>
+      <p:grpSpPr>
+        <a:xfrm>
+          <a:off x="0" y="0"/>
+          <a:ext cx="0" cy="0"/>
+          <a:chOff x="0" y="0"/>
+          <a:chExt cx="0" cy="0"/>
+        </a:xfrm>
+      </p:grpSpPr>
+      <p:sp>
+        <p:nvSpPr>
+          <p:cNvPr id="2" name="Title 1"/>
+          <p:cNvSpPr>
+            <a:spLocks noGrp="1"/>
+          </p:cNvSpPr>
+          <p:nvPr>
+            <p:ph type="title"/>
+          </p:nvPr>
+        </p:nvSpPr>
+        <p:spPr/>
+        <p:txBody>
+          <a:bodyPr/>
+          <a:lstStyle/>
+          <a:p>
+            <a:r>
+              <a:rPr lang="fr-FR" dirty="0" smtClean="0"/>
+              <a:t>Enchainement des fen</a:t>
+            </a:r>
+            <a:r>
+              <a:rPr lang="fr-FR" dirty="0" smtClean="0"/>
+              <a:t>êtres</a:t>
+            </a:r>
+            <a:br>
+              <a:rPr lang="fr-FR" dirty="0" smtClean="0"/>
+            </a:br>
+            <a:r>
+              <a:rPr lang="fr-FR" dirty="0" smtClean="0"/>
+              <a:t>global</a:t>
+            </a:r>
+            <a:endParaRPr lang="fr-FR" dirty="0"/>
+          </a:p>
+        </p:txBody>
+      </p:sp>
+      <p:sp>
+        <p:nvSpPr>
+          <p:cNvPr id="4" name="Slide Number Placeholder 3"/>
+          <p:cNvSpPr>
+            <a:spLocks noGrp="1"/>
+          </p:cNvSpPr>
+          <p:nvPr>
+            <p:ph type="sldNum" sz="quarter" idx="12"/>
+          </p:nvPr>
+        </p:nvSpPr>
+        <p:spPr/>
+        <p:txBody>
+          <a:bodyPr/>
+          <a:lstStyle/>
+          <a:p>
+            <a:fld id="{886BB73A-582F-4420-9A14-CB10A2B2E5E8}" type="slidenum">
+              <a:rPr lang="en-US" smtClean="0"/>
+              <a:t>13</a:t>
+            </a:fld>
+            <a:endParaRPr lang="en-US"/>
+          </a:p>
+        </p:txBody>
+      </p:sp>
+      <p:pic>
+        <p:nvPicPr>
+          <p:cNvPr id="5" name="Picture 4" descr="diagramme-edf.png"/>
+          <p:cNvPicPr>
+            <a:picLocks noChangeAspect="1"/>
+          </p:cNvPicPr>
+          <p:nvPr/>
+        </p:nvPicPr>
+        <p:blipFill>
+          <a:blip r:embed="rId2">
+            <a:extLst>
+              <a:ext uri="{28A0092B-C50C-407E-A947-70E740481C1C}">
+                <a14:useLocalDpi xmlns:a14="http://schemas.microsoft.com/office/drawing/2010/main" val="0"/>
+              </a:ext>
+            </a:extLst>
+          </a:blip>
+          <a:stretch>
+            <a:fillRect/>
+          </a:stretch>
+        </p:blipFill>
+        <p:spPr>
+          <a:xfrm>
+            <a:off x="924926" y="1410862"/>
+            <a:ext cx="7294148" cy="5229932"/>
+          </a:xfrm>
+          <a:prstGeom prst="rect">
+            <a:avLst/>
+          </a:prstGeom>
+        </p:spPr>
+      </p:pic>
+    </p:spTree>
+    <p:extLst>
+      <p:ext uri="{BB962C8B-B14F-4D97-AF65-F5344CB8AC3E}">
+        <p14:creationId xmlns:p14="http://schemas.microsoft.com/office/powerpoint/2010/main" val="4004186511"/>
+      </p:ext>
+    </p:extLst>
+  </p:cSld>
+  <p:clrMapOvr>
+    <a:masterClrMapping/>
+  </p:clrMapOvr>
+</p:sld>
+</file>
+
+<file path=ppt/slides/slide14.xml><?xml version="1.0" encoding="utf-8"?>
+<p:sld xmlns:a="http://schemas.openxmlformats.org/drawingml/2006/main" xmlns:r="http://schemas.openxmlformats.org/officeDocument/2006/relationships" xmlns:p="http://schemas.openxmlformats.org/presentationml/2006/main">
+  <p:cSld>
+    <p:spTree>
+      <p:nvGrpSpPr>
+        <p:cNvPr id="1" name=""/>
+        <p:cNvGrpSpPr/>
+        <p:nvPr/>
+      </p:nvGrpSpPr>
+      <p:grpSpPr>
+        <a:xfrm>
+          <a:off x="0" y="0"/>
+          <a:ext cx="0" cy="0"/>
+          <a:chOff x="0" y="0"/>
+          <a:chExt cx="0" cy="0"/>
+        </a:xfrm>
+      </p:grpSpPr>
+      <p:sp>
+        <p:nvSpPr>
+          <p:cNvPr id="2" name="Title 1"/>
+          <p:cNvSpPr>
+            <a:spLocks noGrp="1"/>
+          </p:cNvSpPr>
+          <p:nvPr>
+            <p:ph type="title"/>
+          </p:nvPr>
+        </p:nvSpPr>
+        <p:spPr>
+          <a:xfrm>
+            <a:off x="549275" y="231827"/>
+            <a:ext cx="8042276" cy="472265"/>
+          </a:xfrm>
+        </p:spPr>
+        <p:txBody>
+          <a:bodyPr/>
+          <a:lstStyle/>
+          <a:p>
+            <a:r>
+              <a:rPr lang="fr-FR" sz="3200" dirty="0" smtClean="0"/>
+              <a:t>Ecran de Login</a:t>
+            </a:r>
+            <a:endParaRPr lang="fr-FR" sz="3200" dirty="0"/>
+          </a:p>
+        </p:txBody>
+      </p:sp>
+      <p:sp>
+        <p:nvSpPr>
+          <p:cNvPr id="4" name="Slide Number Placeholder 3"/>
+          <p:cNvSpPr>
+            <a:spLocks noGrp="1"/>
+          </p:cNvSpPr>
+          <p:nvPr>
+            <p:ph type="sldNum" sz="quarter" idx="12"/>
+          </p:nvPr>
+        </p:nvSpPr>
+        <p:spPr/>
+        <p:txBody>
+          <a:bodyPr/>
+          <a:lstStyle/>
+          <a:p>
+            <a:fld id="{886BB73A-582F-4420-9A14-CB10A2B2E5E8}" type="slidenum">
+              <a:rPr lang="en-US" smtClean="0"/>
+              <a:t>14</a:t>
+            </a:fld>
+            <a:endParaRPr lang="en-US"/>
+          </a:p>
+        </p:txBody>
+      </p:sp>
+      <p:pic>
+        <p:nvPicPr>
+          <p:cNvPr id="5" name="Picture 4" descr="Login.png"/>
+          <p:cNvPicPr>
+            <a:picLocks noChangeAspect="1"/>
+          </p:cNvPicPr>
+          <p:nvPr/>
+        </p:nvPicPr>
+        <p:blipFill>
+          <a:blip r:embed="rId2">
+            <a:extLst>
+              <a:ext uri="{28A0092B-C50C-407E-A947-70E740481C1C}">
+                <a14:useLocalDpi xmlns:a14="http://schemas.microsoft.com/office/drawing/2010/main" val="0"/>
+              </a:ext>
+            </a:extLst>
+          </a:blip>
+          <a:stretch>
+            <a:fillRect/>
+          </a:stretch>
+        </p:blipFill>
+        <p:spPr>
+          <a:xfrm>
+            <a:off x="1290755" y="1106534"/>
+            <a:ext cx="6562490" cy="5169134"/>
+          </a:xfrm>
+          <a:prstGeom prst="rect">
+            <a:avLst/>
+          </a:prstGeom>
+        </p:spPr>
+      </p:pic>
+    </p:spTree>
+    <p:extLst>
+      <p:ext uri="{BB962C8B-B14F-4D97-AF65-F5344CB8AC3E}">
+        <p14:creationId xmlns:p14="http://schemas.microsoft.com/office/powerpoint/2010/main" val="968376215"/>
+      </p:ext>
+    </p:extLst>
+  </p:cSld>
+  <p:clrMapOvr>
+    <a:masterClrMapping/>
+  </p:clrMapOvr>
+</p:sld>
+</file>
+
+<file path=ppt/slides/slide15.xml><?xml version="1.0" encoding="utf-8"?>
+<p:sld xmlns:a="http://schemas.openxmlformats.org/drawingml/2006/main" xmlns:r="http://schemas.openxmlformats.org/officeDocument/2006/relationships" xmlns:p="http://schemas.openxmlformats.org/presentationml/2006/main">
+  <p:cSld>
+    <p:spTree>
+      <p:nvGrpSpPr>
+        <p:cNvPr id="1" name=""/>
+        <p:cNvGrpSpPr/>
+        <p:nvPr/>
+      </p:nvGrpSpPr>
+      <p:grpSpPr>
+        <a:xfrm>
+          <a:off x="0" y="0"/>
+          <a:ext cx="0" cy="0"/>
+          <a:chOff x="0" y="0"/>
+          <a:chExt cx="0" cy="0"/>
+        </a:xfrm>
+      </p:grpSpPr>
+      <p:sp>
+        <p:nvSpPr>
+          <p:cNvPr id="2" name="Title 1"/>
+          <p:cNvSpPr>
+            <a:spLocks noGrp="1"/>
+          </p:cNvSpPr>
+          <p:nvPr>
+            <p:ph type="title"/>
+          </p:nvPr>
+        </p:nvSpPr>
+        <p:spPr>
+          <a:xfrm>
+            <a:off x="549275" y="231827"/>
+            <a:ext cx="8042276" cy="472265"/>
+          </a:xfrm>
+        </p:spPr>
+        <p:txBody>
+          <a:bodyPr/>
+          <a:lstStyle/>
+          <a:p>
+            <a:r>
+              <a:rPr lang="fr-FR" sz="3200" dirty="0" smtClean="0"/>
+              <a:t>Visualisation de l’agenda</a:t>
+            </a:r>
+            <a:endParaRPr lang="fr-FR" sz="3200" dirty="0"/>
+          </a:p>
+        </p:txBody>
+      </p:sp>
+      <p:sp>
+        <p:nvSpPr>
+          <p:cNvPr id="4" name="Slide Number Placeholder 3"/>
+          <p:cNvSpPr>
+            <a:spLocks noGrp="1"/>
+          </p:cNvSpPr>
+          <p:nvPr>
+            <p:ph type="sldNum" sz="quarter" idx="12"/>
+          </p:nvPr>
+        </p:nvSpPr>
+        <p:spPr/>
+        <p:txBody>
+          <a:bodyPr/>
+          <a:lstStyle/>
+          <a:p>
+            <a:fld id="{886BB73A-582F-4420-9A14-CB10A2B2E5E8}" type="slidenum">
+              <a:rPr lang="en-US" smtClean="0"/>
+              <a:t>15</a:t>
+            </a:fld>
+            <a:endParaRPr lang="en-US"/>
+          </a:p>
+        </p:txBody>
+      </p:sp>
+    </p:spTree>
+    <p:extLst>
+      <p:ext uri="{BB962C8B-B14F-4D97-AF65-F5344CB8AC3E}">
+        <p14:creationId xmlns:p14="http://schemas.microsoft.com/office/powerpoint/2010/main" val="3553487653"/>
+      </p:ext>
+    </p:extLst>
+  </p:cSld>
+  <p:clrMapOvr>
+    <a:masterClrMapping/>
+  </p:clrMapOvr>
+</p:sld>
+</file>
+
+<file path=ppt/slides/slide16.xml><?xml version="1.0" encoding="utf-8"?>
+<p:sld xmlns:a="http://schemas.openxmlformats.org/drawingml/2006/main" xmlns:r="http://schemas.openxmlformats.org/officeDocument/2006/relationships" xmlns:p="http://schemas.openxmlformats.org/presentationml/2006/main">
+  <p:cSld>
+    <p:spTree>
+      <p:nvGrpSpPr>
+        <p:cNvPr id="1" name=""/>
+        <p:cNvGrpSpPr/>
+        <p:nvPr/>
+      </p:nvGrpSpPr>
+      <p:grpSpPr>
+        <a:xfrm>
+          <a:off x="0" y="0"/>
+          <a:ext cx="0" cy="0"/>
+          <a:chOff x="0" y="0"/>
+          <a:chExt cx="0" cy="0"/>
+        </a:xfrm>
+      </p:grpSpPr>
+      <p:sp>
+        <p:nvSpPr>
+          <p:cNvPr id="2" name="Title 1"/>
+          <p:cNvSpPr>
+            <a:spLocks noGrp="1"/>
+          </p:cNvSpPr>
+          <p:nvPr>
+            <p:ph type="title"/>
+          </p:nvPr>
+        </p:nvSpPr>
+        <p:spPr/>
+        <p:txBody>
+          <a:bodyPr/>
+          <a:lstStyle/>
+          <a:p>
+            <a:r>
+              <a:rPr lang="fr-FR" dirty="0" smtClean="0"/>
+              <a:t>Bilan du projet</a:t>
+            </a:r>
+            <a:endParaRPr lang="fr-FR" dirty="0"/>
+          </a:p>
+        </p:txBody>
+      </p:sp>
+      <p:sp>
+        <p:nvSpPr>
+          <p:cNvPr id="3" name="Content Placeholder 2"/>
+          <p:cNvSpPr>
+            <a:spLocks noGrp="1"/>
+          </p:cNvSpPr>
+          <p:nvPr>
+            <p:ph idx="1"/>
+          </p:nvPr>
+        </p:nvSpPr>
+        <p:spPr/>
+        <p:txBody>
+          <a:bodyPr/>
+          <a:lstStyle/>
+          <a:p>
+            <a:r>
+              <a:rPr lang="fr-FR" dirty="0" smtClean="0"/>
+              <a:t>Synchronisation des travaux</a:t>
+            </a:r>
+          </a:p>
+          <a:p>
+            <a:pPr lvl="1"/>
+            <a:r>
+              <a:rPr lang="fr-FR" dirty="0" err="1" smtClean="0"/>
+              <a:t>Redmine</a:t>
+            </a:r>
+            <a:endParaRPr lang="fr-FR" dirty="0" smtClean="0"/>
+          </a:p>
+          <a:p>
+            <a:r>
+              <a:rPr lang="fr-FR" dirty="0" smtClean="0"/>
+              <a:t>Collaboration par les outils</a:t>
+            </a:r>
+          </a:p>
+          <a:p>
+            <a:pPr lvl="1"/>
+            <a:r>
+              <a:rPr lang="fr-FR" dirty="0" err="1" smtClean="0"/>
+              <a:t>Github</a:t>
+            </a:r>
+            <a:endParaRPr lang="fr-FR" dirty="0" smtClean="0"/>
+          </a:p>
+          <a:p>
+            <a:pPr lvl="1"/>
+            <a:r>
+              <a:rPr lang="fr-FR" dirty="0" err="1" smtClean="0"/>
+              <a:t>Dropbox</a:t>
+            </a:r>
+            <a:endParaRPr lang="fr-FR" dirty="0" smtClean="0"/>
+          </a:p>
+          <a:p>
+            <a:pPr lvl="1"/>
+            <a:r>
+              <a:rPr lang="en-US" dirty="0" err="1" smtClean="0"/>
+              <a:t>Etherpad</a:t>
+            </a:r>
+            <a:endParaRPr lang="en-US" dirty="0" smtClean="0"/>
+          </a:p>
+          <a:p>
+            <a:pPr lvl="1"/>
+            <a:r>
+              <a:rPr lang="en-US" dirty="0" smtClean="0"/>
+              <a:t>…</a:t>
+            </a:r>
+            <a:endParaRPr lang="fr-FR" dirty="0"/>
+          </a:p>
+          <a:p>
+            <a:r>
+              <a:rPr lang="fr-FR" dirty="0" smtClean="0"/>
+              <a:t>Moteur principal </a:t>
+            </a:r>
+            <a:r>
+              <a:rPr lang="fr-FR" smtClean="0"/>
+              <a:t>: la Communication</a:t>
+            </a:r>
+            <a:endParaRPr lang="fr-FR" dirty="0"/>
+          </a:p>
+        </p:txBody>
+      </p:sp>
+      <p:sp>
+        <p:nvSpPr>
+          <p:cNvPr id="4" name="Slide Number Placeholder 3"/>
+          <p:cNvSpPr>
+            <a:spLocks noGrp="1"/>
+          </p:cNvSpPr>
+          <p:nvPr>
+            <p:ph type="sldNum" sz="quarter" idx="12"/>
+          </p:nvPr>
+        </p:nvSpPr>
+        <p:spPr/>
+        <p:txBody>
+          <a:bodyPr/>
+          <a:lstStyle/>
+          <a:p>
+            <a:fld id="{886BB73A-582F-4420-9A14-CB10A2B2E5E8}" type="slidenum">
+              <a:rPr lang="en-US" smtClean="0"/>
+              <a:t>16</a:t>
+            </a:fld>
+            <a:endParaRPr lang="en-US"/>
+          </a:p>
+        </p:txBody>
+      </p:sp>
+    </p:spTree>
+    <p:extLst>
+      <p:ext uri="{BB962C8B-B14F-4D97-AF65-F5344CB8AC3E}">
+        <p14:creationId xmlns:p14="http://schemas.microsoft.com/office/powerpoint/2010/main" val="2423443193"/>
       </p:ext>
     </p:extLst>
   </p:cSld>

--- a/presentationSISOA.pptx
+++ b/presentationSISOA.pptx
@@ -210,7 +210,7 @@
           <a:p>
             <a:fld id="{D83E0C5E-CE1A-854B-B127-2EB19053E37A}" type="datetime1">
               <a:rPr lang="fr-FR" smtClean="0"/>
-              <a:t>22/03/12</a:t>
+              <a:t>22/03/2012</a:t>
             </a:fld>
             <a:endParaRPr lang="fr-FR"/>
           </a:p>
@@ -276,7 +276,7 @@
           <a:p>
             <a:fld id="{18A2B51F-6B87-0046-B9AA-56142C46A4CF}" type="slidenum">
               <a:rPr lang="fr-FR" smtClean="0"/>
-              <a:t>‹#›</a:t>
+              <a:t>‹N°›</a:t>
             </a:fld>
             <a:endParaRPr lang="fr-FR"/>
           </a:p>
@@ -376,7 +376,7 @@
           <a:p>
             <a:fld id="{4FED75F5-793A-154C-B00B-0E07E503FC33}" type="datetime1">
               <a:rPr lang="fr-FR" smtClean="0"/>
-              <a:t>22/03/12</a:t>
+              <a:t>22/03/2012</a:t>
             </a:fld>
             <a:endParaRPr lang="fr-FR"/>
           </a:p>
@@ -535,7 +535,7 @@
           <a:p>
             <a:fld id="{DD4C968C-CB21-4045-A6E1-B1053904A3EB}" type="slidenum">
               <a:rPr lang="fr-FR" smtClean="0"/>
-              <a:t>‹#›</a:t>
+              <a:t>‹N°›</a:t>
             </a:fld>
             <a:endParaRPr lang="fr-FR"/>
           </a:p>
@@ -1012,7 +1012,7 @@
           <a:p>
             <a:fld id="{62837156-AC2E-4645-BC86-B2F703CCE2CD}" type="datetime1">
               <a:rPr lang="fr-FR" smtClean="0"/>
-              <a:t>22/03/12</a:t>
+              <a:t>22/03/2012</a:t>
             </a:fld>
             <a:endParaRPr lang="en-US"/>
           </a:p>
@@ -1054,7 +1054,7 @@
           <a:p>
             <a:fld id="{886BB73A-582F-4420-9A14-CB10A2B2E5E8}" type="slidenum">
               <a:rPr lang="en-US" smtClean="0"/>
-              <a:t>‹#›</a:t>
+              <a:t>‹N°›</a:t>
             </a:fld>
             <a:endParaRPr lang="en-US"/>
           </a:p>
@@ -1204,7 +1204,7 @@
           <a:p>
             <a:fld id="{A5D28C3E-9E72-334C-AAFA-8EEC35EF4A54}" type="datetime1">
               <a:rPr lang="fr-FR" smtClean="0"/>
-              <a:t>22/03/12</a:t>
+              <a:t>22/03/2012</a:t>
             </a:fld>
             <a:endParaRPr lang="en-US"/>
           </a:p>
@@ -1246,7 +1246,7 @@
           <a:p>
             <a:fld id="{886BB73A-582F-4420-9A14-CB10A2B2E5E8}" type="slidenum">
               <a:rPr lang="en-US" smtClean="0"/>
-              <a:t>‹#›</a:t>
+              <a:t>‹N°›</a:t>
             </a:fld>
             <a:endParaRPr lang="en-US"/>
           </a:p>
@@ -1473,7 +1473,7 @@
           <a:p>
             <a:fld id="{B589B341-5EC4-C746-87BF-4823EBE8AB35}" type="datetime1">
               <a:rPr lang="fr-FR" smtClean="0"/>
-              <a:t>22/03/12</a:t>
+              <a:t>22/03/2012</a:t>
             </a:fld>
             <a:endParaRPr lang="en-US"/>
           </a:p>
@@ -1515,7 +1515,7 @@
           <a:p>
             <a:fld id="{886BB73A-582F-4420-9A14-CB10A2B2E5E8}" type="slidenum">
               <a:rPr lang="en-US" smtClean="0"/>
-              <a:t>‹#›</a:t>
+              <a:t>‹N°›</a:t>
             </a:fld>
             <a:endParaRPr lang="en-US"/>
           </a:p>
@@ -1652,7 +1652,7 @@
           <a:p>
             <a:fld id="{2FB35FDB-0AA1-784E-B467-E58FB747B781}" type="datetime1">
               <a:rPr lang="fr-FR" smtClean="0"/>
-              <a:t>22/03/12</a:t>
+              <a:t>22/03/2012</a:t>
             </a:fld>
             <a:endParaRPr lang="en-US"/>
           </a:p>
@@ -1694,7 +1694,7 @@
           <a:p>
             <a:fld id="{886BB73A-582F-4420-9A14-CB10A2B2E5E8}" type="slidenum">
               <a:rPr lang="en-US" smtClean="0"/>
-              <a:t>‹#›</a:t>
+              <a:t>‹N°›</a:t>
             </a:fld>
             <a:endParaRPr lang="en-US"/>
           </a:p>
@@ -1821,7 +1821,7 @@
           <a:p>
             <a:fld id="{65970BA4-A08A-4944-A817-8BD1CDCE6144}" type="datetime1">
               <a:rPr lang="fr-FR" smtClean="0"/>
-              <a:t>22/03/12</a:t>
+              <a:t>22/03/2012</a:t>
             </a:fld>
             <a:endParaRPr lang="en-US"/>
           </a:p>
@@ -1863,7 +1863,7 @@
           <a:p>
             <a:fld id="{886BB73A-582F-4420-9A14-CB10A2B2E5E8}" type="slidenum">
               <a:rPr lang="en-US" smtClean="0"/>
-              <a:t>‹#›</a:t>
+              <a:t>‹N°›</a:t>
             </a:fld>
             <a:endParaRPr lang="en-US"/>
           </a:p>
@@ -2063,7 +2063,7 @@
           <a:p>
             <a:fld id="{3429557D-741A-8E41-A0C1-AC23412D9F73}" type="datetime1">
               <a:rPr lang="fr-FR" smtClean="0"/>
-              <a:t>22/03/12</a:t>
+              <a:t>22/03/2012</a:t>
             </a:fld>
             <a:endParaRPr lang="en-US"/>
           </a:p>
@@ -2105,7 +2105,7 @@
           <a:p>
             <a:fld id="{886BB73A-582F-4420-9A14-CB10A2B2E5E8}" type="slidenum">
               <a:rPr lang="en-US" smtClean="0"/>
-              <a:t>‹#›</a:t>
+              <a:t>‹N°›</a:t>
             </a:fld>
             <a:endParaRPr lang="en-US"/>
           </a:p>
@@ -2386,7 +2386,7 @@
           <a:p>
             <a:fld id="{386E7856-1874-8742-AB1A-F875DC755AF3}" type="datetime1">
               <a:rPr lang="fr-FR" smtClean="0"/>
-              <a:t>22/03/12</a:t>
+              <a:t>22/03/2012</a:t>
             </a:fld>
             <a:endParaRPr lang="en-US"/>
           </a:p>
@@ -2428,7 +2428,7 @@
           <a:p>
             <a:fld id="{886BB73A-582F-4420-9A14-CB10A2B2E5E8}" type="slidenum">
               <a:rPr lang="en-US" smtClean="0"/>
-              <a:t>‹#›</a:t>
+              <a:t>‹N°›</a:t>
             </a:fld>
             <a:endParaRPr lang="en-US"/>
           </a:p>
@@ -2684,7 +2684,7 @@
           <a:p>
             <a:fld id="{926F2CCA-946B-4F4A-81F2-2F5F017F2163}" type="datetime1">
               <a:rPr lang="fr-FR" smtClean="0"/>
-              <a:t>22/03/12</a:t>
+              <a:t>22/03/2012</a:t>
             </a:fld>
             <a:endParaRPr lang="en-US"/>
           </a:p>
@@ -2726,7 +2726,7 @@
           <a:p>
             <a:fld id="{886BB73A-582F-4420-9A14-CB10A2B2E5E8}" type="slidenum">
               <a:rPr lang="en-US" smtClean="0"/>
-              <a:t>‹#›</a:t>
+              <a:t>‹N°›</a:t>
             </a:fld>
             <a:endParaRPr lang="en-US"/>
           </a:p>
@@ -3140,7 +3140,7 @@
           <a:p>
             <a:fld id="{E0407183-CE6D-664E-8885-9DE2281C7D00}" type="datetime1">
               <a:rPr lang="fr-FR" smtClean="0"/>
-              <a:t>22/03/12</a:t>
+              <a:t>22/03/2012</a:t>
             </a:fld>
             <a:endParaRPr lang="en-US"/>
           </a:p>
@@ -3182,7 +3182,7 @@
           <a:p>
             <a:fld id="{886BB73A-582F-4420-9A14-CB10A2B2E5E8}" type="slidenum">
               <a:rPr lang="en-US" smtClean="0"/>
-              <a:t>‹#›</a:t>
+              <a:t>‹N°›</a:t>
             </a:fld>
             <a:endParaRPr lang="en-US"/>
           </a:p>
@@ -3253,7 +3253,7 @@
           <a:p>
             <a:fld id="{8C4311F8-2E88-9C44-B35C-39A6D78E9095}" type="datetime1">
               <a:rPr lang="fr-FR" smtClean="0"/>
-              <a:t>22/03/12</a:t>
+              <a:t>22/03/2012</a:t>
             </a:fld>
             <a:endParaRPr lang="en-US"/>
           </a:p>
@@ -3295,7 +3295,7 @@
           <a:p>
             <a:fld id="{886BB73A-582F-4420-9A14-CB10A2B2E5E8}" type="slidenum">
               <a:rPr lang="en-US" smtClean="0"/>
-              <a:t>‹#›</a:t>
+              <a:t>‹N°›</a:t>
             </a:fld>
             <a:endParaRPr lang="en-US"/>
           </a:p>
@@ -3343,7 +3343,7 @@
           <a:p>
             <a:fld id="{8F07602B-ADD0-A049-BA12-8A14F916F04D}" type="datetime1">
               <a:rPr lang="fr-FR" smtClean="0"/>
-              <a:t>22/03/12</a:t>
+              <a:t>22/03/2012</a:t>
             </a:fld>
             <a:endParaRPr lang="en-US"/>
           </a:p>
@@ -3385,7 +3385,7 @@
           <a:p>
             <a:fld id="{886BB73A-582F-4420-9A14-CB10A2B2E5E8}" type="slidenum">
               <a:rPr lang="en-US" smtClean="0"/>
-              <a:t>‹#›</a:t>
+              <a:t>‹N°›</a:t>
             </a:fld>
             <a:endParaRPr lang="en-US"/>
           </a:p>
@@ -3625,7 +3625,7 @@
           <a:p>
             <a:fld id="{5C79CA3F-5F58-D34D-8D4F-E39C02189453}" type="datetime1">
               <a:rPr lang="fr-FR" smtClean="0"/>
-              <a:t>22/03/12</a:t>
+              <a:t>22/03/2012</a:t>
             </a:fld>
             <a:endParaRPr lang="en-US"/>
           </a:p>
@@ -3667,7 +3667,7 @@
           <a:p>
             <a:fld id="{886BB73A-582F-4420-9A14-CB10A2B2E5E8}" type="slidenum">
               <a:rPr lang="en-US" smtClean="0"/>
-              <a:t>‹#›</a:t>
+              <a:t>‹N°›</a:t>
             </a:fld>
             <a:endParaRPr lang="en-US"/>
           </a:p>
@@ -3831,7 +3831,7 @@
           <a:p>
             <a:fld id="{9910C8AB-582C-C844-906A-6C49A16C9735}" type="datetime1">
               <a:rPr lang="fr-FR" smtClean="0"/>
-              <a:t>22/03/12</a:t>
+              <a:t>22/03/2012</a:t>
             </a:fld>
             <a:endParaRPr lang="en-US"/>
           </a:p>
@@ -3905,7 +3905,7 @@
           <a:p>
             <a:fld id="{886BB73A-582F-4420-9A14-CB10A2B2E5E8}" type="slidenum">
               <a:rPr lang="en-US" smtClean="0"/>
-              <a:t>‹#›</a:t>
+              <a:t>‹N°›</a:t>
             </a:fld>
             <a:endParaRPr lang="en-US"/>
           </a:p>
@@ -4428,7 +4428,7 @@
   <p:timing>
     <p:tnLst>
       <p:par>
-        <p:cTn xmlns:p14="http://schemas.microsoft.com/office/powerpoint/2010/main" id="1" dur="indefinite" restart="never" nodeType="tmRoot"/>
+        <p:cTn id="1" dur="indefinite" restart="never" nodeType="tmRoot"/>
       </p:par>
     </p:tnLst>
   </p:timing>
@@ -4480,16 +4480,39 @@
           </a:p>
         </p:txBody>
       </p:sp>
+      <p:sp>
+        <p:nvSpPr>
+          <p:cNvPr id="5" name="Slide Number Placeholder 4"/>
+          <p:cNvSpPr>
+            <a:spLocks noGrp="1"/>
+          </p:cNvSpPr>
+          <p:nvPr>
+            <p:ph type="sldNum" sz="quarter" idx="12"/>
+          </p:nvPr>
+        </p:nvSpPr>
+        <p:spPr/>
+        <p:txBody>
+          <a:bodyPr/>
+          <a:lstStyle/>
+          <a:p>
+            <a:fld id="{886BB73A-582F-4420-9A14-CB10A2B2E5E8}" type="slidenum">
+              <a:rPr lang="en-US" smtClean="0"/>
+              <a:t>10</a:t>
+            </a:fld>
+            <a:endParaRPr lang="en-US"/>
+          </a:p>
+        </p:txBody>
+      </p:sp>
       <p:pic>
         <p:nvPicPr>
-          <p:cNvPr id="4" name="Picture 3" descr="cu7.png"/>
+          <p:cNvPr id="3" name="Image 2"/>
           <p:cNvPicPr>
             <a:picLocks noChangeAspect="1"/>
           </p:cNvPicPr>
           <p:nvPr/>
         </p:nvPicPr>
         <p:blipFill>
-          <a:blip r:embed="rId2">
+          <a:blip r:embed="rId2" cstate="email">
             <a:extLst>
               <a:ext uri="{28A0092B-C50C-407E-A947-70E740481C1C}">
                 <a14:useLocalDpi xmlns:a14="http://schemas.microsoft.com/office/drawing/2010/main" val="0"/>
@@ -4502,37 +4525,14 @@
         </p:blipFill>
         <p:spPr>
           <a:xfrm>
-            <a:off x="1128500" y="757460"/>
-            <a:ext cx="6887000" cy="6100539"/>
+            <a:off x="1149790" y="757461"/>
+            <a:ext cx="6907795" cy="6100539"/>
           </a:xfrm>
           <a:prstGeom prst="rect">
             <a:avLst/>
           </a:prstGeom>
         </p:spPr>
       </p:pic>
-      <p:sp>
-        <p:nvSpPr>
-          <p:cNvPr id="5" name="Slide Number Placeholder 4"/>
-          <p:cNvSpPr>
-            <a:spLocks noGrp="1"/>
-          </p:cNvSpPr>
-          <p:nvPr>
-            <p:ph type="sldNum" sz="quarter" idx="12"/>
-          </p:nvPr>
-        </p:nvSpPr>
-        <p:spPr/>
-        <p:txBody>
-          <a:bodyPr/>
-          <a:lstStyle/>
-          <a:p>
-            <a:fld id="{886BB73A-582F-4420-9A14-CB10A2B2E5E8}" type="slidenum">
-              <a:rPr lang="en-US" smtClean="0"/>
-              <a:t>10</a:t>
-            </a:fld>
-            <a:endParaRPr lang="en-US"/>
-          </a:p>
-        </p:txBody>
-      </p:sp>
     </p:spTree>
     <p:extLst>
       <p:ext uri="{BB962C8B-B14F-4D97-AF65-F5344CB8AC3E}">
@@ -4546,7 +4546,7 @@
   <p:timing>
     <p:tnLst>
       <p:par>
-        <p:cTn xmlns:p14="http://schemas.microsoft.com/office/powerpoint/2010/main" id="1" dur="indefinite" restart="never" nodeType="tmRoot"/>
+        <p:cTn id="1" dur="indefinite" restart="never" nodeType="tmRoot"/>
       </p:par>
     </p:tnLst>
   </p:timing>
@@ -4598,16 +4598,39 @@
           </a:p>
         </p:txBody>
       </p:sp>
+      <p:sp>
+        <p:nvSpPr>
+          <p:cNvPr id="5" name="Slide Number Placeholder 4"/>
+          <p:cNvSpPr>
+            <a:spLocks noGrp="1"/>
+          </p:cNvSpPr>
+          <p:nvPr>
+            <p:ph type="sldNum" sz="quarter" idx="12"/>
+          </p:nvPr>
+        </p:nvSpPr>
+        <p:spPr/>
+        <p:txBody>
+          <a:bodyPr/>
+          <a:lstStyle/>
+          <a:p>
+            <a:fld id="{886BB73A-582F-4420-9A14-CB10A2B2E5E8}" type="slidenum">
+              <a:rPr lang="en-US" smtClean="0"/>
+              <a:t>11</a:t>
+            </a:fld>
+            <a:endParaRPr lang="en-US"/>
+          </a:p>
+        </p:txBody>
+      </p:sp>
       <p:pic>
         <p:nvPicPr>
-          <p:cNvPr id="3" name="Picture 2" descr="cu4.png"/>
+          <p:cNvPr id="4" name="Image 3"/>
           <p:cNvPicPr>
             <a:picLocks noChangeAspect="1"/>
           </p:cNvPicPr>
           <p:nvPr/>
         </p:nvPicPr>
         <p:blipFill>
-          <a:blip r:embed="rId2">
+          <a:blip r:embed="rId2" cstate="email">
             <a:extLst>
               <a:ext uri="{28A0092B-C50C-407E-A947-70E740481C1C}">
                 <a14:useLocalDpi xmlns:a14="http://schemas.microsoft.com/office/drawing/2010/main" val="0"/>
@@ -4620,37 +4643,14 @@
         </p:blipFill>
         <p:spPr>
           <a:xfrm>
-            <a:off x="733567" y="757462"/>
-            <a:ext cx="7676866" cy="6100538"/>
+            <a:off x="1530037" y="688063"/>
+            <a:ext cx="6226804" cy="6176990"/>
           </a:xfrm>
           <a:prstGeom prst="rect">
             <a:avLst/>
           </a:prstGeom>
         </p:spPr>
       </p:pic>
-      <p:sp>
-        <p:nvSpPr>
-          <p:cNvPr id="5" name="Slide Number Placeholder 4"/>
-          <p:cNvSpPr>
-            <a:spLocks noGrp="1"/>
-          </p:cNvSpPr>
-          <p:nvPr>
-            <p:ph type="sldNum" sz="quarter" idx="12"/>
-          </p:nvPr>
-        </p:nvSpPr>
-        <p:spPr/>
-        <p:txBody>
-          <a:bodyPr/>
-          <a:lstStyle/>
-          <a:p>
-            <a:fld id="{886BB73A-582F-4420-9A14-CB10A2B2E5E8}" type="slidenum">
-              <a:rPr lang="en-US" smtClean="0"/>
-              <a:t>11</a:t>
-            </a:fld>
-            <a:endParaRPr lang="en-US"/>
-          </a:p>
-        </p:txBody>
-      </p:sp>
     </p:spTree>
     <p:extLst>
       <p:ext uri="{BB962C8B-B14F-4D97-AF65-F5344CB8AC3E}">
@@ -4664,7 +4664,7 @@
   <p:timing>
     <p:tnLst>
       <p:par>
-        <p:cTn xmlns:p14="http://schemas.microsoft.com/office/powerpoint/2010/main" id="1" dur="indefinite" restart="never" nodeType="tmRoot"/>
+        <p:cTn id="1" dur="indefinite" restart="never" nodeType="tmRoot"/>
       </p:par>
     </p:tnLst>
   </p:timing>
@@ -4816,11 +4816,7 @@
           <a:p>
             <a:r>
               <a:rPr lang="fr-FR" dirty="0" smtClean="0"/>
-              <a:t>Enchainement des fen</a:t>
-            </a:r>
-            <a:r>
-              <a:rPr lang="fr-FR" dirty="0" smtClean="0"/>
-              <a:t>êtres</a:t>
+              <a:t>Enchainement des fenêtres</a:t>
             </a:r>
             <a:br>
               <a:rPr lang="fr-FR" dirty="0" smtClean="0"/>
@@ -4976,7 +4972,7 @@
           <p:nvPr/>
         </p:nvPicPr>
         <p:blipFill>
-          <a:blip r:embed="rId2">
+          <a:blip r:embed="rId2" cstate="email">
             <a:extLst>
               <a:ext uri="{28A0092B-C50C-407E-A947-70E740481C1C}">
                 <a14:useLocalDpi xmlns:a14="http://schemas.microsoft.com/office/drawing/2010/main" val="0"/>
@@ -5493,7 +5489,7 @@
   <p:timing>
     <p:tnLst>
       <p:par>
-        <p:cTn xmlns:p14="http://schemas.microsoft.com/office/powerpoint/2010/main" id="1" dur="indefinite" restart="never" nodeType="tmRoot"/>
+        <p:cTn id="1" dur="indefinite" restart="never" nodeType="tmRoot"/>
       </p:par>
     </p:tnLst>
   </p:timing>
@@ -5526,7 +5522,7 @@
           <p:nvPr/>
         </p:nvPicPr>
         <p:blipFill>
-          <a:blip r:embed="rId2" cstate="print">
+          <a:blip r:embed="rId2" cstate="email">
             <a:extLst>
               <a:ext uri="{28A0092B-C50C-407E-A947-70E740481C1C}">
                 <a14:useLocalDpi xmlns:a14="http://schemas.microsoft.com/office/drawing/2010/main" val="0"/>
@@ -5614,7 +5610,7 @@
   <p:timing>
     <p:tnLst>
       <p:par>
-        <p:cTn xmlns:p14="http://schemas.microsoft.com/office/powerpoint/2010/main" id="1" dur="indefinite" restart="never" nodeType="tmRoot"/>
+        <p:cTn id="1" dur="indefinite" restart="never" nodeType="tmRoot"/>
       </p:par>
     </p:tnLst>
   </p:timing>
@@ -5678,7 +5674,7 @@
           <p:nvPr/>
         </p:nvPicPr>
         <p:blipFill>
-          <a:blip r:embed="rId2" cstate="print">
+          <a:blip r:embed="rId2" cstate="email">
             <a:extLst>
               <a:ext uri="{28A0092B-C50C-407E-A947-70E740481C1C}">
                 <a14:useLocalDpi xmlns:a14="http://schemas.microsoft.com/office/drawing/2010/main" val="0"/>
@@ -5735,7 +5731,7 @@
   <p:timing>
     <p:tnLst>
       <p:par>
-        <p:cTn xmlns:p14="http://schemas.microsoft.com/office/powerpoint/2010/main" id="1" dur="indefinite" restart="never" nodeType="tmRoot"/>
+        <p:cTn id="1" dur="indefinite" restart="never" nodeType="tmRoot"/>
       </p:par>
     </p:tnLst>
   </p:timing>
@@ -5931,7 +5927,7 @@
           <p:nvPr/>
         </p:nvPicPr>
         <p:blipFill>
-          <a:blip r:embed="rId2">
+          <a:blip r:embed="rId2" cstate="email">
             <a:extLst>
               <a:ext uri="{28A0092B-C50C-407E-A947-70E740481C1C}">
                 <a14:useLocalDpi xmlns:a14="http://schemas.microsoft.com/office/drawing/2010/main" val="0"/>
@@ -6042,7 +6038,7 @@
           <p:nvPr/>
         </p:nvPicPr>
         <p:blipFill>
-          <a:blip r:embed="rId2">
+          <a:blip r:embed="rId2" cstate="email">
             <a:extLst>
               <a:ext uri="{28A0092B-C50C-407E-A947-70E740481C1C}">
                 <a14:useLocalDpi xmlns:a14="http://schemas.microsoft.com/office/drawing/2010/main" val="0"/>
@@ -6215,7 +6211,7 @@
   <p:timing>
     <p:tnLst>
       <p:par>
-        <p:cTn xmlns:p14="http://schemas.microsoft.com/office/powerpoint/2010/main" id="1" dur="indefinite" restart="never" nodeType="tmRoot"/>
+        <p:cTn id="1" dur="indefinite" restart="never" nodeType="tmRoot"/>
       </p:par>
     </p:tnLst>
   </p:timing>

--- a/presentationSISOA.pptx
+++ b/presentationSISOA.pptx
@@ -5,10 +5,10 @@
     <p:sldMasterId id="2147483677" r:id="rId1"/>
   </p:sldMasterIdLst>
   <p:notesMasterIdLst>
-    <p:notesMasterId r:id="rId18"/>
+    <p:notesMasterId r:id="rId20"/>
   </p:notesMasterIdLst>
   <p:handoutMasterIdLst>
-    <p:handoutMasterId r:id="rId19"/>
+    <p:handoutMasterId r:id="rId21"/>
   </p:handoutMasterIdLst>
   <p:sldIdLst>
     <p:sldId id="256" r:id="rId2"/>
@@ -26,7 +26,9 @@
     <p:sldId id="269" r:id="rId14"/>
     <p:sldId id="270" r:id="rId15"/>
     <p:sldId id="271" r:id="rId16"/>
-    <p:sldId id="272" r:id="rId17"/>
+    <p:sldId id="273" r:id="rId17"/>
+    <p:sldId id="274" r:id="rId18"/>
+    <p:sldId id="272" r:id="rId19"/>
   </p:sldIdLst>
   <p:sldSz cx="9144000" cy="6858000" type="screen4x3"/>
   <p:notesSz cx="6858000" cy="9144000"/>
@@ -5106,7 +5108,7 @@
       </p:grpSpPr>
       <p:sp>
         <p:nvSpPr>
-          <p:cNvPr id="2" name="Title 1"/>
+          <p:cNvPr id="2" name="Titre 1"/>
           <p:cNvSpPr>
             <a:spLocks noGrp="1"/>
           </p:cNvSpPr>
@@ -5121,94 +5123,43 @@
           <a:p>
             <a:r>
               <a:rPr lang="fr-FR" dirty="0" smtClean="0"/>
-              <a:t>Bilan du projet</a:t>
+              <a:t>Implantation des composants du noyau applicatif</a:t>
             </a:r>
             <a:endParaRPr lang="fr-FR" dirty="0"/>
           </a:p>
         </p:txBody>
       </p:sp>
-      <p:sp>
-        <p:nvSpPr>
-          <p:cNvPr id="3" name="Content Placeholder 2"/>
-          <p:cNvSpPr>
-            <a:spLocks noGrp="1"/>
-          </p:cNvSpPr>
+      <p:pic>
+        <p:nvPicPr>
+          <p:cNvPr id="5" name="Espace réservé du contenu 4"/>
+          <p:cNvPicPr>
+            <a:picLocks noGrp="1" noChangeAspect="1"/>
+          </p:cNvPicPr>
           <p:nvPr>
             <p:ph idx="1"/>
           </p:nvPr>
-        </p:nvSpPr>
-        <p:spPr/>
-        <p:txBody>
-          <a:bodyPr/>
-          <a:lstStyle/>
-          <a:p>
-            <a:r>
-              <a:rPr lang="fr-FR" dirty="0" smtClean="0"/>
-              <a:t>Synchronisation des travaux</a:t>
-            </a:r>
-          </a:p>
-          <a:p>
-            <a:pPr lvl="1"/>
-            <a:r>
-              <a:rPr lang="fr-FR" dirty="0" err="1" smtClean="0"/>
-              <a:t>Redmine</a:t>
-            </a:r>
-            <a:endParaRPr lang="fr-FR" dirty="0" smtClean="0"/>
-          </a:p>
-          <a:p>
-            <a:r>
-              <a:rPr lang="fr-FR" dirty="0" smtClean="0"/>
-              <a:t>Collaboration par les outils</a:t>
-            </a:r>
-          </a:p>
-          <a:p>
-            <a:pPr lvl="1"/>
-            <a:r>
-              <a:rPr lang="fr-FR" dirty="0" err="1" smtClean="0"/>
-              <a:t>Github</a:t>
-            </a:r>
-            <a:endParaRPr lang="fr-FR" dirty="0" smtClean="0"/>
-          </a:p>
-          <a:p>
-            <a:pPr lvl="1"/>
-            <a:r>
-              <a:rPr lang="fr-FR" dirty="0" err="1" smtClean="0"/>
-              <a:t>Dropbox</a:t>
-            </a:r>
-            <a:endParaRPr lang="fr-FR" dirty="0" smtClean="0"/>
-          </a:p>
-          <a:p>
-            <a:pPr lvl="1"/>
-            <a:r>
-              <a:rPr lang="en-US" dirty="0" err="1" smtClean="0"/>
-              <a:t>Etherpad</a:t>
-            </a:r>
-            <a:endParaRPr lang="en-US" dirty="0" smtClean="0"/>
-          </a:p>
-          <a:p>
-            <a:pPr lvl="1"/>
-            <a:r>
-              <a:rPr lang="en-US" dirty="0" smtClean="0"/>
-              <a:t>…</a:t>
-            </a:r>
-            <a:endParaRPr lang="fr-FR" dirty="0"/>
-          </a:p>
-          <a:p>
-            <a:r>
-              <a:rPr lang="fr-FR" dirty="0" smtClean="0"/>
-              <a:t>Moteur principal </a:t>
-            </a:r>
-            <a:r>
-              <a:rPr lang="fr-FR" smtClean="0"/>
-              <a:t>: la Communication</a:t>
-            </a:r>
-            <a:endParaRPr lang="fr-FR" dirty="0"/>
-          </a:p>
-        </p:txBody>
-      </p:sp>
-      <p:sp>
-        <p:nvSpPr>
-          <p:cNvPr id="4" name="Slide Number Placeholder 3"/>
+        </p:nvPicPr>
+        <p:blipFill rotWithShape="1">
+          <a:blip r:embed="rId2">
+            <a:extLst>
+              <a:ext uri="{28A0092B-C50C-407E-A947-70E740481C1C}">
+                <a14:useLocalDpi xmlns:a14="http://schemas.microsoft.com/office/drawing/2010/main" val="0"/>
+              </a:ext>
+            </a:extLst>
+          </a:blip>
+          <a:srcRect r="9720"/>
+          <a:stretch/>
+        </p:blipFill>
+        <p:spPr>
+          <a:xfrm>
+            <a:off x="1431989" y="2335794"/>
+            <a:ext cx="6532109" cy="2650251"/>
+          </a:xfrm>
+        </p:spPr>
+      </p:pic>
+      <p:sp>
+        <p:nvSpPr>
+          <p:cNvPr id="4" name="Espace réservé du numéro de diapositive 3"/>
           <p:cNvSpPr>
             <a:spLocks noGrp="1"/>
           </p:cNvSpPr>
@@ -5224,6 +5175,256 @@
             <a:fld id="{886BB73A-582F-4420-9A14-CB10A2B2E5E8}" type="slidenum">
               <a:rPr lang="en-US" smtClean="0"/>
               <a:t>16</a:t>
+            </a:fld>
+            <a:endParaRPr lang="en-US"/>
+          </a:p>
+        </p:txBody>
+      </p:sp>
+    </p:spTree>
+    <p:extLst>
+      <p:ext uri="{BB962C8B-B14F-4D97-AF65-F5344CB8AC3E}">
+        <p14:creationId xmlns:p14="http://schemas.microsoft.com/office/powerpoint/2010/main" val="3671592471"/>
+      </p:ext>
+    </p:extLst>
+  </p:cSld>
+  <p:clrMapOvr>
+    <a:masterClrMapping/>
+  </p:clrMapOvr>
+</p:sld>
+</file>
+
+<file path=ppt/slides/slide17.xml><?xml version="1.0" encoding="utf-8"?>
+<p:sld xmlns:a="http://schemas.openxmlformats.org/drawingml/2006/main" xmlns:r="http://schemas.openxmlformats.org/officeDocument/2006/relationships" xmlns:p="http://schemas.openxmlformats.org/presentationml/2006/main">
+  <p:cSld>
+    <p:spTree>
+      <p:nvGrpSpPr>
+        <p:cNvPr id="1" name=""/>
+        <p:cNvGrpSpPr/>
+        <p:nvPr/>
+      </p:nvGrpSpPr>
+      <p:grpSpPr>
+        <a:xfrm>
+          <a:off x="0" y="0"/>
+          <a:ext cx="0" cy="0"/>
+          <a:chOff x="0" y="0"/>
+          <a:chExt cx="0" cy="0"/>
+        </a:xfrm>
+      </p:grpSpPr>
+      <p:sp>
+        <p:nvSpPr>
+          <p:cNvPr id="2" name="Titre 1"/>
+          <p:cNvSpPr>
+            <a:spLocks noGrp="1"/>
+          </p:cNvSpPr>
+          <p:nvPr>
+            <p:ph type="title"/>
+          </p:nvPr>
+        </p:nvSpPr>
+        <p:spPr/>
+        <p:txBody>
+          <a:bodyPr/>
+          <a:lstStyle/>
+          <a:p>
+            <a:r>
+              <a:rPr lang="fr-FR" dirty="0" smtClean="0"/>
+              <a:t>Architecture technique</a:t>
+            </a:r>
+            <a:endParaRPr lang="fr-FR" dirty="0"/>
+          </a:p>
+        </p:txBody>
+      </p:sp>
+      <p:sp>
+        <p:nvSpPr>
+          <p:cNvPr id="4" name="Espace réservé du numéro de diapositive 3"/>
+          <p:cNvSpPr>
+            <a:spLocks noGrp="1"/>
+          </p:cNvSpPr>
+          <p:nvPr>
+            <p:ph type="sldNum" sz="quarter" idx="12"/>
+          </p:nvPr>
+        </p:nvSpPr>
+        <p:spPr/>
+        <p:txBody>
+          <a:bodyPr/>
+          <a:lstStyle/>
+          <a:p>
+            <a:fld id="{886BB73A-582F-4420-9A14-CB10A2B2E5E8}" type="slidenum">
+              <a:rPr lang="en-US" smtClean="0"/>
+              <a:t>17</a:t>
+            </a:fld>
+            <a:endParaRPr lang="en-US"/>
+          </a:p>
+        </p:txBody>
+      </p:sp>
+      <p:sp>
+        <p:nvSpPr>
+          <p:cNvPr id="3" name="Espace réservé du contenu 2"/>
+          <p:cNvSpPr>
+            <a:spLocks noGrp="1"/>
+          </p:cNvSpPr>
+          <p:nvPr>
+            <p:ph idx="1"/>
+          </p:nvPr>
+        </p:nvSpPr>
+        <p:spPr/>
+        <p:txBody>
+          <a:bodyPr/>
+          <a:lstStyle/>
+          <a:p>
+            <a:endParaRPr lang="fr-FR"/>
+          </a:p>
+        </p:txBody>
+      </p:sp>
+    </p:spTree>
+    <p:extLst>
+      <p:ext uri="{BB962C8B-B14F-4D97-AF65-F5344CB8AC3E}">
+        <p14:creationId xmlns:p14="http://schemas.microsoft.com/office/powerpoint/2010/main" val="777418380"/>
+      </p:ext>
+    </p:extLst>
+  </p:cSld>
+  <p:clrMapOvr>
+    <a:masterClrMapping/>
+  </p:clrMapOvr>
+</p:sld>
+</file>
+
+<file path=ppt/slides/slide18.xml><?xml version="1.0" encoding="utf-8"?>
+<p:sld xmlns:a="http://schemas.openxmlformats.org/drawingml/2006/main" xmlns:r="http://schemas.openxmlformats.org/officeDocument/2006/relationships" xmlns:p="http://schemas.openxmlformats.org/presentationml/2006/main">
+  <p:cSld>
+    <p:spTree>
+      <p:nvGrpSpPr>
+        <p:cNvPr id="1" name=""/>
+        <p:cNvGrpSpPr/>
+        <p:nvPr/>
+      </p:nvGrpSpPr>
+      <p:grpSpPr>
+        <a:xfrm>
+          <a:off x="0" y="0"/>
+          <a:ext cx="0" cy="0"/>
+          <a:chOff x="0" y="0"/>
+          <a:chExt cx="0" cy="0"/>
+        </a:xfrm>
+      </p:grpSpPr>
+      <p:sp>
+        <p:nvSpPr>
+          <p:cNvPr id="2" name="Title 1"/>
+          <p:cNvSpPr>
+            <a:spLocks noGrp="1"/>
+          </p:cNvSpPr>
+          <p:nvPr>
+            <p:ph type="title"/>
+          </p:nvPr>
+        </p:nvSpPr>
+        <p:spPr/>
+        <p:txBody>
+          <a:bodyPr/>
+          <a:lstStyle/>
+          <a:p>
+            <a:r>
+              <a:rPr lang="fr-FR" dirty="0" smtClean="0"/>
+              <a:t>Bilan du projet</a:t>
+            </a:r>
+            <a:endParaRPr lang="fr-FR" dirty="0"/>
+          </a:p>
+        </p:txBody>
+      </p:sp>
+      <p:sp>
+        <p:nvSpPr>
+          <p:cNvPr id="3" name="Content Placeholder 2"/>
+          <p:cNvSpPr>
+            <a:spLocks noGrp="1"/>
+          </p:cNvSpPr>
+          <p:nvPr>
+            <p:ph idx="1"/>
+          </p:nvPr>
+        </p:nvSpPr>
+        <p:spPr/>
+        <p:txBody>
+          <a:bodyPr/>
+          <a:lstStyle/>
+          <a:p>
+            <a:r>
+              <a:rPr lang="fr-FR" dirty="0" smtClean="0"/>
+              <a:t>Synchronisation des travaux</a:t>
+            </a:r>
+          </a:p>
+          <a:p>
+            <a:pPr lvl="1"/>
+            <a:r>
+              <a:rPr lang="fr-FR" dirty="0" err="1" smtClean="0"/>
+              <a:t>Redmine</a:t>
+            </a:r>
+            <a:endParaRPr lang="fr-FR" dirty="0" smtClean="0"/>
+          </a:p>
+          <a:p>
+            <a:r>
+              <a:rPr lang="fr-FR" dirty="0" smtClean="0"/>
+              <a:t>Collaboration par les outils</a:t>
+            </a:r>
+          </a:p>
+          <a:p>
+            <a:pPr lvl="1"/>
+            <a:r>
+              <a:rPr lang="fr-FR" dirty="0" err="1" smtClean="0"/>
+              <a:t>Github</a:t>
+            </a:r>
+            <a:endParaRPr lang="fr-FR" dirty="0" smtClean="0"/>
+          </a:p>
+          <a:p>
+            <a:pPr lvl="1"/>
+            <a:r>
+              <a:rPr lang="fr-FR" dirty="0" err="1" smtClean="0"/>
+              <a:t>Dropbox</a:t>
+            </a:r>
+            <a:endParaRPr lang="fr-FR" dirty="0" smtClean="0"/>
+          </a:p>
+          <a:p>
+            <a:pPr lvl="1"/>
+            <a:r>
+              <a:rPr lang="en-US" dirty="0" err="1" smtClean="0"/>
+              <a:t>Etherpad</a:t>
+            </a:r>
+            <a:endParaRPr lang="en-US" dirty="0" smtClean="0"/>
+          </a:p>
+          <a:p>
+            <a:pPr lvl="1"/>
+            <a:r>
+              <a:rPr lang="en-US" dirty="0" smtClean="0"/>
+              <a:t>…</a:t>
+            </a:r>
+            <a:endParaRPr lang="fr-FR" dirty="0"/>
+          </a:p>
+          <a:p>
+            <a:r>
+              <a:rPr lang="fr-FR" dirty="0" smtClean="0"/>
+              <a:t>Moteur principal </a:t>
+            </a:r>
+            <a:r>
+              <a:rPr lang="fr-FR" smtClean="0"/>
+              <a:t>: la Communication</a:t>
+            </a:r>
+            <a:endParaRPr lang="fr-FR" dirty="0"/>
+          </a:p>
+        </p:txBody>
+      </p:sp>
+      <p:sp>
+        <p:nvSpPr>
+          <p:cNvPr id="4" name="Slide Number Placeholder 3"/>
+          <p:cNvSpPr>
+            <a:spLocks noGrp="1"/>
+          </p:cNvSpPr>
+          <p:nvPr>
+            <p:ph type="sldNum" sz="quarter" idx="12"/>
+          </p:nvPr>
+        </p:nvSpPr>
+        <p:spPr/>
+        <p:txBody>
+          <a:bodyPr/>
+          <a:lstStyle/>
+          <a:p>
+            <a:fld id="{886BB73A-582F-4420-9A14-CB10A2B2E5E8}" type="slidenum">
+              <a:rPr lang="en-US" smtClean="0"/>
+              <a:t>18</a:t>
             </a:fld>
             <a:endParaRPr lang="en-US"/>
           </a:p>

--- a/presentationSISOA.pptx
+++ b/presentationSISOA.pptx
@@ -26,8 +26,8 @@
     <p:sldId id="269" r:id="rId14"/>
     <p:sldId id="270" r:id="rId15"/>
     <p:sldId id="271" r:id="rId16"/>
-    <p:sldId id="273" r:id="rId17"/>
-    <p:sldId id="274" r:id="rId18"/>
+    <p:sldId id="274" r:id="rId17"/>
+    <p:sldId id="273" r:id="rId18"/>
     <p:sldId id="272" r:id="rId19"/>
   </p:sldIdLst>
   <p:sldSz cx="9144000" cy="6858000" type="screen4x3"/>
@@ -5123,15 +5123,38 @@
           <a:p>
             <a:r>
               <a:rPr lang="fr-FR" dirty="0" smtClean="0"/>
-              <a:t>Implantation des composants du noyau applicatif</a:t>
+              <a:t>Architecture technique</a:t>
             </a:r>
             <a:endParaRPr lang="fr-FR" dirty="0"/>
+          </a:p>
+        </p:txBody>
+      </p:sp>
+      <p:sp>
+        <p:nvSpPr>
+          <p:cNvPr id="4" name="Espace réservé du numéro de diapositive 3"/>
+          <p:cNvSpPr>
+            <a:spLocks noGrp="1"/>
+          </p:cNvSpPr>
+          <p:nvPr>
+            <p:ph type="sldNum" sz="quarter" idx="12"/>
+          </p:nvPr>
+        </p:nvSpPr>
+        <p:spPr/>
+        <p:txBody>
+          <a:bodyPr/>
+          <a:lstStyle/>
+          <a:p>
+            <a:fld id="{886BB73A-582F-4420-9A14-CB10A2B2E5E8}" type="slidenum">
+              <a:rPr lang="en-US" smtClean="0"/>
+              <a:t>16</a:t>
+            </a:fld>
+            <a:endParaRPr lang="en-US"/>
           </a:p>
         </p:txBody>
       </p:sp>
       <p:pic>
         <p:nvPicPr>
-          <p:cNvPr id="5" name="Espace réservé du contenu 4"/>
+          <p:cNvPr id="8" name="Espace réservé du contenu 7"/>
           <p:cNvPicPr>
             <a:picLocks noGrp="1" noChangeAspect="1"/>
           </p:cNvPicPr>
@@ -5139,51 +5162,29 @@
             <p:ph idx="1"/>
           </p:nvPr>
         </p:nvPicPr>
-        <p:blipFill rotWithShape="1">
-          <a:blip r:embed="rId2">
+        <p:blipFill>
+          <a:blip r:embed="rId2" cstate="email">
             <a:extLst>
               <a:ext uri="{28A0092B-C50C-407E-A947-70E740481C1C}">
                 <a14:useLocalDpi xmlns:a14="http://schemas.microsoft.com/office/drawing/2010/main" val="0"/>
               </a:ext>
             </a:extLst>
           </a:blip>
-          <a:srcRect r="9720"/>
-          <a:stretch/>
+          <a:stretch>
+            <a:fillRect/>
+          </a:stretch>
         </p:blipFill>
         <p:spPr>
           <a:xfrm>
-            <a:off x="1431989" y="2335794"/>
-            <a:ext cx="6532109" cy="2650251"/>
+            <a:off x="1650650" y="1600200"/>
+            <a:ext cx="5839524" cy="4343400"/>
           </a:xfrm>
         </p:spPr>
       </p:pic>
-      <p:sp>
-        <p:nvSpPr>
-          <p:cNvPr id="4" name="Espace réservé du numéro de diapositive 3"/>
-          <p:cNvSpPr>
-            <a:spLocks noGrp="1"/>
-          </p:cNvSpPr>
-          <p:nvPr>
-            <p:ph type="sldNum" sz="quarter" idx="12"/>
-          </p:nvPr>
-        </p:nvSpPr>
-        <p:spPr/>
-        <p:txBody>
-          <a:bodyPr/>
-          <a:lstStyle/>
-          <a:p>
-            <a:fld id="{886BB73A-582F-4420-9A14-CB10A2B2E5E8}" type="slidenum">
-              <a:rPr lang="en-US" smtClean="0"/>
-              <a:t>16</a:t>
-            </a:fld>
-            <a:endParaRPr lang="en-US"/>
-          </a:p>
-        </p:txBody>
-      </p:sp>
     </p:spTree>
     <p:extLst>
       <p:ext uri="{BB962C8B-B14F-4D97-AF65-F5344CB8AC3E}">
-        <p14:creationId xmlns:p14="http://schemas.microsoft.com/office/powerpoint/2010/main" val="3671592471"/>
+        <p14:creationId xmlns:p14="http://schemas.microsoft.com/office/powerpoint/2010/main" val="777418380"/>
       </p:ext>
     </p:extLst>
   </p:cSld>
@@ -5227,12 +5228,40 @@
           <a:p>
             <a:r>
               <a:rPr lang="fr-FR" dirty="0" smtClean="0"/>
-              <a:t>Architecture technique</a:t>
+              <a:t>Implantation des composants du noyau applicatif</a:t>
             </a:r>
             <a:endParaRPr lang="fr-FR" dirty="0"/>
           </a:p>
         </p:txBody>
       </p:sp>
+      <p:pic>
+        <p:nvPicPr>
+          <p:cNvPr id="5" name="Espace réservé du contenu 4"/>
+          <p:cNvPicPr>
+            <a:picLocks noGrp="1" noChangeAspect="1"/>
+          </p:cNvPicPr>
+          <p:nvPr>
+            <p:ph idx="1"/>
+          </p:nvPr>
+        </p:nvPicPr>
+        <p:blipFill rotWithShape="1">
+          <a:blip r:embed="rId2">
+            <a:extLst>
+              <a:ext uri="{28A0092B-C50C-407E-A947-70E740481C1C}">
+                <a14:useLocalDpi xmlns:a14="http://schemas.microsoft.com/office/drawing/2010/main" val="0"/>
+              </a:ext>
+            </a:extLst>
+          </a:blip>
+          <a:srcRect r="9720"/>
+          <a:stretch/>
+        </p:blipFill>
+        <p:spPr>
+          <a:xfrm>
+            <a:off x="1431989" y="2335794"/>
+            <a:ext cx="6532109" cy="2650251"/>
+          </a:xfrm>
+        </p:spPr>
+      </p:pic>
       <p:sp>
         <p:nvSpPr>
           <p:cNvPr id="4" name="Espace réservé du numéro de diapositive 3"/>
@@ -5256,29 +5285,10 @@
           </a:p>
         </p:txBody>
       </p:sp>
-      <p:sp>
-        <p:nvSpPr>
-          <p:cNvPr id="3" name="Espace réservé du contenu 2"/>
-          <p:cNvSpPr>
-            <a:spLocks noGrp="1"/>
-          </p:cNvSpPr>
-          <p:nvPr>
-            <p:ph idx="1"/>
-          </p:nvPr>
-        </p:nvSpPr>
-        <p:spPr/>
-        <p:txBody>
-          <a:bodyPr/>
-          <a:lstStyle/>
-          <a:p>
-            <a:endParaRPr lang="fr-FR"/>
-          </a:p>
-        </p:txBody>
-      </p:sp>
     </p:spTree>
     <p:extLst>
       <p:ext uri="{BB962C8B-B14F-4D97-AF65-F5344CB8AC3E}">
-        <p14:creationId xmlns:p14="http://schemas.microsoft.com/office/powerpoint/2010/main" val="777418380"/>
+        <p14:creationId xmlns:p14="http://schemas.microsoft.com/office/powerpoint/2010/main" val="3671592471"/>
       </p:ext>
     </p:extLst>
   </p:cSld>

--- a/presentationSISOA.pptx
+++ b/presentationSISOA.pptx
@@ -212,7 +212,7 @@
           <a:p>
             <a:fld id="{D83E0C5E-CE1A-854B-B127-2EB19053E37A}" type="datetime1">
               <a:rPr lang="fr-FR" smtClean="0"/>
-              <a:t>22/03/2012</a:t>
+              <a:t>23/03/2012</a:t>
             </a:fld>
             <a:endParaRPr lang="fr-FR"/>
           </a:p>
@@ -378,7 +378,7 @@
           <a:p>
             <a:fld id="{4FED75F5-793A-154C-B00B-0E07E503FC33}" type="datetime1">
               <a:rPr lang="fr-FR" smtClean="0"/>
-              <a:t>22/03/2012</a:t>
+              <a:t>23/03/2012</a:t>
             </a:fld>
             <a:endParaRPr lang="fr-FR"/>
           </a:p>
@@ -1014,7 +1014,7 @@
           <a:p>
             <a:fld id="{62837156-AC2E-4645-BC86-B2F703CCE2CD}" type="datetime1">
               <a:rPr lang="fr-FR" smtClean="0"/>
-              <a:t>22/03/2012</a:t>
+              <a:t>23/03/2012</a:t>
             </a:fld>
             <a:endParaRPr lang="en-US"/>
           </a:p>
@@ -1206,7 +1206,7 @@
           <a:p>
             <a:fld id="{A5D28C3E-9E72-334C-AAFA-8EEC35EF4A54}" type="datetime1">
               <a:rPr lang="fr-FR" smtClean="0"/>
-              <a:t>22/03/2012</a:t>
+              <a:t>23/03/2012</a:t>
             </a:fld>
             <a:endParaRPr lang="en-US"/>
           </a:p>
@@ -1475,7 +1475,7 @@
           <a:p>
             <a:fld id="{B589B341-5EC4-C746-87BF-4823EBE8AB35}" type="datetime1">
               <a:rPr lang="fr-FR" smtClean="0"/>
-              <a:t>22/03/2012</a:t>
+              <a:t>23/03/2012</a:t>
             </a:fld>
             <a:endParaRPr lang="en-US"/>
           </a:p>
@@ -1654,7 +1654,7 @@
           <a:p>
             <a:fld id="{2FB35FDB-0AA1-784E-B467-E58FB747B781}" type="datetime1">
               <a:rPr lang="fr-FR" smtClean="0"/>
-              <a:t>22/03/2012</a:t>
+              <a:t>23/03/2012</a:t>
             </a:fld>
             <a:endParaRPr lang="en-US"/>
           </a:p>
@@ -1823,7 +1823,7 @@
           <a:p>
             <a:fld id="{65970BA4-A08A-4944-A817-8BD1CDCE6144}" type="datetime1">
               <a:rPr lang="fr-FR" smtClean="0"/>
-              <a:t>22/03/2012</a:t>
+              <a:t>23/03/2012</a:t>
             </a:fld>
             <a:endParaRPr lang="en-US"/>
           </a:p>
@@ -2065,7 +2065,7 @@
           <a:p>
             <a:fld id="{3429557D-741A-8E41-A0C1-AC23412D9F73}" type="datetime1">
               <a:rPr lang="fr-FR" smtClean="0"/>
-              <a:t>22/03/2012</a:t>
+              <a:t>23/03/2012</a:t>
             </a:fld>
             <a:endParaRPr lang="en-US"/>
           </a:p>
@@ -2388,7 +2388,7 @@
           <a:p>
             <a:fld id="{386E7856-1874-8742-AB1A-F875DC755AF3}" type="datetime1">
               <a:rPr lang="fr-FR" smtClean="0"/>
-              <a:t>22/03/2012</a:t>
+              <a:t>23/03/2012</a:t>
             </a:fld>
             <a:endParaRPr lang="en-US"/>
           </a:p>
@@ -2686,7 +2686,7 @@
           <a:p>
             <a:fld id="{926F2CCA-946B-4F4A-81F2-2F5F017F2163}" type="datetime1">
               <a:rPr lang="fr-FR" smtClean="0"/>
-              <a:t>22/03/2012</a:t>
+              <a:t>23/03/2012</a:t>
             </a:fld>
             <a:endParaRPr lang="en-US"/>
           </a:p>
@@ -3142,7 +3142,7 @@
           <a:p>
             <a:fld id="{E0407183-CE6D-664E-8885-9DE2281C7D00}" type="datetime1">
               <a:rPr lang="fr-FR" smtClean="0"/>
-              <a:t>22/03/2012</a:t>
+              <a:t>23/03/2012</a:t>
             </a:fld>
             <a:endParaRPr lang="en-US"/>
           </a:p>
@@ -3255,7 +3255,7 @@
           <a:p>
             <a:fld id="{8C4311F8-2E88-9C44-B35C-39A6D78E9095}" type="datetime1">
               <a:rPr lang="fr-FR" smtClean="0"/>
-              <a:t>22/03/2012</a:t>
+              <a:t>23/03/2012</a:t>
             </a:fld>
             <a:endParaRPr lang="en-US"/>
           </a:p>
@@ -3345,7 +3345,7 @@
           <a:p>
             <a:fld id="{8F07602B-ADD0-A049-BA12-8A14F916F04D}" type="datetime1">
               <a:rPr lang="fr-FR" smtClean="0"/>
-              <a:t>22/03/2012</a:t>
+              <a:t>23/03/2012</a:t>
             </a:fld>
             <a:endParaRPr lang="en-US"/>
           </a:p>
@@ -3627,7 +3627,7 @@
           <a:p>
             <a:fld id="{5C79CA3F-5F58-D34D-8D4F-E39C02189453}" type="datetime1">
               <a:rPr lang="fr-FR" smtClean="0"/>
-              <a:t>22/03/2012</a:t>
+              <a:t>23/03/2012</a:t>
             </a:fld>
             <a:endParaRPr lang="en-US"/>
           </a:p>
@@ -3833,7 +3833,7 @@
           <a:p>
             <a:fld id="{9910C8AB-582C-C844-906A-6C49A16C9735}" type="datetime1">
               <a:rPr lang="fr-FR" smtClean="0"/>
-              <a:t>22/03/2012</a:t>
+              <a:t>23/03/2012</a:t>
             </a:fld>
             <a:endParaRPr lang="en-US"/>
           </a:p>
@@ -4743,14 +4743,14 @@
       </p:sp>
       <p:pic>
         <p:nvPicPr>
-          <p:cNvPr id="5" name="Picture 4" descr="diagramme-collaboration.png"/>
+          <p:cNvPr id="3" name="Image 2"/>
           <p:cNvPicPr>
             <a:picLocks noChangeAspect="1"/>
           </p:cNvPicPr>
           <p:nvPr/>
         </p:nvPicPr>
         <p:blipFill>
-          <a:blip r:embed="rId2">
+          <a:blip r:embed="rId2" cstate="email">
             <a:extLst>
               <a:ext uri="{28A0092B-C50C-407E-A947-70E740481C1C}">
                 <a14:useLocalDpi xmlns:a14="http://schemas.microsoft.com/office/drawing/2010/main" val="0"/>
@@ -4763,8 +4763,8 @@
         </p:blipFill>
         <p:spPr>
           <a:xfrm>
-            <a:off x="0" y="794957"/>
-            <a:ext cx="9144000" cy="5873448"/>
+            <a:off x="427916" y="913621"/>
+            <a:ext cx="8460590" cy="5434474"/>
           </a:xfrm>
           <a:prstGeom prst="rect">
             <a:avLst/>

--- a/presentationSISOA.pptx
+++ b/presentationSISOA.pptx
@@ -5,10 +5,10 @@
     <p:sldMasterId id="2147483677" r:id="rId1"/>
   </p:sldMasterIdLst>
   <p:notesMasterIdLst>
-    <p:notesMasterId r:id="rId20"/>
+    <p:notesMasterId r:id="rId21"/>
   </p:notesMasterIdLst>
   <p:handoutMasterIdLst>
-    <p:handoutMasterId r:id="rId21"/>
+    <p:handoutMasterId r:id="rId22"/>
   </p:handoutMasterIdLst>
   <p:sldIdLst>
     <p:sldId id="256" r:id="rId2"/>
@@ -22,13 +22,14 @@
     <p:sldId id="264" r:id="rId10"/>
     <p:sldId id="265" r:id="rId11"/>
     <p:sldId id="266" r:id="rId12"/>
-    <p:sldId id="268" r:id="rId13"/>
-    <p:sldId id="269" r:id="rId14"/>
-    <p:sldId id="270" r:id="rId15"/>
-    <p:sldId id="271" r:id="rId16"/>
-    <p:sldId id="274" r:id="rId17"/>
-    <p:sldId id="273" r:id="rId18"/>
-    <p:sldId id="272" r:id="rId19"/>
+    <p:sldId id="276" r:id="rId13"/>
+    <p:sldId id="275" r:id="rId14"/>
+    <p:sldId id="268" r:id="rId15"/>
+    <p:sldId id="269" r:id="rId16"/>
+    <p:sldId id="270" r:id="rId17"/>
+    <p:sldId id="274" r:id="rId18"/>
+    <p:sldId id="273" r:id="rId19"/>
+    <p:sldId id="272" r:id="rId20"/>
   </p:sldIdLst>
   <p:sldSz cx="9144000" cy="6858000" type="screen4x3"/>
   <p:notesSz cx="6858000" cy="9144000"/>
@@ -4348,7 +4349,7 @@
         <p:spPr>
           <a:xfrm>
             <a:off x="0" y="5080511"/>
-            <a:ext cx="9144000" cy="369332"/>
+            <a:ext cx="9144000" cy="646331"/>
           </a:xfrm>
           <a:prstGeom prst="rect">
             <a:avLst/>
@@ -4382,13 +4383,28 @@
               <a:rPr lang="fr-FR" dirty="0" smtClean="0"/>
               <a:t>/</a:t>
             </a:r>
+          </a:p>
+          <a:p>
+            <a:pPr algn="ctr"/>
             <a:r>
               <a:rPr lang="fr-FR" dirty="0" err="1" smtClean="0"/>
-              <a:t>Thadee</a:t>
+              <a:t>Thaddee</a:t>
             </a:r>
             <a:r>
               <a:rPr lang="fr-FR" dirty="0" smtClean="0"/>
-              <a:t> Tyl</a:t>
+              <a:t> Tyl/</a:t>
+            </a:r>
+            <a:r>
+              <a:rPr lang="fr-FR" dirty="0" err="1" smtClean="0"/>
+              <a:t>Tuuli</a:t>
+            </a:r>
+            <a:r>
+              <a:rPr lang="fr-FR" dirty="0" smtClean="0"/>
+              <a:t> </a:t>
+            </a:r>
+            <a:r>
+              <a:rPr lang="fr-FR" dirty="0" err="1" smtClean="0"/>
+              <a:t>Tyrväinen</a:t>
             </a:r>
             <a:endParaRPr lang="fr-FR" dirty="0"/>
           </a:p>
@@ -4692,6 +4708,311 @@
       </p:grpSpPr>
       <p:sp>
         <p:nvSpPr>
+          <p:cNvPr id="2" name="Titre 1"/>
+          <p:cNvSpPr>
+            <a:spLocks noGrp="1"/>
+          </p:cNvSpPr>
+          <p:nvPr>
+            <p:ph type="title"/>
+          </p:nvPr>
+        </p:nvSpPr>
+        <p:spPr/>
+        <p:txBody>
+          <a:bodyPr/>
+          <a:lstStyle/>
+          <a:p>
+            <a:r>
+              <a:rPr lang="fr-FR" dirty="0" smtClean="0"/>
+              <a:t>SOM</a:t>
+            </a:r>
+            <a:endParaRPr lang="fr-FR" dirty="0"/>
+          </a:p>
+        </p:txBody>
+      </p:sp>
+      <p:sp>
+        <p:nvSpPr>
+          <p:cNvPr id="3" name="Espace réservé du contenu 2"/>
+          <p:cNvSpPr>
+            <a:spLocks noGrp="1"/>
+          </p:cNvSpPr>
+          <p:nvPr>
+            <p:ph idx="1"/>
+          </p:nvPr>
+        </p:nvSpPr>
+        <p:spPr/>
+        <p:txBody>
+          <a:bodyPr/>
+          <a:lstStyle/>
+          <a:p>
+            <a:r>
+              <a:rPr lang="fr-FR" dirty="0" smtClean="0"/>
+              <a:t>OM Client: Consultation client</a:t>
+            </a:r>
+          </a:p>
+          <a:p>
+            <a:pPr lvl="1"/>
+            <a:r>
+              <a:rPr lang="fr-FR" dirty="0" smtClean="0"/>
+              <a:t>Entrée: </a:t>
+            </a:r>
+            <a:r>
+              <a:rPr lang="fr-FR" dirty="0" err="1" smtClean="0"/>
+              <a:t>idClient</a:t>
+            </a:r>
+            <a:endParaRPr lang="fr-FR" dirty="0" smtClean="0"/>
+          </a:p>
+          <a:p>
+            <a:pPr lvl="1"/>
+            <a:r>
+              <a:rPr lang="fr-FR" dirty="0" smtClean="0"/>
+              <a:t>Sortie: </a:t>
+            </a:r>
+            <a:r>
+              <a:rPr lang="fr-FR" dirty="0" err="1" smtClean="0"/>
+              <a:t>NomClient</a:t>
+            </a:r>
+            <a:r>
+              <a:rPr lang="fr-FR" dirty="0" smtClean="0"/>
+              <a:t>, Adresse, Comptes..</a:t>
+            </a:r>
+          </a:p>
+          <a:p>
+            <a:pPr lvl="1"/>
+            <a:r>
+              <a:rPr lang="fr-FR" dirty="0" smtClean="0"/>
+              <a:t>Entités/Classes: </a:t>
+            </a:r>
+            <a:r>
+              <a:rPr lang="fr-FR" dirty="0" err="1" smtClean="0"/>
+              <a:t>Client,Personne</a:t>
+            </a:r>
+            <a:r>
+              <a:rPr lang="fr-FR" dirty="0" smtClean="0"/>
+              <a:t>, Compte</a:t>
+            </a:r>
+          </a:p>
+          <a:p>
+            <a:pPr lvl="1"/>
+            <a:r>
+              <a:rPr lang="fr-FR" dirty="0" smtClean="0"/>
+              <a:t>Permet de consulter l’ensemble des informations sur un client</a:t>
+            </a:r>
+          </a:p>
+        </p:txBody>
+      </p:sp>
+      <p:sp>
+        <p:nvSpPr>
+          <p:cNvPr id="4" name="Espace réservé du numéro de diapositive 3"/>
+          <p:cNvSpPr>
+            <a:spLocks noGrp="1"/>
+          </p:cNvSpPr>
+          <p:nvPr>
+            <p:ph type="sldNum" sz="quarter" idx="12"/>
+          </p:nvPr>
+        </p:nvSpPr>
+        <p:spPr/>
+        <p:txBody>
+          <a:bodyPr/>
+          <a:lstStyle/>
+          <a:p>
+            <a:fld id="{886BB73A-582F-4420-9A14-CB10A2B2E5E8}" type="slidenum">
+              <a:rPr lang="en-US" smtClean="0"/>
+              <a:t>12</a:t>
+            </a:fld>
+            <a:endParaRPr lang="en-US"/>
+          </a:p>
+        </p:txBody>
+      </p:sp>
+    </p:spTree>
+    <p:extLst>
+      <p:ext uri="{BB962C8B-B14F-4D97-AF65-F5344CB8AC3E}">
+        <p14:creationId xmlns:p14="http://schemas.microsoft.com/office/powerpoint/2010/main" val="2623079509"/>
+      </p:ext>
+    </p:extLst>
+  </p:cSld>
+  <p:clrMapOvr>
+    <a:masterClrMapping/>
+  </p:clrMapOvr>
+</p:sld>
+</file>
+
+<file path=ppt/slides/slide13.xml><?xml version="1.0" encoding="utf-8"?>
+<p:sld xmlns:a="http://schemas.openxmlformats.org/drawingml/2006/main" xmlns:r="http://schemas.openxmlformats.org/officeDocument/2006/relationships" xmlns:p="http://schemas.openxmlformats.org/presentationml/2006/main">
+  <p:cSld>
+    <p:spTree>
+      <p:nvGrpSpPr>
+        <p:cNvPr id="1" name=""/>
+        <p:cNvGrpSpPr/>
+        <p:nvPr/>
+      </p:nvGrpSpPr>
+      <p:grpSpPr>
+        <a:xfrm>
+          <a:off x="0" y="0"/>
+          <a:ext cx="0" cy="0"/>
+          <a:chOff x="0" y="0"/>
+          <a:chExt cx="0" cy="0"/>
+        </a:xfrm>
+      </p:grpSpPr>
+      <p:sp>
+        <p:nvSpPr>
+          <p:cNvPr id="2" name="Titre 1"/>
+          <p:cNvSpPr>
+            <a:spLocks noGrp="1"/>
+          </p:cNvSpPr>
+          <p:nvPr>
+            <p:ph type="title"/>
+          </p:nvPr>
+        </p:nvSpPr>
+        <p:spPr/>
+        <p:txBody>
+          <a:bodyPr/>
+          <a:lstStyle/>
+          <a:p>
+            <a:r>
+              <a:rPr lang="fr-FR" dirty="0" smtClean="0"/>
+              <a:t>SM : </a:t>
+            </a:r>
+            <a:endParaRPr lang="fr-FR" dirty="0"/>
+          </a:p>
+        </p:txBody>
+      </p:sp>
+      <p:sp>
+        <p:nvSpPr>
+          <p:cNvPr id="3" name="Espace réservé du contenu 2"/>
+          <p:cNvSpPr>
+            <a:spLocks noGrp="1"/>
+          </p:cNvSpPr>
+          <p:nvPr>
+            <p:ph idx="1"/>
+          </p:nvPr>
+        </p:nvSpPr>
+        <p:spPr/>
+        <p:txBody>
+          <a:bodyPr/>
+          <a:lstStyle/>
+          <a:p>
+            <a:pPr marL="0" indent="0">
+              <a:buNone/>
+            </a:pPr>
+            <a:r>
+              <a:rPr lang="fr-FR" dirty="0" smtClean="0"/>
+              <a:t>Dans CU9</a:t>
+            </a:r>
+          </a:p>
+          <a:p>
+            <a:r>
+              <a:rPr lang="fr-FR" dirty="0" err="1" smtClean="0"/>
+              <a:t>consulterPreparation</a:t>
+            </a:r>
+            <a:endParaRPr lang="fr-FR" dirty="0" smtClean="0"/>
+          </a:p>
+          <a:p>
+            <a:pPr lvl="1"/>
+            <a:r>
+              <a:rPr lang="fr-FR" dirty="0" smtClean="0"/>
+              <a:t>SOM : consultation Contact – consultation produit</a:t>
+            </a:r>
+            <a:endParaRPr lang="fr-FR" dirty="0"/>
+          </a:p>
+          <a:p>
+            <a:pPr lvl="1"/>
+            <a:r>
+              <a:rPr lang="fr-FR" dirty="0" smtClean="0"/>
+              <a:t>Entrée: </a:t>
+            </a:r>
+            <a:r>
+              <a:rPr lang="fr-FR" dirty="0" err="1" smtClean="0"/>
+              <a:t>idContact</a:t>
+            </a:r>
+            <a:endParaRPr lang="fr-FR" dirty="0" smtClean="0"/>
+          </a:p>
+          <a:p>
+            <a:pPr lvl="1"/>
+            <a:r>
+              <a:rPr lang="fr-FR" dirty="0" err="1" smtClean="0"/>
+              <a:t>Sortie:idProposition</a:t>
+            </a:r>
+            <a:r>
+              <a:rPr lang="fr-FR" dirty="0" smtClean="0"/>
+              <a:t>, </a:t>
+            </a:r>
+            <a:r>
+              <a:rPr lang="fr-FR" dirty="0" err="1" smtClean="0"/>
+              <a:t>listeOffres</a:t>
+            </a:r>
+            <a:r>
+              <a:rPr lang="fr-FR" dirty="0" smtClean="0"/>
+              <a:t>, annotation</a:t>
+            </a:r>
+          </a:p>
+          <a:p>
+            <a:pPr lvl="1"/>
+            <a:r>
+              <a:rPr lang="fr-FR" dirty="0" smtClean="0"/>
+              <a:t>Permet de récupérer toutes les informations rentrées par l’agent qui a préparé l’entretien.</a:t>
+            </a:r>
+          </a:p>
+          <a:p>
+            <a:pPr lvl="1"/>
+            <a:endParaRPr lang="fr-FR" dirty="0" smtClean="0"/>
+          </a:p>
+        </p:txBody>
+      </p:sp>
+      <p:sp>
+        <p:nvSpPr>
+          <p:cNvPr id="4" name="Espace réservé du numéro de diapositive 3"/>
+          <p:cNvSpPr>
+            <a:spLocks noGrp="1"/>
+          </p:cNvSpPr>
+          <p:nvPr>
+            <p:ph type="sldNum" sz="quarter" idx="12"/>
+          </p:nvPr>
+        </p:nvSpPr>
+        <p:spPr/>
+        <p:txBody>
+          <a:bodyPr/>
+          <a:lstStyle/>
+          <a:p>
+            <a:fld id="{886BB73A-582F-4420-9A14-CB10A2B2E5E8}" type="slidenum">
+              <a:rPr lang="en-US" smtClean="0"/>
+              <a:t>13</a:t>
+            </a:fld>
+            <a:endParaRPr lang="en-US"/>
+          </a:p>
+        </p:txBody>
+      </p:sp>
+    </p:spTree>
+    <p:extLst>
+      <p:ext uri="{BB962C8B-B14F-4D97-AF65-F5344CB8AC3E}">
+        <p14:creationId xmlns:p14="http://schemas.microsoft.com/office/powerpoint/2010/main" val="1291118328"/>
+      </p:ext>
+    </p:extLst>
+  </p:cSld>
+  <p:clrMapOvr>
+    <a:masterClrMapping/>
+  </p:clrMapOvr>
+</p:sld>
+</file>
+
+<file path=ppt/slides/slide14.xml><?xml version="1.0" encoding="utf-8"?>
+<p:sld xmlns:a="http://schemas.openxmlformats.org/drawingml/2006/main" xmlns:r="http://schemas.openxmlformats.org/officeDocument/2006/relationships" xmlns:p="http://schemas.openxmlformats.org/presentationml/2006/main">
+  <p:cSld>
+    <p:spTree>
+      <p:nvGrpSpPr>
+        <p:cNvPr id="1" name=""/>
+        <p:cNvGrpSpPr/>
+        <p:nvPr/>
+      </p:nvGrpSpPr>
+      <p:grpSpPr>
+        <a:xfrm>
+          <a:off x="0" y="0"/>
+          <a:ext cx="0" cy="0"/>
+          <a:chOff x="0" y="0"/>
+          <a:chExt cx="0" cy="0"/>
+        </a:xfrm>
+      </p:grpSpPr>
+      <p:sp>
+        <p:nvSpPr>
           <p:cNvPr id="2" name="Title 1"/>
           <p:cNvSpPr>
             <a:spLocks noGrp="1"/>
@@ -4735,7 +5056,7 @@
           <a:p>
             <a:fld id="{886BB73A-582F-4420-9A14-CB10A2B2E5E8}" type="slidenum">
               <a:rPr lang="en-US" smtClean="0"/>
-              <a:t>12</a:t>
+              <a:t>14</a:t>
             </a:fld>
             <a:endParaRPr lang="en-US"/>
           </a:p>
@@ -4784,7 +5105,7 @@
 </p:sld>
 </file>
 
-<file path=ppt/slides/slide13.xml><?xml version="1.0" encoding="utf-8"?>
+<file path=ppt/slides/slide15.xml><?xml version="1.0" encoding="utf-8"?>
 <p:sld xmlns:a="http://schemas.openxmlformats.org/drawingml/2006/main" xmlns:r="http://schemas.openxmlformats.org/officeDocument/2006/relationships" xmlns:p="http://schemas.openxmlformats.org/presentationml/2006/main">
   <p:cSld>
     <p:spTree>
@@ -4848,7 +5169,7 @@
           <a:p>
             <a:fld id="{886BB73A-582F-4420-9A14-CB10A2B2E5E8}" type="slidenum">
               <a:rPr lang="en-US" smtClean="0"/>
-              <a:t>13</a:t>
+              <a:t>15</a:t>
             </a:fld>
             <a:endParaRPr lang="en-US"/>
           </a:p>
@@ -4897,198 +5218,6 @@
 </p:sld>
 </file>
 
-<file path=ppt/slides/slide14.xml><?xml version="1.0" encoding="utf-8"?>
-<p:sld xmlns:a="http://schemas.openxmlformats.org/drawingml/2006/main" xmlns:r="http://schemas.openxmlformats.org/officeDocument/2006/relationships" xmlns:p="http://schemas.openxmlformats.org/presentationml/2006/main">
-  <p:cSld>
-    <p:spTree>
-      <p:nvGrpSpPr>
-        <p:cNvPr id="1" name=""/>
-        <p:cNvGrpSpPr/>
-        <p:nvPr/>
-      </p:nvGrpSpPr>
-      <p:grpSpPr>
-        <a:xfrm>
-          <a:off x="0" y="0"/>
-          <a:ext cx="0" cy="0"/>
-          <a:chOff x="0" y="0"/>
-          <a:chExt cx="0" cy="0"/>
-        </a:xfrm>
-      </p:grpSpPr>
-      <p:sp>
-        <p:nvSpPr>
-          <p:cNvPr id="2" name="Title 1"/>
-          <p:cNvSpPr>
-            <a:spLocks noGrp="1"/>
-          </p:cNvSpPr>
-          <p:nvPr>
-            <p:ph type="title"/>
-          </p:nvPr>
-        </p:nvSpPr>
-        <p:spPr>
-          <a:xfrm>
-            <a:off x="549275" y="231827"/>
-            <a:ext cx="8042276" cy="472265"/>
-          </a:xfrm>
-        </p:spPr>
-        <p:txBody>
-          <a:bodyPr/>
-          <a:lstStyle/>
-          <a:p>
-            <a:r>
-              <a:rPr lang="fr-FR" sz="3200" dirty="0" smtClean="0"/>
-              <a:t>Ecran de Login</a:t>
-            </a:r>
-            <a:endParaRPr lang="fr-FR" sz="3200" dirty="0"/>
-          </a:p>
-        </p:txBody>
-      </p:sp>
-      <p:sp>
-        <p:nvSpPr>
-          <p:cNvPr id="4" name="Slide Number Placeholder 3"/>
-          <p:cNvSpPr>
-            <a:spLocks noGrp="1"/>
-          </p:cNvSpPr>
-          <p:nvPr>
-            <p:ph type="sldNum" sz="quarter" idx="12"/>
-          </p:nvPr>
-        </p:nvSpPr>
-        <p:spPr/>
-        <p:txBody>
-          <a:bodyPr/>
-          <a:lstStyle/>
-          <a:p>
-            <a:fld id="{886BB73A-582F-4420-9A14-CB10A2B2E5E8}" type="slidenum">
-              <a:rPr lang="en-US" smtClean="0"/>
-              <a:t>14</a:t>
-            </a:fld>
-            <a:endParaRPr lang="en-US"/>
-          </a:p>
-        </p:txBody>
-      </p:sp>
-      <p:pic>
-        <p:nvPicPr>
-          <p:cNvPr id="5" name="Picture 4" descr="Login.png"/>
-          <p:cNvPicPr>
-            <a:picLocks noChangeAspect="1"/>
-          </p:cNvPicPr>
-          <p:nvPr/>
-        </p:nvPicPr>
-        <p:blipFill>
-          <a:blip r:embed="rId2" cstate="email">
-            <a:extLst>
-              <a:ext uri="{28A0092B-C50C-407E-A947-70E740481C1C}">
-                <a14:useLocalDpi xmlns:a14="http://schemas.microsoft.com/office/drawing/2010/main" val="0"/>
-              </a:ext>
-            </a:extLst>
-          </a:blip>
-          <a:stretch>
-            <a:fillRect/>
-          </a:stretch>
-        </p:blipFill>
-        <p:spPr>
-          <a:xfrm>
-            <a:off x="1290755" y="1106534"/>
-            <a:ext cx="6562490" cy="5169134"/>
-          </a:xfrm>
-          <a:prstGeom prst="rect">
-            <a:avLst/>
-          </a:prstGeom>
-        </p:spPr>
-      </p:pic>
-    </p:spTree>
-    <p:extLst>
-      <p:ext uri="{BB962C8B-B14F-4D97-AF65-F5344CB8AC3E}">
-        <p14:creationId xmlns:p14="http://schemas.microsoft.com/office/powerpoint/2010/main" val="968376215"/>
-      </p:ext>
-    </p:extLst>
-  </p:cSld>
-  <p:clrMapOvr>
-    <a:masterClrMapping/>
-  </p:clrMapOvr>
-</p:sld>
-</file>
-
-<file path=ppt/slides/slide15.xml><?xml version="1.0" encoding="utf-8"?>
-<p:sld xmlns:a="http://schemas.openxmlformats.org/drawingml/2006/main" xmlns:r="http://schemas.openxmlformats.org/officeDocument/2006/relationships" xmlns:p="http://schemas.openxmlformats.org/presentationml/2006/main">
-  <p:cSld>
-    <p:spTree>
-      <p:nvGrpSpPr>
-        <p:cNvPr id="1" name=""/>
-        <p:cNvGrpSpPr/>
-        <p:nvPr/>
-      </p:nvGrpSpPr>
-      <p:grpSpPr>
-        <a:xfrm>
-          <a:off x="0" y="0"/>
-          <a:ext cx="0" cy="0"/>
-          <a:chOff x="0" y="0"/>
-          <a:chExt cx="0" cy="0"/>
-        </a:xfrm>
-      </p:grpSpPr>
-      <p:sp>
-        <p:nvSpPr>
-          <p:cNvPr id="2" name="Title 1"/>
-          <p:cNvSpPr>
-            <a:spLocks noGrp="1"/>
-          </p:cNvSpPr>
-          <p:nvPr>
-            <p:ph type="title"/>
-          </p:nvPr>
-        </p:nvSpPr>
-        <p:spPr>
-          <a:xfrm>
-            <a:off x="549275" y="231827"/>
-            <a:ext cx="8042276" cy="472265"/>
-          </a:xfrm>
-        </p:spPr>
-        <p:txBody>
-          <a:bodyPr/>
-          <a:lstStyle/>
-          <a:p>
-            <a:r>
-              <a:rPr lang="fr-FR" sz="3200" dirty="0" smtClean="0"/>
-              <a:t>Visualisation de l’agenda</a:t>
-            </a:r>
-            <a:endParaRPr lang="fr-FR" sz="3200" dirty="0"/>
-          </a:p>
-        </p:txBody>
-      </p:sp>
-      <p:sp>
-        <p:nvSpPr>
-          <p:cNvPr id="4" name="Slide Number Placeholder 3"/>
-          <p:cNvSpPr>
-            <a:spLocks noGrp="1"/>
-          </p:cNvSpPr>
-          <p:nvPr>
-            <p:ph type="sldNum" sz="quarter" idx="12"/>
-          </p:nvPr>
-        </p:nvSpPr>
-        <p:spPr/>
-        <p:txBody>
-          <a:bodyPr/>
-          <a:lstStyle/>
-          <a:p>
-            <a:fld id="{886BB73A-582F-4420-9A14-CB10A2B2E5E8}" type="slidenum">
-              <a:rPr lang="en-US" smtClean="0"/>
-              <a:t>15</a:t>
-            </a:fld>
-            <a:endParaRPr lang="en-US"/>
-          </a:p>
-        </p:txBody>
-      </p:sp>
-    </p:spTree>
-    <p:extLst>
-      <p:ext uri="{BB962C8B-B14F-4D97-AF65-F5344CB8AC3E}">
-        <p14:creationId xmlns:p14="http://schemas.microsoft.com/office/powerpoint/2010/main" val="3553487653"/>
-      </p:ext>
-    </p:extLst>
-  </p:cSld>
-  <p:clrMapOvr>
-    <a:masterClrMapping/>
-  </p:clrMapOvr>
-</p:sld>
-</file>
-
 <file path=ppt/slides/slide16.xml><?xml version="1.0" encoding="utf-8"?>
 <p:sld xmlns:a="http://schemas.openxmlformats.org/drawingml/2006/main" xmlns:r="http://schemas.openxmlformats.org/officeDocument/2006/relationships" xmlns:p="http://schemas.openxmlformats.org/presentationml/2006/main">
   <p:cSld>
@@ -5108,7 +5237,7 @@
       </p:grpSpPr>
       <p:sp>
         <p:nvSpPr>
-          <p:cNvPr id="2" name="Titre 1"/>
+          <p:cNvPr id="2" name="Title 1"/>
           <p:cNvSpPr>
             <a:spLocks noGrp="1"/>
           </p:cNvSpPr>
@@ -5116,22 +5245,27 @@
             <p:ph type="title"/>
           </p:nvPr>
         </p:nvSpPr>
-        <p:spPr/>
-        <p:txBody>
-          <a:bodyPr/>
-          <a:lstStyle/>
-          <a:p>
-            <a:r>
-              <a:rPr lang="fr-FR" dirty="0" smtClean="0"/>
-              <a:t>Architecture technique</a:t>
-            </a:r>
-            <a:endParaRPr lang="fr-FR" dirty="0"/>
-          </a:p>
-        </p:txBody>
-      </p:sp>
-      <p:sp>
-        <p:nvSpPr>
-          <p:cNvPr id="4" name="Espace réservé du numéro de diapositive 3"/>
+        <p:spPr>
+          <a:xfrm>
+            <a:off x="549275" y="231827"/>
+            <a:ext cx="8042276" cy="472265"/>
+          </a:xfrm>
+        </p:spPr>
+        <p:txBody>
+          <a:bodyPr/>
+          <a:lstStyle/>
+          <a:p>
+            <a:r>
+              <a:rPr lang="fr-FR" sz="3200" dirty="0" smtClean="0"/>
+              <a:t>Ecran de Login</a:t>
+            </a:r>
+            <a:endParaRPr lang="fr-FR" sz="3200" dirty="0"/>
+          </a:p>
+        </p:txBody>
+      </p:sp>
+      <p:sp>
+        <p:nvSpPr>
+          <p:cNvPr id="4" name="Slide Number Placeholder 3"/>
           <p:cNvSpPr>
             <a:spLocks noGrp="1"/>
           </p:cNvSpPr>
@@ -5152,39 +5286,40 @@
           </a:p>
         </p:txBody>
       </p:sp>
-      <p:pic>
-        <p:nvPicPr>
-          <p:cNvPr id="8" name="Espace réservé du contenu 7"/>
-          <p:cNvPicPr>
-            <a:picLocks noGrp="1" noChangeAspect="1"/>
-          </p:cNvPicPr>
-          <p:nvPr>
-            <p:ph idx="1"/>
-          </p:nvPr>
-        </p:nvPicPr>
-        <p:blipFill>
-          <a:blip r:embed="rId2" cstate="email">
-            <a:extLst>
-              <a:ext uri="{28A0092B-C50C-407E-A947-70E740481C1C}">
-                <a14:useLocalDpi xmlns:a14="http://schemas.microsoft.com/office/drawing/2010/main" val="0"/>
-              </a:ext>
-            </a:extLst>
-          </a:blip>
-          <a:stretch>
-            <a:fillRect/>
-          </a:stretch>
-        </p:blipFill>
+      <p:sp>
+        <p:nvSpPr>
+          <p:cNvPr id="3" name="ZoneTexte 2"/>
+          <p:cNvSpPr txBox="1"/>
+          <p:nvPr/>
+        </p:nvSpPr>
         <p:spPr>
           <a:xfrm>
-            <a:off x="1650650" y="1600200"/>
-            <a:ext cx="5839524" cy="4343400"/>
+            <a:off x="2752818" y="3014805"/>
+            <a:ext cx="3855543" cy="769441"/>
           </a:xfrm>
+          <a:prstGeom prst="rect">
+            <a:avLst/>
+          </a:prstGeom>
+          <a:noFill/>
         </p:spPr>
-      </p:pic>
+        <p:txBody>
+          <a:bodyPr wrap="none" rtlCol="0">
+            <a:spAutoFit/>
+          </a:bodyPr>
+          <a:lstStyle/>
+          <a:p>
+            <a:r>
+              <a:rPr lang="fr-FR" sz="4400" dirty="0" smtClean="0"/>
+              <a:t>Démonstration</a:t>
+            </a:r>
+            <a:endParaRPr lang="fr-FR" sz="4400" dirty="0"/>
+          </a:p>
+        </p:txBody>
+      </p:sp>
     </p:spTree>
     <p:extLst>
       <p:ext uri="{BB962C8B-B14F-4D97-AF65-F5344CB8AC3E}">
-        <p14:creationId xmlns:p14="http://schemas.microsoft.com/office/powerpoint/2010/main" val="777418380"/>
+        <p14:creationId xmlns:p14="http://schemas.microsoft.com/office/powerpoint/2010/main" val="968376215"/>
       </p:ext>
     </p:extLst>
   </p:cSld>
@@ -5228,9 +5363,32 @@
           <a:p>
             <a:r>
               <a:rPr lang="fr-FR" dirty="0" smtClean="0"/>
-              <a:t>Implantation des composants du noyau applicatif</a:t>
+              <a:t>Architecture technique</a:t>
             </a:r>
             <a:endParaRPr lang="fr-FR" dirty="0"/>
+          </a:p>
+        </p:txBody>
+      </p:sp>
+      <p:sp>
+        <p:nvSpPr>
+          <p:cNvPr id="4" name="Espace réservé du numéro de diapositive 3"/>
+          <p:cNvSpPr>
+            <a:spLocks noGrp="1"/>
+          </p:cNvSpPr>
+          <p:nvPr>
+            <p:ph type="sldNum" sz="quarter" idx="12"/>
+          </p:nvPr>
+        </p:nvSpPr>
+        <p:spPr/>
+        <p:txBody>
+          <a:bodyPr/>
+          <a:lstStyle/>
+          <a:p>
+            <a:fld id="{886BB73A-582F-4420-9A14-CB10A2B2E5E8}" type="slidenum">
+              <a:rPr lang="en-US" smtClean="0"/>
+              <a:t>17</a:t>
+            </a:fld>
+            <a:endParaRPr lang="en-US"/>
           </a:p>
         </p:txBody>
       </p:sp>
@@ -5244,51 +5402,29 @@
             <p:ph idx="1"/>
           </p:nvPr>
         </p:nvPicPr>
-        <p:blipFill rotWithShape="1">
-          <a:blip r:embed="rId2">
+        <p:blipFill>
+          <a:blip r:embed="rId2" cstate="email">
             <a:extLst>
               <a:ext uri="{28A0092B-C50C-407E-A947-70E740481C1C}">
                 <a14:useLocalDpi xmlns:a14="http://schemas.microsoft.com/office/drawing/2010/main" val="0"/>
               </a:ext>
             </a:extLst>
           </a:blip>
-          <a:srcRect r="9720"/>
-          <a:stretch/>
+          <a:stretch>
+            <a:fillRect/>
+          </a:stretch>
         </p:blipFill>
         <p:spPr>
           <a:xfrm>
-            <a:off x="1431989" y="2335794"/>
-            <a:ext cx="6532109" cy="2650251"/>
+            <a:off x="1156226" y="1600200"/>
+            <a:ext cx="6928519" cy="4886536"/>
           </a:xfrm>
         </p:spPr>
       </p:pic>
-      <p:sp>
-        <p:nvSpPr>
-          <p:cNvPr id="4" name="Espace réservé du numéro de diapositive 3"/>
-          <p:cNvSpPr>
-            <a:spLocks noGrp="1"/>
-          </p:cNvSpPr>
-          <p:nvPr>
-            <p:ph type="sldNum" sz="quarter" idx="12"/>
-          </p:nvPr>
-        </p:nvSpPr>
-        <p:spPr/>
-        <p:txBody>
-          <a:bodyPr/>
-          <a:lstStyle/>
-          <a:p>
-            <a:fld id="{886BB73A-582F-4420-9A14-CB10A2B2E5E8}" type="slidenum">
-              <a:rPr lang="en-US" smtClean="0"/>
-              <a:t>17</a:t>
-            </a:fld>
-            <a:endParaRPr lang="en-US"/>
-          </a:p>
-        </p:txBody>
-      </p:sp>
     </p:spTree>
     <p:extLst>
       <p:ext uri="{BB962C8B-B14F-4D97-AF65-F5344CB8AC3E}">
-        <p14:creationId xmlns:p14="http://schemas.microsoft.com/office/powerpoint/2010/main" val="3671592471"/>
+        <p14:creationId xmlns:p14="http://schemas.microsoft.com/office/powerpoint/2010/main" val="777418380"/>
       </p:ext>
     </p:extLst>
   </p:cSld>
@@ -5317,7 +5453,7 @@
       </p:grpSpPr>
       <p:sp>
         <p:nvSpPr>
-          <p:cNvPr id="2" name="Title 1"/>
+          <p:cNvPr id="2" name="Titre 1"/>
           <p:cNvSpPr>
             <a:spLocks noGrp="1"/>
           </p:cNvSpPr>
@@ -5332,94 +5468,43 @@
           <a:p>
             <a:r>
               <a:rPr lang="fr-FR" dirty="0" smtClean="0"/>
-              <a:t>Bilan du projet</a:t>
+              <a:t>Implantation des composants du noyau applicatif</a:t>
             </a:r>
             <a:endParaRPr lang="fr-FR" dirty="0"/>
           </a:p>
         </p:txBody>
       </p:sp>
-      <p:sp>
-        <p:nvSpPr>
-          <p:cNvPr id="3" name="Content Placeholder 2"/>
-          <p:cNvSpPr>
-            <a:spLocks noGrp="1"/>
-          </p:cNvSpPr>
+      <p:pic>
+        <p:nvPicPr>
+          <p:cNvPr id="5" name="Espace réservé du contenu 4"/>
+          <p:cNvPicPr>
+            <a:picLocks noGrp="1" noChangeAspect="1"/>
+          </p:cNvPicPr>
           <p:nvPr>
             <p:ph idx="1"/>
           </p:nvPr>
-        </p:nvSpPr>
-        <p:spPr/>
-        <p:txBody>
-          <a:bodyPr/>
-          <a:lstStyle/>
-          <a:p>
-            <a:r>
-              <a:rPr lang="fr-FR" dirty="0" smtClean="0"/>
-              <a:t>Synchronisation des travaux</a:t>
-            </a:r>
-          </a:p>
-          <a:p>
-            <a:pPr lvl="1"/>
-            <a:r>
-              <a:rPr lang="fr-FR" dirty="0" err="1" smtClean="0"/>
-              <a:t>Redmine</a:t>
-            </a:r>
-            <a:endParaRPr lang="fr-FR" dirty="0" smtClean="0"/>
-          </a:p>
-          <a:p>
-            <a:r>
-              <a:rPr lang="fr-FR" dirty="0" smtClean="0"/>
-              <a:t>Collaboration par les outils</a:t>
-            </a:r>
-          </a:p>
-          <a:p>
-            <a:pPr lvl="1"/>
-            <a:r>
-              <a:rPr lang="fr-FR" dirty="0" err="1" smtClean="0"/>
-              <a:t>Github</a:t>
-            </a:r>
-            <a:endParaRPr lang="fr-FR" dirty="0" smtClean="0"/>
-          </a:p>
-          <a:p>
-            <a:pPr lvl="1"/>
-            <a:r>
-              <a:rPr lang="fr-FR" dirty="0" err="1" smtClean="0"/>
-              <a:t>Dropbox</a:t>
-            </a:r>
-            <a:endParaRPr lang="fr-FR" dirty="0" smtClean="0"/>
-          </a:p>
-          <a:p>
-            <a:pPr lvl="1"/>
-            <a:r>
-              <a:rPr lang="en-US" dirty="0" err="1" smtClean="0"/>
-              <a:t>Etherpad</a:t>
-            </a:r>
-            <a:endParaRPr lang="en-US" dirty="0" smtClean="0"/>
-          </a:p>
-          <a:p>
-            <a:pPr lvl="1"/>
-            <a:r>
-              <a:rPr lang="en-US" dirty="0" smtClean="0"/>
-              <a:t>…</a:t>
-            </a:r>
-            <a:endParaRPr lang="fr-FR" dirty="0"/>
-          </a:p>
-          <a:p>
-            <a:r>
-              <a:rPr lang="fr-FR" dirty="0" smtClean="0"/>
-              <a:t>Moteur principal </a:t>
-            </a:r>
-            <a:r>
-              <a:rPr lang="fr-FR" smtClean="0"/>
-              <a:t>: la Communication</a:t>
-            </a:r>
-            <a:endParaRPr lang="fr-FR" dirty="0"/>
-          </a:p>
-        </p:txBody>
-      </p:sp>
-      <p:sp>
-        <p:nvSpPr>
-          <p:cNvPr id="4" name="Slide Number Placeholder 3"/>
+        </p:nvPicPr>
+        <p:blipFill rotWithShape="1">
+          <a:blip r:embed="rId2">
+            <a:extLst>
+              <a:ext uri="{28A0092B-C50C-407E-A947-70E740481C1C}">
+                <a14:useLocalDpi xmlns:a14="http://schemas.microsoft.com/office/drawing/2010/main" val="0"/>
+              </a:ext>
+            </a:extLst>
+          </a:blip>
+          <a:srcRect r="9720"/>
+          <a:stretch/>
+        </p:blipFill>
+        <p:spPr>
+          <a:xfrm>
+            <a:off x="1431989" y="2335794"/>
+            <a:ext cx="6532109" cy="2650251"/>
+          </a:xfrm>
+        </p:spPr>
+      </p:pic>
+      <p:sp>
+        <p:nvSpPr>
+          <p:cNvPr id="4" name="Espace réservé du numéro de diapositive 3"/>
           <p:cNvSpPr>
             <a:spLocks noGrp="1"/>
           </p:cNvSpPr>
@@ -5435,6 +5520,161 @@
             <a:fld id="{886BB73A-582F-4420-9A14-CB10A2B2E5E8}" type="slidenum">
               <a:rPr lang="en-US" smtClean="0"/>
               <a:t>18</a:t>
+            </a:fld>
+            <a:endParaRPr lang="en-US"/>
+          </a:p>
+        </p:txBody>
+      </p:sp>
+    </p:spTree>
+    <p:extLst>
+      <p:ext uri="{BB962C8B-B14F-4D97-AF65-F5344CB8AC3E}">
+        <p14:creationId xmlns:p14="http://schemas.microsoft.com/office/powerpoint/2010/main" val="3671592471"/>
+      </p:ext>
+    </p:extLst>
+  </p:cSld>
+  <p:clrMapOvr>
+    <a:masterClrMapping/>
+  </p:clrMapOvr>
+</p:sld>
+</file>
+
+<file path=ppt/slides/slide19.xml><?xml version="1.0" encoding="utf-8"?>
+<p:sld xmlns:a="http://schemas.openxmlformats.org/drawingml/2006/main" xmlns:r="http://schemas.openxmlformats.org/officeDocument/2006/relationships" xmlns:p="http://schemas.openxmlformats.org/presentationml/2006/main">
+  <p:cSld>
+    <p:spTree>
+      <p:nvGrpSpPr>
+        <p:cNvPr id="1" name=""/>
+        <p:cNvGrpSpPr/>
+        <p:nvPr/>
+      </p:nvGrpSpPr>
+      <p:grpSpPr>
+        <a:xfrm>
+          <a:off x="0" y="0"/>
+          <a:ext cx="0" cy="0"/>
+          <a:chOff x="0" y="0"/>
+          <a:chExt cx="0" cy="0"/>
+        </a:xfrm>
+      </p:grpSpPr>
+      <p:sp>
+        <p:nvSpPr>
+          <p:cNvPr id="2" name="Title 1"/>
+          <p:cNvSpPr>
+            <a:spLocks noGrp="1"/>
+          </p:cNvSpPr>
+          <p:nvPr>
+            <p:ph type="title"/>
+          </p:nvPr>
+        </p:nvSpPr>
+        <p:spPr/>
+        <p:txBody>
+          <a:bodyPr/>
+          <a:lstStyle/>
+          <a:p>
+            <a:r>
+              <a:rPr lang="fr-FR" dirty="0" smtClean="0"/>
+              <a:t>Bilan du projet</a:t>
+            </a:r>
+            <a:endParaRPr lang="fr-FR" dirty="0"/>
+          </a:p>
+        </p:txBody>
+      </p:sp>
+      <p:sp>
+        <p:nvSpPr>
+          <p:cNvPr id="3" name="Content Placeholder 2"/>
+          <p:cNvSpPr>
+            <a:spLocks noGrp="1"/>
+          </p:cNvSpPr>
+          <p:nvPr>
+            <p:ph idx="1"/>
+          </p:nvPr>
+        </p:nvSpPr>
+        <p:spPr/>
+        <p:txBody>
+          <a:bodyPr/>
+          <a:lstStyle/>
+          <a:p>
+            <a:r>
+              <a:rPr lang="fr-FR" dirty="0" smtClean="0"/>
+              <a:t>Synchronisation des travaux</a:t>
+            </a:r>
+          </a:p>
+          <a:p>
+            <a:pPr lvl="1"/>
+            <a:r>
+              <a:rPr lang="fr-FR" dirty="0" err="1" smtClean="0"/>
+              <a:t>Redmine</a:t>
+            </a:r>
+            <a:endParaRPr lang="fr-FR" dirty="0" smtClean="0"/>
+          </a:p>
+          <a:p>
+            <a:r>
+              <a:rPr lang="fr-FR" dirty="0" smtClean="0"/>
+              <a:t>Collaboration par les outils</a:t>
+            </a:r>
+          </a:p>
+          <a:p>
+            <a:pPr lvl="1"/>
+            <a:r>
+              <a:rPr lang="fr-FR" dirty="0" err="1" smtClean="0"/>
+              <a:t>Github</a:t>
+            </a:r>
+            <a:endParaRPr lang="fr-FR" dirty="0" smtClean="0"/>
+          </a:p>
+          <a:p>
+            <a:pPr lvl="1"/>
+            <a:r>
+              <a:rPr lang="fr-FR" dirty="0" err="1" smtClean="0"/>
+              <a:t>Dropbox</a:t>
+            </a:r>
+            <a:endParaRPr lang="fr-FR" dirty="0" smtClean="0"/>
+          </a:p>
+          <a:p>
+            <a:pPr lvl="1"/>
+            <a:r>
+              <a:rPr lang="en-US" dirty="0" err="1" smtClean="0"/>
+              <a:t>Etherpad</a:t>
+            </a:r>
+            <a:endParaRPr lang="en-US" dirty="0" smtClean="0"/>
+          </a:p>
+          <a:p>
+            <a:pPr lvl="1"/>
+            <a:r>
+              <a:rPr lang="en-US" dirty="0" smtClean="0"/>
+              <a:t>…</a:t>
+            </a:r>
+            <a:endParaRPr lang="fr-FR" dirty="0"/>
+          </a:p>
+          <a:p>
+            <a:r>
+              <a:rPr lang="fr-FR" dirty="0" smtClean="0"/>
+              <a:t>Moteur principal </a:t>
+            </a:r>
+            <a:r>
+              <a:rPr lang="fr-FR" smtClean="0"/>
+              <a:t>: la Communication</a:t>
+            </a:r>
+            <a:endParaRPr lang="fr-FR" dirty="0"/>
+          </a:p>
+        </p:txBody>
+      </p:sp>
+      <p:sp>
+        <p:nvSpPr>
+          <p:cNvPr id="4" name="Slide Number Placeholder 3"/>
+          <p:cNvSpPr>
+            <a:spLocks noGrp="1"/>
+          </p:cNvSpPr>
+          <p:nvPr>
+            <p:ph type="sldNum" sz="quarter" idx="12"/>
+          </p:nvPr>
+        </p:nvSpPr>
+        <p:spPr/>
+        <p:txBody>
+          <a:bodyPr/>
+          <a:lstStyle/>
+          <a:p>
+            <a:fld id="{886BB73A-582F-4420-9A14-CB10A2B2E5E8}" type="slidenum">
+              <a:rPr lang="en-US" smtClean="0"/>
+              <a:t>19</a:t>
             </a:fld>
             <a:endParaRPr lang="en-US"/>
           </a:p>

--- a/presentationSISOA.pptx
+++ b/presentationSISOA.pptx
@@ -5,10 +5,10 @@
     <p:sldMasterId id="2147483677" r:id="rId1"/>
   </p:sldMasterIdLst>
   <p:notesMasterIdLst>
-    <p:notesMasterId r:id="rId21"/>
+    <p:notesMasterId r:id="rId23"/>
   </p:notesMasterIdLst>
   <p:handoutMasterIdLst>
-    <p:handoutMasterId r:id="rId22"/>
+    <p:handoutMasterId r:id="rId24"/>
   </p:handoutMasterIdLst>
   <p:sldIdLst>
     <p:sldId id="256" r:id="rId2"/>
@@ -30,6 +30,8 @@
     <p:sldId id="274" r:id="rId18"/>
     <p:sldId id="273" r:id="rId19"/>
     <p:sldId id="272" r:id="rId20"/>
+    <p:sldId id="277" r:id="rId21"/>
+    <p:sldId id="278" r:id="rId22"/>
   </p:sldIdLst>
   <p:sldSz cx="9144000" cy="6858000" type="screen4x3"/>
   <p:notesSz cx="6858000" cy="9144000"/>
@@ -213,7 +215,7 @@
           <a:p>
             <a:fld id="{D83E0C5E-CE1A-854B-B127-2EB19053E37A}" type="datetime1">
               <a:rPr lang="fr-FR" smtClean="0"/>
-              <a:t>23/03/2012</a:t>
+              <a:t>27/03/12</a:t>
             </a:fld>
             <a:endParaRPr lang="fr-FR"/>
           </a:p>
@@ -279,7 +281,7 @@
           <a:p>
             <a:fld id="{18A2B51F-6B87-0046-B9AA-56142C46A4CF}" type="slidenum">
               <a:rPr lang="fr-FR" smtClean="0"/>
-              <a:t>‹N°›</a:t>
+              <a:t>‹#›</a:t>
             </a:fld>
             <a:endParaRPr lang="fr-FR"/>
           </a:p>
@@ -379,7 +381,7 @@
           <a:p>
             <a:fld id="{4FED75F5-793A-154C-B00B-0E07E503FC33}" type="datetime1">
               <a:rPr lang="fr-FR" smtClean="0"/>
-              <a:t>23/03/2012</a:t>
+              <a:t>27/03/12</a:t>
             </a:fld>
             <a:endParaRPr lang="fr-FR"/>
           </a:p>
@@ -538,7 +540,7 @@
           <a:p>
             <a:fld id="{DD4C968C-CB21-4045-A6E1-B1053904A3EB}" type="slidenum">
               <a:rPr lang="fr-FR" smtClean="0"/>
-              <a:t>‹N°›</a:t>
+              <a:t>‹#›</a:t>
             </a:fld>
             <a:endParaRPr lang="fr-FR"/>
           </a:p>
@@ -1015,7 +1017,7 @@
           <a:p>
             <a:fld id="{62837156-AC2E-4645-BC86-B2F703CCE2CD}" type="datetime1">
               <a:rPr lang="fr-FR" smtClean="0"/>
-              <a:t>23/03/2012</a:t>
+              <a:t>27/03/12</a:t>
             </a:fld>
             <a:endParaRPr lang="en-US"/>
           </a:p>
@@ -1057,7 +1059,7 @@
           <a:p>
             <a:fld id="{886BB73A-582F-4420-9A14-CB10A2B2E5E8}" type="slidenum">
               <a:rPr lang="en-US" smtClean="0"/>
-              <a:t>‹N°›</a:t>
+              <a:t>‹#›</a:t>
             </a:fld>
             <a:endParaRPr lang="en-US"/>
           </a:p>
@@ -1207,7 +1209,7 @@
           <a:p>
             <a:fld id="{A5D28C3E-9E72-334C-AAFA-8EEC35EF4A54}" type="datetime1">
               <a:rPr lang="fr-FR" smtClean="0"/>
-              <a:t>23/03/2012</a:t>
+              <a:t>27/03/12</a:t>
             </a:fld>
             <a:endParaRPr lang="en-US"/>
           </a:p>
@@ -1249,7 +1251,7 @@
           <a:p>
             <a:fld id="{886BB73A-582F-4420-9A14-CB10A2B2E5E8}" type="slidenum">
               <a:rPr lang="en-US" smtClean="0"/>
-              <a:t>‹N°›</a:t>
+              <a:t>‹#›</a:t>
             </a:fld>
             <a:endParaRPr lang="en-US"/>
           </a:p>
@@ -1476,7 +1478,7 @@
           <a:p>
             <a:fld id="{B589B341-5EC4-C746-87BF-4823EBE8AB35}" type="datetime1">
               <a:rPr lang="fr-FR" smtClean="0"/>
-              <a:t>23/03/2012</a:t>
+              <a:t>27/03/12</a:t>
             </a:fld>
             <a:endParaRPr lang="en-US"/>
           </a:p>
@@ -1518,7 +1520,7 @@
           <a:p>
             <a:fld id="{886BB73A-582F-4420-9A14-CB10A2B2E5E8}" type="slidenum">
               <a:rPr lang="en-US" smtClean="0"/>
-              <a:t>‹N°›</a:t>
+              <a:t>‹#›</a:t>
             </a:fld>
             <a:endParaRPr lang="en-US"/>
           </a:p>
@@ -1655,7 +1657,7 @@
           <a:p>
             <a:fld id="{2FB35FDB-0AA1-784E-B467-E58FB747B781}" type="datetime1">
               <a:rPr lang="fr-FR" smtClean="0"/>
-              <a:t>23/03/2012</a:t>
+              <a:t>27/03/12</a:t>
             </a:fld>
             <a:endParaRPr lang="en-US"/>
           </a:p>
@@ -1697,7 +1699,7 @@
           <a:p>
             <a:fld id="{886BB73A-582F-4420-9A14-CB10A2B2E5E8}" type="slidenum">
               <a:rPr lang="en-US" smtClean="0"/>
-              <a:t>‹N°›</a:t>
+              <a:t>‹#›</a:t>
             </a:fld>
             <a:endParaRPr lang="en-US"/>
           </a:p>
@@ -1824,7 +1826,7 @@
           <a:p>
             <a:fld id="{65970BA4-A08A-4944-A817-8BD1CDCE6144}" type="datetime1">
               <a:rPr lang="fr-FR" smtClean="0"/>
-              <a:t>23/03/2012</a:t>
+              <a:t>27/03/12</a:t>
             </a:fld>
             <a:endParaRPr lang="en-US"/>
           </a:p>
@@ -1866,7 +1868,7 @@
           <a:p>
             <a:fld id="{886BB73A-582F-4420-9A14-CB10A2B2E5E8}" type="slidenum">
               <a:rPr lang="en-US" smtClean="0"/>
-              <a:t>‹N°›</a:t>
+              <a:t>‹#›</a:t>
             </a:fld>
             <a:endParaRPr lang="en-US"/>
           </a:p>
@@ -2066,7 +2068,7 @@
           <a:p>
             <a:fld id="{3429557D-741A-8E41-A0C1-AC23412D9F73}" type="datetime1">
               <a:rPr lang="fr-FR" smtClean="0"/>
-              <a:t>23/03/2012</a:t>
+              <a:t>27/03/12</a:t>
             </a:fld>
             <a:endParaRPr lang="en-US"/>
           </a:p>
@@ -2108,7 +2110,7 @@
           <a:p>
             <a:fld id="{886BB73A-582F-4420-9A14-CB10A2B2E5E8}" type="slidenum">
               <a:rPr lang="en-US" smtClean="0"/>
-              <a:t>‹N°›</a:t>
+              <a:t>‹#›</a:t>
             </a:fld>
             <a:endParaRPr lang="en-US"/>
           </a:p>
@@ -2389,7 +2391,7 @@
           <a:p>
             <a:fld id="{386E7856-1874-8742-AB1A-F875DC755AF3}" type="datetime1">
               <a:rPr lang="fr-FR" smtClean="0"/>
-              <a:t>23/03/2012</a:t>
+              <a:t>27/03/12</a:t>
             </a:fld>
             <a:endParaRPr lang="en-US"/>
           </a:p>
@@ -2431,7 +2433,7 @@
           <a:p>
             <a:fld id="{886BB73A-582F-4420-9A14-CB10A2B2E5E8}" type="slidenum">
               <a:rPr lang="en-US" smtClean="0"/>
-              <a:t>‹N°›</a:t>
+              <a:t>‹#›</a:t>
             </a:fld>
             <a:endParaRPr lang="en-US"/>
           </a:p>
@@ -2687,7 +2689,7 @@
           <a:p>
             <a:fld id="{926F2CCA-946B-4F4A-81F2-2F5F017F2163}" type="datetime1">
               <a:rPr lang="fr-FR" smtClean="0"/>
-              <a:t>23/03/2012</a:t>
+              <a:t>27/03/12</a:t>
             </a:fld>
             <a:endParaRPr lang="en-US"/>
           </a:p>
@@ -2729,7 +2731,7 @@
           <a:p>
             <a:fld id="{886BB73A-582F-4420-9A14-CB10A2B2E5E8}" type="slidenum">
               <a:rPr lang="en-US" smtClean="0"/>
-              <a:t>‹N°›</a:t>
+              <a:t>‹#›</a:t>
             </a:fld>
             <a:endParaRPr lang="en-US"/>
           </a:p>
@@ -3143,7 +3145,7 @@
           <a:p>
             <a:fld id="{E0407183-CE6D-664E-8885-9DE2281C7D00}" type="datetime1">
               <a:rPr lang="fr-FR" smtClean="0"/>
-              <a:t>23/03/2012</a:t>
+              <a:t>27/03/12</a:t>
             </a:fld>
             <a:endParaRPr lang="en-US"/>
           </a:p>
@@ -3185,7 +3187,7 @@
           <a:p>
             <a:fld id="{886BB73A-582F-4420-9A14-CB10A2B2E5E8}" type="slidenum">
               <a:rPr lang="en-US" smtClean="0"/>
-              <a:t>‹N°›</a:t>
+              <a:t>‹#›</a:t>
             </a:fld>
             <a:endParaRPr lang="en-US"/>
           </a:p>
@@ -3256,7 +3258,7 @@
           <a:p>
             <a:fld id="{8C4311F8-2E88-9C44-B35C-39A6D78E9095}" type="datetime1">
               <a:rPr lang="fr-FR" smtClean="0"/>
-              <a:t>23/03/2012</a:t>
+              <a:t>27/03/12</a:t>
             </a:fld>
             <a:endParaRPr lang="en-US"/>
           </a:p>
@@ -3298,7 +3300,7 @@
           <a:p>
             <a:fld id="{886BB73A-582F-4420-9A14-CB10A2B2E5E8}" type="slidenum">
               <a:rPr lang="en-US" smtClean="0"/>
-              <a:t>‹N°›</a:t>
+              <a:t>‹#›</a:t>
             </a:fld>
             <a:endParaRPr lang="en-US"/>
           </a:p>
@@ -3346,7 +3348,7 @@
           <a:p>
             <a:fld id="{8F07602B-ADD0-A049-BA12-8A14F916F04D}" type="datetime1">
               <a:rPr lang="fr-FR" smtClean="0"/>
-              <a:t>23/03/2012</a:t>
+              <a:t>27/03/12</a:t>
             </a:fld>
             <a:endParaRPr lang="en-US"/>
           </a:p>
@@ -3388,7 +3390,7 @@
           <a:p>
             <a:fld id="{886BB73A-582F-4420-9A14-CB10A2B2E5E8}" type="slidenum">
               <a:rPr lang="en-US" smtClean="0"/>
-              <a:t>‹N°›</a:t>
+              <a:t>‹#›</a:t>
             </a:fld>
             <a:endParaRPr lang="en-US"/>
           </a:p>
@@ -3628,7 +3630,7 @@
           <a:p>
             <a:fld id="{5C79CA3F-5F58-D34D-8D4F-E39C02189453}" type="datetime1">
               <a:rPr lang="fr-FR" smtClean="0"/>
-              <a:t>23/03/2012</a:t>
+              <a:t>27/03/12</a:t>
             </a:fld>
             <a:endParaRPr lang="en-US"/>
           </a:p>
@@ -3670,7 +3672,7 @@
           <a:p>
             <a:fld id="{886BB73A-582F-4420-9A14-CB10A2B2E5E8}" type="slidenum">
               <a:rPr lang="en-US" smtClean="0"/>
-              <a:t>‹N°›</a:t>
+              <a:t>‹#›</a:t>
             </a:fld>
             <a:endParaRPr lang="en-US"/>
           </a:p>
@@ -3834,7 +3836,7 @@
           <a:p>
             <a:fld id="{9910C8AB-582C-C844-906A-6C49A16C9735}" type="datetime1">
               <a:rPr lang="fr-FR" smtClean="0"/>
-              <a:t>23/03/2012</a:t>
+              <a:t>27/03/12</a:t>
             </a:fld>
             <a:endParaRPr lang="en-US"/>
           </a:p>
@@ -3908,7 +3910,7 @@
           <a:p>
             <a:fld id="{886BB73A-582F-4420-9A14-CB10A2B2E5E8}" type="slidenum">
               <a:rPr lang="en-US" smtClean="0"/>
-              <a:t>‹N°›</a:t>
+              <a:t>‹#›</a:t>
             </a:fld>
             <a:endParaRPr lang="en-US"/>
           </a:p>
@@ -4446,7 +4448,7 @@
   <p:timing>
     <p:tnLst>
       <p:par>
-        <p:cTn id="1" dur="indefinite" restart="never" nodeType="tmRoot"/>
+        <p:cTn xmlns:p14="http://schemas.microsoft.com/office/powerpoint/2010/main" id="1" dur="indefinite" restart="never" nodeType="tmRoot"/>
       </p:par>
     </p:tnLst>
   </p:timing>
@@ -4523,14 +4525,14 @@
       </p:sp>
       <p:pic>
         <p:nvPicPr>
-          <p:cNvPr id="3" name="Image 2"/>
+          <p:cNvPr id="4" name="Picture 3" descr="cu7.png"/>
           <p:cNvPicPr>
             <a:picLocks noChangeAspect="1"/>
           </p:cNvPicPr>
           <p:nvPr/>
         </p:nvPicPr>
         <p:blipFill>
-          <a:blip r:embed="rId2" cstate="email">
+          <a:blip r:embed="rId2">
             <a:extLst>
               <a:ext uri="{28A0092B-C50C-407E-A947-70E740481C1C}">
                 <a14:useLocalDpi xmlns:a14="http://schemas.microsoft.com/office/drawing/2010/main" val="0"/>
@@ -4543,8 +4545,8 @@
         </p:blipFill>
         <p:spPr>
           <a:xfrm>
-            <a:off x="1149790" y="757461"/>
-            <a:ext cx="6907795" cy="6100539"/>
+            <a:off x="1825737" y="635064"/>
+            <a:ext cx="5492527" cy="6222936"/>
           </a:xfrm>
           <a:prstGeom prst="rect">
             <a:avLst/>
@@ -4564,7 +4566,7 @@
   <p:timing>
     <p:tnLst>
       <p:par>
-        <p:cTn id="1" dur="indefinite" restart="never" nodeType="tmRoot"/>
+        <p:cTn xmlns:p14="http://schemas.microsoft.com/office/powerpoint/2010/main" id="1" dur="indefinite" restart="never" nodeType="tmRoot"/>
       </p:par>
     </p:tnLst>
   </p:timing>
@@ -4641,14 +4643,14 @@
       </p:sp>
       <p:pic>
         <p:nvPicPr>
-          <p:cNvPr id="4" name="Image 3"/>
+          <p:cNvPr id="3" name="Picture 2" descr="cu4.png"/>
           <p:cNvPicPr>
             <a:picLocks noChangeAspect="1"/>
           </p:cNvPicPr>
           <p:nvPr/>
         </p:nvPicPr>
         <p:blipFill>
-          <a:blip r:embed="rId2" cstate="email">
+          <a:blip r:embed="rId2">
             <a:extLst>
               <a:ext uri="{28A0092B-C50C-407E-A947-70E740481C1C}">
                 <a14:useLocalDpi xmlns:a14="http://schemas.microsoft.com/office/drawing/2010/main" val="0"/>
@@ -4661,8 +4663,8 @@
         </p:blipFill>
         <p:spPr>
           <a:xfrm>
-            <a:off x="1530037" y="688063"/>
-            <a:ext cx="6226804" cy="6176990"/>
+            <a:off x="642390" y="757460"/>
+            <a:ext cx="7599118" cy="6100539"/>
           </a:xfrm>
           <a:prstGeom prst="rect">
             <a:avLst/>
@@ -4682,7 +4684,7 @@
   <p:timing>
     <p:tnLst>
       <p:par>
-        <p:cTn id="1" dur="indefinite" restart="never" nodeType="tmRoot"/>
+        <p:cTn xmlns:p14="http://schemas.microsoft.com/office/powerpoint/2010/main" id="1" dur="indefinite" restart="never" nodeType="tmRoot"/>
       </p:par>
     </p:tnLst>
   </p:timing>
@@ -5064,14 +5066,14 @@
       </p:sp>
       <p:pic>
         <p:nvPicPr>
-          <p:cNvPr id="3" name="Image 2"/>
+          <p:cNvPr id="5" name="Picture 4" descr="diagramme-collaboration.png"/>
           <p:cNvPicPr>
             <a:picLocks noChangeAspect="1"/>
           </p:cNvPicPr>
           <p:nvPr/>
         </p:nvPicPr>
         <p:blipFill>
-          <a:blip r:embed="rId2" cstate="email">
+          <a:blip r:embed="rId2">
             <a:extLst>
               <a:ext uri="{28A0092B-C50C-407E-A947-70E740481C1C}">
                 <a14:useLocalDpi xmlns:a14="http://schemas.microsoft.com/office/drawing/2010/main" val="0"/>
@@ -5084,8 +5086,8 @@
         </p:blipFill>
         <p:spPr>
           <a:xfrm>
-            <a:off x="427916" y="913621"/>
-            <a:ext cx="8460590" cy="5434474"/>
+            <a:off x="235003" y="732902"/>
+            <a:ext cx="8673994" cy="6019807"/>
           </a:xfrm>
           <a:prstGeom prst="rect">
             <a:avLst/>
@@ -5255,10 +5257,6 @@
           <a:bodyPr/>
           <a:lstStyle/>
           <a:p>
-            <a:r>
-              <a:rPr lang="fr-FR" sz="3200" dirty="0" smtClean="0"/>
-              <a:t>Ecran de Login</a:t>
-            </a:r>
             <a:endParaRPr lang="fr-FR" sz="3200" dirty="0"/>
           </a:p>
         </p:txBody>
@@ -5461,7 +5459,12 @@
             <p:ph type="title"/>
           </p:nvPr>
         </p:nvSpPr>
-        <p:spPr/>
+        <p:spPr>
+          <a:xfrm>
+            <a:off x="549275" y="811670"/>
+            <a:ext cx="8042276" cy="1336956"/>
+          </a:xfrm>
+        </p:spPr>
         <p:txBody>
           <a:bodyPr/>
           <a:lstStyle/>
@@ -5593,66 +5596,9 @@
           <a:bodyPr/>
           <a:lstStyle/>
           <a:p>
-            <a:r>
-              <a:rPr lang="fr-FR" dirty="0" smtClean="0"/>
-              <a:t>Synchronisation des travaux</a:t>
-            </a:r>
-          </a:p>
-          <a:p>
-            <a:pPr lvl="1"/>
-            <a:r>
-              <a:rPr lang="fr-FR" dirty="0" err="1" smtClean="0"/>
-              <a:t>Redmine</a:t>
-            </a:r>
-            <a:endParaRPr lang="fr-FR" dirty="0" smtClean="0"/>
-          </a:p>
-          <a:p>
-            <a:r>
-              <a:rPr lang="fr-FR" dirty="0" smtClean="0"/>
-              <a:t>Collaboration par les outils</a:t>
-            </a:r>
-          </a:p>
-          <a:p>
-            <a:pPr lvl="1"/>
-            <a:r>
-              <a:rPr lang="fr-FR" dirty="0" err="1" smtClean="0"/>
-              <a:t>Github</a:t>
-            </a:r>
-            <a:endParaRPr lang="fr-FR" dirty="0" smtClean="0"/>
-          </a:p>
-          <a:p>
-            <a:pPr lvl="1"/>
-            <a:r>
-              <a:rPr lang="fr-FR" dirty="0" err="1" smtClean="0"/>
-              <a:t>Dropbox</a:t>
-            </a:r>
-            <a:endParaRPr lang="fr-FR" dirty="0" smtClean="0"/>
-          </a:p>
-          <a:p>
-            <a:pPr lvl="1"/>
-            <a:r>
-              <a:rPr lang="en-US" dirty="0" err="1" smtClean="0"/>
-              <a:t>Etherpad</a:t>
-            </a:r>
-            <a:endParaRPr lang="en-US" dirty="0" smtClean="0"/>
-          </a:p>
-          <a:p>
-            <a:pPr lvl="1"/>
-            <a:r>
-              <a:rPr lang="en-US" dirty="0" smtClean="0"/>
-              <a:t>…</a:t>
-            </a:r>
-            <a:endParaRPr lang="fr-FR" dirty="0"/>
-          </a:p>
-          <a:p>
-            <a:r>
-              <a:rPr lang="fr-FR" dirty="0" smtClean="0"/>
-              <a:t>Moteur principal </a:t>
-            </a:r>
-            <a:r>
-              <a:rPr lang="fr-FR" smtClean="0"/>
-              <a:t>: la Communication</a:t>
-            </a:r>
+            <a:pPr marL="349250" lvl="1" indent="0">
+              <a:buNone/>
+            </a:pPr>
             <a:endParaRPr lang="fr-FR" dirty="0"/>
           </a:p>
         </p:txBody>
@@ -5680,6 +5626,36 @@
           </a:p>
         </p:txBody>
       </p:sp>
+      <p:pic>
+        <p:nvPicPr>
+          <p:cNvPr id="5" name="Picture 4" descr="charges-effectives.png"/>
+          <p:cNvPicPr>
+            <a:picLocks noChangeAspect="1"/>
+          </p:cNvPicPr>
+          <p:nvPr/>
+        </p:nvPicPr>
+        <p:blipFill>
+          <a:blip r:embed="rId2">
+            <a:extLst>
+              <a:ext uri="{28A0092B-C50C-407E-A947-70E740481C1C}">
+                <a14:useLocalDpi xmlns:a14="http://schemas.microsoft.com/office/drawing/2010/main" val="0"/>
+              </a:ext>
+            </a:extLst>
+          </a:blip>
+          <a:stretch>
+            <a:fillRect/>
+          </a:stretch>
+        </p:blipFill>
+        <p:spPr>
+          <a:xfrm>
+            <a:off x="756348" y="1563968"/>
+            <a:ext cx="7620000" cy="4711700"/>
+          </a:xfrm>
+          <a:prstGeom prst="rect">
+            <a:avLst/>
+          </a:prstGeom>
+        </p:spPr>
+      </p:pic>
     </p:spTree>
     <p:extLst>
       <p:ext uri="{BB962C8B-B14F-4D97-AF65-F5344CB8AC3E}">
@@ -5811,6 +5787,217 @@
 </p:sld>
 </file>
 
+<file path=ppt/slides/slide20.xml><?xml version="1.0" encoding="utf-8"?>
+<p:sld xmlns:a="http://schemas.openxmlformats.org/drawingml/2006/main" xmlns:r="http://schemas.openxmlformats.org/officeDocument/2006/relationships" xmlns:p="http://schemas.openxmlformats.org/presentationml/2006/main">
+  <p:cSld>
+    <p:spTree>
+      <p:nvGrpSpPr>
+        <p:cNvPr id="1" name=""/>
+        <p:cNvGrpSpPr/>
+        <p:nvPr/>
+      </p:nvGrpSpPr>
+      <p:grpSpPr>
+        <a:xfrm>
+          <a:off x="0" y="0"/>
+          <a:ext cx="0" cy="0"/>
+          <a:chOff x="0" y="0"/>
+          <a:chExt cx="0" cy="0"/>
+        </a:xfrm>
+      </p:grpSpPr>
+      <p:sp>
+        <p:nvSpPr>
+          <p:cNvPr id="2" name="Title 1"/>
+          <p:cNvSpPr>
+            <a:spLocks noGrp="1"/>
+          </p:cNvSpPr>
+          <p:nvPr>
+            <p:ph type="title"/>
+          </p:nvPr>
+        </p:nvSpPr>
+        <p:spPr/>
+        <p:txBody>
+          <a:bodyPr/>
+          <a:lstStyle/>
+          <a:p>
+            <a:r>
+              <a:rPr lang="fr-FR" dirty="0" smtClean="0"/>
+              <a:t>Bilan du projet</a:t>
+            </a:r>
+            <a:endParaRPr lang="fr-FR" dirty="0"/>
+          </a:p>
+        </p:txBody>
+      </p:sp>
+      <p:sp>
+        <p:nvSpPr>
+          <p:cNvPr id="3" name="Content Placeholder 2"/>
+          <p:cNvSpPr>
+            <a:spLocks noGrp="1"/>
+          </p:cNvSpPr>
+          <p:nvPr>
+            <p:ph idx="1"/>
+          </p:nvPr>
+        </p:nvSpPr>
+        <p:spPr/>
+        <p:txBody>
+          <a:bodyPr/>
+          <a:lstStyle/>
+          <a:p>
+            <a:r>
+              <a:rPr lang="fr-FR" dirty="0" smtClean="0"/>
+              <a:t>Sous-estimation du temps nécessaire à la conception d’ensemble et à la gestion du projet</a:t>
+            </a:r>
+          </a:p>
+          <a:p>
+            <a:r>
+              <a:rPr lang="fr-FR" dirty="0" smtClean="0"/>
+              <a:t>Surestimation de l’architecture technique et de la présentation</a:t>
+            </a:r>
+          </a:p>
+          <a:p>
+            <a:r>
+              <a:rPr lang="fr-FR" dirty="0" smtClean="0"/>
+              <a:t>Synchronisation des processus bien gérée</a:t>
+            </a:r>
+          </a:p>
+        </p:txBody>
+      </p:sp>
+      <p:sp>
+        <p:nvSpPr>
+          <p:cNvPr id="4" name="Slide Number Placeholder 3"/>
+          <p:cNvSpPr>
+            <a:spLocks noGrp="1"/>
+          </p:cNvSpPr>
+          <p:nvPr>
+            <p:ph type="sldNum" sz="quarter" idx="12"/>
+          </p:nvPr>
+        </p:nvSpPr>
+        <p:spPr/>
+        <p:txBody>
+          <a:bodyPr/>
+          <a:lstStyle/>
+          <a:p>
+            <a:fld id="{886BB73A-582F-4420-9A14-CB10A2B2E5E8}" type="slidenum">
+              <a:rPr lang="en-US" smtClean="0"/>
+              <a:t>20</a:t>
+            </a:fld>
+            <a:endParaRPr lang="en-US"/>
+          </a:p>
+        </p:txBody>
+      </p:sp>
+    </p:spTree>
+    <p:extLst>
+      <p:ext uri="{BB962C8B-B14F-4D97-AF65-F5344CB8AC3E}">
+        <p14:creationId xmlns:p14="http://schemas.microsoft.com/office/powerpoint/2010/main" val="391019022"/>
+      </p:ext>
+    </p:extLst>
+  </p:cSld>
+  <p:clrMapOvr>
+    <a:masterClrMapping/>
+  </p:clrMapOvr>
+</p:sld>
+</file>
+
+<file path=ppt/slides/slide21.xml><?xml version="1.0" encoding="utf-8"?>
+<p:sld xmlns:a="http://schemas.openxmlformats.org/drawingml/2006/main" xmlns:r="http://schemas.openxmlformats.org/officeDocument/2006/relationships" xmlns:p="http://schemas.openxmlformats.org/presentationml/2006/main">
+  <p:cSld>
+    <p:spTree>
+      <p:nvGrpSpPr>
+        <p:cNvPr id="1" name=""/>
+        <p:cNvGrpSpPr/>
+        <p:nvPr/>
+      </p:nvGrpSpPr>
+      <p:grpSpPr>
+        <a:xfrm>
+          <a:off x="0" y="0"/>
+          <a:ext cx="0" cy="0"/>
+          <a:chOff x="0" y="0"/>
+          <a:chExt cx="0" cy="0"/>
+        </a:xfrm>
+      </p:grpSpPr>
+      <p:sp>
+        <p:nvSpPr>
+          <p:cNvPr id="2" name="Title 1"/>
+          <p:cNvSpPr>
+            <a:spLocks noGrp="1"/>
+          </p:cNvSpPr>
+          <p:nvPr>
+            <p:ph type="title"/>
+          </p:nvPr>
+        </p:nvSpPr>
+        <p:spPr/>
+        <p:txBody>
+          <a:bodyPr/>
+          <a:lstStyle/>
+          <a:p>
+            <a:endParaRPr lang="fr-FR" dirty="0"/>
+          </a:p>
+        </p:txBody>
+      </p:sp>
+      <p:sp>
+        <p:nvSpPr>
+          <p:cNvPr id="3" name="Content Placeholder 2"/>
+          <p:cNvSpPr>
+            <a:spLocks noGrp="1"/>
+          </p:cNvSpPr>
+          <p:nvPr>
+            <p:ph idx="1"/>
+          </p:nvPr>
+        </p:nvSpPr>
+        <p:spPr/>
+        <p:txBody>
+          <a:bodyPr/>
+          <a:lstStyle/>
+          <a:p>
+            <a:r>
+              <a:rPr lang="fr-FR" dirty="0" smtClean="0"/>
+              <a:t>Merci de nous avoir écouté.</a:t>
+            </a:r>
+          </a:p>
+          <a:p>
+            <a:r>
+              <a:rPr lang="fr-FR" dirty="0" smtClean="0"/>
+              <a:t>Questions?</a:t>
+            </a:r>
+            <a:endParaRPr lang="fr-FR" dirty="0"/>
+          </a:p>
+        </p:txBody>
+      </p:sp>
+      <p:sp>
+        <p:nvSpPr>
+          <p:cNvPr id="4" name="Slide Number Placeholder 3"/>
+          <p:cNvSpPr>
+            <a:spLocks noGrp="1"/>
+          </p:cNvSpPr>
+          <p:nvPr>
+            <p:ph type="sldNum" sz="quarter" idx="12"/>
+          </p:nvPr>
+        </p:nvSpPr>
+        <p:spPr/>
+        <p:txBody>
+          <a:bodyPr/>
+          <a:lstStyle/>
+          <a:p>
+            <a:fld id="{886BB73A-582F-4420-9A14-CB10A2B2E5E8}" type="slidenum">
+              <a:rPr lang="en-US" smtClean="0"/>
+              <a:t>21</a:t>
+            </a:fld>
+            <a:endParaRPr lang="en-US"/>
+          </a:p>
+        </p:txBody>
+      </p:sp>
+    </p:spTree>
+    <p:extLst>
+      <p:ext uri="{BB962C8B-B14F-4D97-AF65-F5344CB8AC3E}">
+        <p14:creationId xmlns:p14="http://schemas.microsoft.com/office/powerpoint/2010/main" val="4091414596"/>
+      </p:ext>
+    </p:extLst>
+  </p:cSld>
+  <p:clrMapOvr>
+    <a:masterClrMapping/>
+  </p:clrMapOvr>
+</p:sld>
+</file>
+
 <file path=ppt/slides/slide3.xml><?xml version="1.0" encoding="utf-8"?>
 <p:sld xmlns:a="http://schemas.openxmlformats.org/drawingml/2006/main" xmlns:r="http://schemas.openxmlformats.org/officeDocument/2006/relationships" xmlns:p="http://schemas.openxmlformats.org/presentationml/2006/main">
   <p:cSld>
@@ -5940,7 +6127,7 @@
   <p:timing>
     <p:tnLst>
       <p:par>
-        <p:cTn id="1" dur="indefinite" restart="never" nodeType="tmRoot"/>
+        <p:cTn xmlns:p14="http://schemas.microsoft.com/office/powerpoint/2010/main" id="1" dur="indefinite" restart="never" nodeType="tmRoot"/>
       </p:par>
     </p:tnLst>
   </p:timing>
@@ -5986,8 +6173,8 @@
         </p:blipFill>
         <p:spPr>
           <a:xfrm>
-            <a:off x="4051495" y="0"/>
-            <a:ext cx="4340457" cy="6858000"/>
+            <a:off x="4445168" y="0"/>
+            <a:ext cx="3946784" cy="6858000"/>
           </a:xfrm>
           <a:prstGeom prst="rect">
             <a:avLst/>
@@ -6061,7 +6248,7 @@
   <p:timing>
     <p:tnLst>
       <p:par>
-        <p:cTn id="1" dur="indefinite" restart="never" nodeType="tmRoot"/>
+        <p:cTn xmlns:p14="http://schemas.microsoft.com/office/powerpoint/2010/main" id="1" dur="indefinite" restart="never" nodeType="tmRoot"/>
       </p:par>
     </p:tnLst>
   </p:timing>
@@ -6116,16 +6303,39 @@
           </a:p>
         </p:txBody>
       </p:sp>
+      <p:sp>
+        <p:nvSpPr>
+          <p:cNvPr id="3" name="Slide Number Placeholder 2"/>
+          <p:cNvSpPr>
+            <a:spLocks noGrp="1"/>
+          </p:cNvSpPr>
+          <p:nvPr>
+            <p:ph type="sldNum" sz="quarter" idx="12"/>
+          </p:nvPr>
+        </p:nvSpPr>
+        <p:spPr/>
+        <p:txBody>
+          <a:bodyPr/>
+          <a:lstStyle/>
+          <a:p>
+            <a:fld id="{886BB73A-582F-4420-9A14-CB10A2B2E5E8}" type="slidenum">
+              <a:rPr lang="en-US" smtClean="0"/>
+              <a:t>5</a:t>
+            </a:fld>
+            <a:endParaRPr lang="en-US"/>
+          </a:p>
+        </p:txBody>
+      </p:sp>
       <p:pic>
         <p:nvPicPr>
-          <p:cNvPr id="2" name="Picture 1" descr="DACU5.png"/>
+          <p:cNvPr id="4" name="Picture 3" descr="DACU5.png"/>
           <p:cNvPicPr>
             <a:picLocks noChangeAspect="1"/>
           </p:cNvPicPr>
           <p:nvPr/>
         </p:nvPicPr>
         <p:blipFill>
-          <a:blip r:embed="rId2" cstate="email">
+          <a:blip r:embed="rId2">
             <a:extLst>
               <a:ext uri="{28A0092B-C50C-407E-A947-70E740481C1C}">
                 <a14:useLocalDpi xmlns:a14="http://schemas.microsoft.com/office/drawing/2010/main" val="0"/>
@@ -6138,37 +6348,14 @@
         </p:blipFill>
         <p:spPr>
           <a:xfrm>
-            <a:off x="3945751" y="0"/>
-            <a:ext cx="4764170" cy="6858000"/>
+            <a:off x="4058630" y="0"/>
+            <a:ext cx="4672709" cy="6858000"/>
           </a:xfrm>
           <a:prstGeom prst="rect">
             <a:avLst/>
           </a:prstGeom>
         </p:spPr>
       </p:pic>
-      <p:sp>
-        <p:nvSpPr>
-          <p:cNvPr id="3" name="Slide Number Placeholder 2"/>
-          <p:cNvSpPr>
-            <a:spLocks noGrp="1"/>
-          </p:cNvSpPr>
-          <p:nvPr>
-            <p:ph type="sldNum" sz="quarter" idx="12"/>
-          </p:nvPr>
-        </p:nvSpPr>
-        <p:spPr/>
-        <p:txBody>
-          <a:bodyPr/>
-          <a:lstStyle/>
-          <a:p>
-            <a:fld id="{886BB73A-582F-4420-9A14-CB10A2B2E5E8}" type="slidenum">
-              <a:rPr lang="en-US" smtClean="0"/>
-              <a:t>5</a:t>
-            </a:fld>
-            <a:endParaRPr lang="en-US"/>
-          </a:p>
-        </p:txBody>
-      </p:sp>
     </p:spTree>
     <p:extLst>
       <p:ext uri="{BB962C8B-B14F-4D97-AF65-F5344CB8AC3E}">
@@ -6182,7 +6369,7 @@
   <p:timing>
     <p:tnLst>
       <p:par>
-        <p:cTn id="1" dur="indefinite" restart="never" nodeType="tmRoot"/>
+        <p:cTn xmlns:p14="http://schemas.microsoft.com/office/powerpoint/2010/main" id="1" dur="indefinite" restart="never" nodeType="tmRoot"/>
       </p:par>
     </p:tnLst>
   </p:timing>
@@ -6662,7 +6849,7 @@
   <p:timing>
     <p:tnLst>
       <p:par>
-        <p:cTn id="1" dur="indefinite" restart="never" nodeType="tmRoot"/>
+        <p:cTn xmlns:p14="http://schemas.microsoft.com/office/powerpoint/2010/main" id="1" dur="indefinite" restart="never" nodeType="tmRoot"/>
       </p:par>
     </p:tnLst>
   </p:timing>
